--- a/Code/Wait-Less Presentation.pptx
+++ b/Code/Wait-Less Presentation.pptx
@@ -17,23 +17,24 @@
     <p:sldId id="262" r:id="rId12"/>
     <p:sldId id="263" r:id="rId13"/>
     <p:sldId id="264" r:id="rId14"/>
+    <p:sldId id="265" r:id="rId15"/>
   </p:sldIdLst>
   <p:sldSz cy="5143500" cx="9144000"/>
   <p:notesSz cx="6858000" cy="9144000"/>
   <p:embeddedFontLst>
     <p:embeddedFont>
       <p:font typeface="Montserrat"/>
-      <p:regular r:id="rId15"/>
-      <p:bold r:id="rId16"/>
-      <p:italic r:id="rId17"/>
-      <p:boldItalic r:id="rId18"/>
+      <p:regular r:id="rId16"/>
+      <p:bold r:id="rId17"/>
+      <p:italic r:id="rId18"/>
+      <p:boldItalic r:id="rId19"/>
     </p:embeddedFont>
     <p:embeddedFont>
       <p:font typeface="Lato"/>
-      <p:regular r:id="rId19"/>
-      <p:bold r:id="rId20"/>
-      <p:italic r:id="rId21"/>
-      <p:boldItalic r:id="rId22"/>
+      <p:regular r:id="rId20"/>
+      <p:bold r:id="rId21"/>
+      <p:italic r:id="rId22"/>
+      <p:boldItalic r:id="rId23"/>
     </p:embeddedFont>
   </p:embeddedFontLst>
   <p:defaultTextStyle>
@@ -809,12 +810,12 @@
 </p:notes>
 </file>
 
-<file path=ppt/notesSlides/notesSlide2.xml><?xml version="1.0" encoding="utf-8"?>
+<file path=ppt/notesSlides/notesSlide10.xml><?xml version="1.0" encoding="utf-8"?>
 <p:notes xmlns:a="http://schemas.openxmlformats.org/drawingml/2006/main" xmlns:r="http://schemas.openxmlformats.org/officeDocument/2006/relationships" xmlns:mc="http://schemas.openxmlformats.org/markup-compatibility/2006" xmlns:mv="urn:schemas-microsoft-com:mac:vml" xmlns:p="http://schemas.openxmlformats.org/presentationml/2006/main" xmlns:c="http://schemas.openxmlformats.org/drawingml/2006/chart" xmlns:dgm="http://schemas.openxmlformats.org/drawingml/2006/diagram" xmlns:o="urn:schemas-microsoft-com:office:office" xmlns:v="urn:schemas-microsoft-com:vml" xmlns:pvml="urn:schemas-microsoft-com:office:powerpoint" xmlns:com="http://schemas.openxmlformats.org/drawingml/2006/compatibility" xmlns:p14="http://schemas.microsoft.com/office/powerpoint/2010/main" xmlns:p15="http://schemas.microsoft.com/office/powerpoint/2012/main" showMasterPhAnim="0" showMasterSp="0">
   <p:cSld>
     <p:spTree>
       <p:nvGrpSpPr>
-        <p:cNvPr id="136" name="Shape 136"/>
+        <p:cNvPr id="198" name="Shape 198"/>
         <p:cNvGrpSpPr/>
         <p:nvPr/>
       </p:nvGrpSpPr>
@@ -828,7 +829,7 @@
       </p:grpSpPr>
       <p:sp>
         <p:nvSpPr>
-          <p:cNvPr id="137" name="Google Shape;137;g83b64fcb1c_0_125:notes"/>
+          <p:cNvPr id="199" name="Google Shape;199;g83e9b4b0a7_1_1:notes"/>
           <p:cNvSpPr/>
           <p:nvPr>
             <p:ph idx="2" type="sldImg"/>
@@ -863,7 +864,7 @@
       </p:sp>
       <p:sp>
         <p:nvSpPr>
-          <p:cNvPr id="138" name="Google Shape;138;g83b64fcb1c_0_125:notes"/>
+          <p:cNvPr id="200" name="Google Shape;200;g83e9b4b0a7_1_1:notes"/>
           <p:cNvSpPr txBox="1"/>
           <p:nvPr>
             <p:ph idx="1" type="body"/>
@@ -908,12 +909,12 @@
 </p:notes>
 </file>
 
-<file path=ppt/notesSlides/notesSlide3.xml><?xml version="1.0" encoding="utf-8"?>
+<file path=ppt/notesSlides/notesSlide2.xml><?xml version="1.0" encoding="utf-8"?>
 <p:notes xmlns:a="http://schemas.openxmlformats.org/drawingml/2006/main" xmlns:r="http://schemas.openxmlformats.org/officeDocument/2006/relationships" xmlns:mc="http://schemas.openxmlformats.org/markup-compatibility/2006" xmlns:mv="urn:schemas-microsoft-com:mac:vml" xmlns:p="http://schemas.openxmlformats.org/presentationml/2006/main" xmlns:c="http://schemas.openxmlformats.org/drawingml/2006/chart" xmlns:dgm="http://schemas.openxmlformats.org/drawingml/2006/diagram" xmlns:o="urn:schemas-microsoft-com:office:office" xmlns:v="urn:schemas-microsoft-com:vml" xmlns:pvml="urn:schemas-microsoft-com:office:powerpoint" xmlns:com="http://schemas.openxmlformats.org/drawingml/2006/compatibility" xmlns:p14="http://schemas.microsoft.com/office/powerpoint/2010/main" xmlns:p15="http://schemas.microsoft.com/office/powerpoint/2012/main" showMasterPhAnim="0" showMasterSp="0">
   <p:cSld>
     <p:spTree>
       <p:nvGrpSpPr>
-        <p:cNvPr id="143" name="Shape 143"/>
+        <p:cNvPr id="136" name="Shape 136"/>
         <p:cNvGrpSpPr/>
         <p:nvPr/>
       </p:nvGrpSpPr>
@@ -927,7 +928,7 @@
       </p:grpSpPr>
       <p:sp>
         <p:nvSpPr>
-          <p:cNvPr id="144" name="Google Shape;144;g83b64fcb1c_2_5:notes"/>
+          <p:cNvPr id="137" name="Google Shape;137;g83e9b4b0a7_2_5:notes"/>
           <p:cNvSpPr/>
           <p:nvPr>
             <p:ph idx="2" type="sldImg"/>
@@ -962,7 +963,7 @@
       </p:sp>
       <p:sp>
         <p:nvSpPr>
-          <p:cNvPr id="145" name="Google Shape;145;g83b64fcb1c_2_5:notes"/>
+          <p:cNvPr id="138" name="Google Shape;138;g83e9b4b0a7_2_5:notes"/>
           <p:cNvSpPr txBox="1"/>
           <p:nvPr>
             <p:ph idx="1" type="body"/>
@@ -1007,12 +1008,12 @@
 </p:notes>
 </file>
 
-<file path=ppt/notesSlides/notesSlide4.xml><?xml version="1.0" encoding="utf-8"?>
+<file path=ppt/notesSlides/notesSlide3.xml><?xml version="1.0" encoding="utf-8"?>
 <p:notes xmlns:a="http://schemas.openxmlformats.org/drawingml/2006/main" xmlns:r="http://schemas.openxmlformats.org/officeDocument/2006/relationships" xmlns:mc="http://schemas.openxmlformats.org/markup-compatibility/2006" xmlns:mv="urn:schemas-microsoft-com:mac:vml" xmlns:p="http://schemas.openxmlformats.org/presentationml/2006/main" xmlns:c="http://schemas.openxmlformats.org/drawingml/2006/chart" xmlns:dgm="http://schemas.openxmlformats.org/drawingml/2006/diagram" xmlns:o="urn:schemas-microsoft-com:office:office" xmlns:v="urn:schemas-microsoft-com:vml" xmlns:pvml="urn:schemas-microsoft-com:office:powerpoint" xmlns:com="http://schemas.openxmlformats.org/drawingml/2006/compatibility" xmlns:p14="http://schemas.microsoft.com/office/powerpoint/2010/main" xmlns:p15="http://schemas.microsoft.com/office/powerpoint/2012/main" showMasterPhAnim="0" showMasterSp="0">
   <p:cSld>
     <p:spTree>
       <p:nvGrpSpPr>
-        <p:cNvPr id="150" name="Shape 150"/>
+        <p:cNvPr id="144" name="Shape 144"/>
         <p:cNvGrpSpPr/>
         <p:nvPr/>
       </p:nvGrpSpPr>
@@ -1026,7 +1027,7 @@
       </p:grpSpPr>
       <p:sp>
         <p:nvSpPr>
-          <p:cNvPr id="151" name="Google Shape;151;g83b64fcb1c_1_5:notes"/>
+          <p:cNvPr id="145" name="Google Shape;145;g83b64fcb1c_0_125:notes"/>
           <p:cNvSpPr/>
           <p:nvPr>
             <p:ph idx="2" type="sldImg"/>
@@ -1061,7 +1062,106 @@
       </p:sp>
       <p:sp>
         <p:nvSpPr>
-          <p:cNvPr id="152" name="Google Shape;152;g83b64fcb1c_1_5:notes"/>
+          <p:cNvPr id="146" name="Google Shape;146;g83b64fcb1c_0_125:notes"/>
+          <p:cNvSpPr txBox="1"/>
+          <p:nvPr>
+            <p:ph idx="1" type="body"/>
+          </p:nvPr>
+        </p:nvSpPr>
+        <p:spPr>
+          <a:xfrm>
+            <a:off x="685800" y="4343400"/>
+            <a:ext cx="5486400" cy="4114800"/>
+          </a:xfrm>
+          <a:prstGeom prst="rect">
+            <a:avLst/>
+          </a:prstGeom>
+        </p:spPr>
+        <p:txBody>
+          <a:bodyPr anchorCtr="0" anchor="t" bIns="91425" lIns="91425" spcFirstLastPara="1" rIns="91425" wrap="square" tIns="91425">
+            <a:noAutofit/>
+          </a:bodyPr>
+          <a:lstStyle/>
+          <a:p>
+            <a:pPr indent="0" lvl="0" marL="0" rtl="0" algn="l">
+              <a:spcBef>
+                <a:spcPts val="0"/>
+              </a:spcBef>
+              <a:spcAft>
+                <a:spcPts val="0"/>
+              </a:spcAft>
+              <a:buNone/>
+            </a:pPr>
+            <a:r>
+              <a:t/>
+            </a:r>
+            <a:endParaRPr/>
+          </a:p>
+        </p:txBody>
+      </p:sp>
+    </p:spTree>
+  </p:cSld>
+  <p:clrMapOvr>
+    <a:masterClrMapping/>
+  </p:clrMapOvr>
+</p:notes>
+</file>
+
+<file path=ppt/notesSlides/notesSlide4.xml><?xml version="1.0" encoding="utf-8"?>
+<p:notes xmlns:a="http://schemas.openxmlformats.org/drawingml/2006/main" xmlns:r="http://schemas.openxmlformats.org/officeDocument/2006/relationships" xmlns:mc="http://schemas.openxmlformats.org/markup-compatibility/2006" xmlns:mv="urn:schemas-microsoft-com:mac:vml" xmlns:p="http://schemas.openxmlformats.org/presentationml/2006/main" xmlns:c="http://schemas.openxmlformats.org/drawingml/2006/chart" xmlns:dgm="http://schemas.openxmlformats.org/drawingml/2006/diagram" xmlns:o="urn:schemas-microsoft-com:office:office" xmlns:v="urn:schemas-microsoft-com:vml" xmlns:pvml="urn:schemas-microsoft-com:office:powerpoint" xmlns:com="http://schemas.openxmlformats.org/drawingml/2006/compatibility" xmlns:p14="http://schemas.microsoft.com/office/powerpoint/2010/main" xmlns:p15="http://schemas.microsoft.com/office/powerpoint/2012/main" showMasterPhAnim="0" showMasterSp="0">
+  <p:cSld>
+    <p:spTree>
+      <p:nvGrpSpPr>
+        <p:cNvPr id="151" name="Shape 151"/>
+        <p:cNvGrpSpPr/>
+        <p:nvPr/>
+      </p:nvGrpSpPr>
+      <p:grpSpPr>
+        <a:xfrm>
+          <a:off x="0" y="0"/>
+          <a:ext cx="0" cy="0"/>
+          <a:chOff x="0" y="0"/>
+          <a:chExt cx="0" cy="0"/>
+        </a:xfrm>
+      </p:grpSpPr>
+      <p:sp>
+        <p:nvSpPr>
+          <p:cNvPr id="152" name="Google Shape;152;g83b64fcb1c_2_5:notes"/>
+          <p:cNvSpPr/>
+          <p:nvPr>
+            <p:ph idx="2" type="sldImg"/>
+          </p:nvPr>
+        </p:nvSpPr>
+        <p:spPr>
+          <a:xfrm>
+            <a:off x="381300" y="685800"/>
+            <a:ext cx="6096000" cy="3429000"/>
+          </a:xfrm>
+          <a:custGeom>
+            <a:rect b="b" l="l" r="r" t="t"/>
+            <a:pathLst>
+              <a:path extrusionOk="0" h="120000" w="120000">
+                <a:moveTo>
+                  <a:pt x="0" y="0"/>
+                </a:moveTo>
+                <a:lnTo>
+                  <a:pt x="120000" y="0"/>
+                </a:lnTo>
+                <a:lnTo>
+                  <a:pt x="120000" y="120000"/>
+                </a:lnTo>
+                <a:lnTo>
+                  <a:pt x="0" y="120000"/>
+                </a:lnTo>
+                <a:close/>
+              </a:path>
+            </a:pathLst>
+          </a:custGeom>
+        </p:spPr>
+      </p:sp>
+      <p:sp>
+        <p:nvSpPr>
+          <p:cNvPr id="153" name="Google Shape;153;g83b64fcb1c_2_5:notes"/>
           <p:cNvSpPr txBox="1"/>
           <p:nvPr>
             <p:ph idx="1" type="body"/>
@@ -1125,7 +1225,7 @@
       </p:grpSpPr>
       <p:sp>
         <p:nvSpPr>
-          <p:cNvPr id="159" name="Google Shape;159;g83b64fcb1c_1_15:notes"/>
+          <p:cNvPr id="159" name="Google Shape;159;g83b64fcb1c_1_5:notes"/>
           <p:cNvSpPr/>
           <p:nvPr>
             <p:ph idx="2" type="sldImg"/>
@@ -1160,7 +1260,7 @@
       </p:sp>
       <p:sp>
         <p:nvSpPr>
-          <p:cNvPr id="160" name="Google Shape;160;g83b64fcb1c_1_15:notes"/>
+          <p:cNvPr id="160" name="Google Shape;160;g83b64fcb1c_1_5:notes"/>
           <p:cNvSpPr txBox="1"/>
           <p:nvPr>
             <p:ph idx="1" type="body"/>
@@ -1224,7 +1324,7 @@
       </p:grpSpPr>
       <p:sp>
         <p:nvSpPr>
-          <p:cNvPr id="167" name="Google Shape;167;g83b64fcb1c_0_130:notes"/>
+          <p:cNvPr id="167" name="Google Shape;167;g83b64fcb1c_1_15:notes"/>
           <p:cNvSpPr/>
           <p:nvPr>
             <p:ph idx="2" type="sldImg"/>
@@ -1259,7 +1359,7 @@
       </p:sp>
       <p:sp>
         <p:nvSpPr>
-          <p:cNvPr id="168" name="Google Shape;168;g83b64fcb1c_0_130:notes"/>
+          <p:cNvPr id="168" name="Google Shape;168;g83b64fcb1c_1_15:notes"/>
           <p:cNvSpPr txBox="1"/>
           <p:nvPr>
             <p:ph idx="1" type="body"/>
@@ -1323,7 +1423,7 @@
       </p:grpSpPr>
       <p:sp>
         <p:nvSpPr>
-          <p:cNvPr id="175" name="Google Shape;175;g839ca0ba85_1_1:notes"/>
+          <p:cNvPr id="175" name="Google Shape;175;g83b64fcb1c_0_130:notes"/>
           <p:cNvSpPr/>
           <p:nvPr>
             <p:ph idx="2" type="sldImg"/>
@@ -1358,7 +1458,7 @@
       </p:sp>
       <p:sp>
         <p:nvSpPr>
-          <p:cNvPr id="176" name="Google Shape;176;g839ca0ba85_1_1:notes"/>
+          <p:cNvPr id="176" name="Google Shape;176;g83b64fcb1c_0_130:notes"/>
           <p:cNvSpPr txBox="1"/>
           <p:nvPr>
             <p:ph idx="1" type="body"/>
@@ -1408,7 +1508,7 @@
   <p:cSld>
     <p:spTree>
       <p:nvGrpSpPr>
-        <p:cNvPr id="181" name="Shape 181"/>
+        <p:cNvPr id="182" name="Shape 182"/>
         <p:cNvGrpSpPr/>
         <p:nvPr/>
       </p:nvGrpSpPr>
@@ -1422,7 +1522,7 @@
       </p:grpSpPr>
       <p:sp>
         <p:nvSpPr>
-          <p:cNvPr id="182" name="Google Shape;182;g746a20ac97_0_5:notes"/>
+          <p:cNvPr id="183" name="Google Shape;183;g839ca0ba85_1_1:notes"/>
           <p:cNvSpPr/>
           <p:nvPr>
             <p:ph idx="2" type="sldImg"/>
@@ -1457,7 +1557,7 @@
       </p:sp>
       <p:sp>
         <p:nvSpPr>
-          <p:cNvPr id="183" name="Google Shape;183;g746a20ac97_0_5:notes"/>
+          <p:cNvPr id="184" name="Google Shape;184;g839ca0ba85_1_1:notes"/>
           <p:cNvSpPr txBox="1"/>
           <p:nvPr>
             <p:ph idx="1" type="body"/>
@@ -1507,7 +1607,7 @@
   <p:cSld>
     <p:spTree>
       <p:nvGrpSpPr>
-        <p:cNvPr id="190" name="Shape 190"/>
+        <p:cNvPr id="189" name="Shape 189"/>
         <p:cNvGrpSpPr/>
         <p:nvPr/>
       </p:nvGrpSpPr>
@@ -1521,7 +1621,7 @@
       </p:grpSpPr>
       <p:sp>
         <p:nvSpPr>
-          <p:cNvPr id="191" name="Google Shape;191;g83b64fcb1c_3_0:notes"/>
+          <p:cNvPr id="190" name="Google Shape;190;g746a20ac97_0_5:notes"/>
           <p:cNvSpPr/>
           <p:nvPr>
             <p:ph idx="2" type="sldImg"/>
@@ -1556,7 +1656,7 @@
       </p:sp>
       <p:sp>
         <p:nvSpPr>
-          <p:cNvPr id="192" name="Google Shape;192;g83b64fcb1c_3_0:notes"/>
+          <p:cNvPr id="191" name="Google Shape;191;g746a20ac97_0_5:notes"/>
           <p:cNvSpPr txBox="1"/>
           <p:nvPr>
             <p:ph idx="1" type="body"/>
@@ -9906,12 +10006,107 @@
             </a:pPr>
             <a:r>
               <a:rPr lang="en"/>
-              <a:t>By Brian, Omar, Harsh, and Emmanuel</a:t>
+              <a:t>Group22:  Brian, Omar, Harsh, and Emmanuel</a:t>
             </a:r>
             <a:endParaRPr/>
           </a:p>
         </p:txBody>
       </p:sp>
+    </p:spTree>
+  </p:cSld>
+  <p:clrMapOvr>
+    <a:masterClrMapping/>
+  </p:clrMapOvr>
+</p:sld>
+</file>
+
+<file path=ppt/slides/slide10.xml><?xml version="1.0" encoding="utf-8"?>
+<p:sld xmlns:a="http://schemas.openxmlformats.org/drawingml/2006/main" xmlns:r="http://schemas.openxmlformats.org/officeDocument/2006/relationships" xmlns:mc="http://schemas.openxmlformats.org/markup-compatibility/2006" xmlns:mv="urn:schemas-microsoft-com:mac:vml" xmlns:p="http://schemas.openxmlformats.org/presentationml/2006/main" xmlns:c="http://schemas.openxmlformats.org/drawingml/2006/chart" xmlns:dgm="http://schemas.openxmlformats.org/drawingml/2006/diagram" xmlns:o="urn:schemas-microsoft-com:office:office" xmlns:v="urn:schemas-microsoft-com:vml" xmlns:pvml="urn:schemas-microsoft-com:office:powerpoint" xmlns:com="http://schemas.openxmlformats.org/drawingml/2006/compatibility" xmlns:p14="http://schemas.microsoft.com/office/powerpoint/2010/main" xmlns:p15="http://schemas.microsoft.com/office/powerpoint/2012/main">
+  <p:cSld>
+    <p:spTree>
+      <p:nvGrpSpPr>
+        <p:cNvPr id="201" name="Shape 201"/>
+        <p:cNvGrpSpPr/>
+        <p:nvPr/>
+      </p:nvGrpSpPr>
+      <p:grpSpPr>
+        <a:xfrm>
+          <a:off x="0" y="0"/>
+          <a:ext cx="0" cy="0"/>
+          <a:chOff x="0" y="0"/>
+          <a:chExt cx="0" cy="0"/>
+        </a:xfrm>
+      </p:grpSpPr>
+      <p:sp>
+        <p:nvSpPr>
+          <p:cNvPr id="202" name="Google Shape;202;p22"/>
+          <p:cNvSpPr txBox="1"/>
+          <p:nvPr>
+            <p:ph type="title"/>
+          </p:nvPr>
+        </p:nvSpPr>
+        <p:spPr>
+          <a:xfrm>
+            <a:off x="815700" y="306250"/>
+            <a:ext cx="7512600" cy="914100"/>
+          </a:xfrm>
+          <a:prstGeom prst="rect">
+            <a:avLst/>
+          </a:prstGeom>
+        </p:spPr>
+        <p:txBody>
+          <a:bodyPr anchorCtr="0" anchor="t" bIns="91425" lIns="91425" spcFirstLastPara="1" rIns="91425" wrap="square" tIns="91425">
+            <a:noAutofit/>
+          </a:bodyPr>
+          <a:lstStyle/>
+          <a:p>
+            <a:pPr indent="0" lvl="0" marL="0" rtl="0" algn="ctr">
+              <a:spcBef>
+                <a:spcPts val="0"/>
+              </a:spcBef>
+              <a:spcAft>
+                <a:spcPts val="0"/>
+              </a:spcAft>
+              <a:buNone/>
+            </a:pPr>
+            <a:r>
+              <a:rPr lang="en" sz="2300"/>
+              <a:t>Task Sending and Completed Tasks Stats Demo</a:t>
+            </a:r>
+            <a:endParaRPr sz="2300"/>
+          </a:p>
+        </p:txBody>
+      </p:sp>
+      <p:pic>
+        <p:nvPicPr>
+          <p:cNvPr id="203" name="Google Shape;203;p22" title="Demo.mov">
+            <a:hlinkClick r:id="rId3"/>
+          </p:cNvPr>
+          <p:cNvPicPr preferRelativeResize="0"/>
+          <p:nvPr/>
+        </p:nvPicPr>
+        <p:blipFill>
+          <a:blip r:embed="rId4">
+            <a:alphaModFix/>
+          </a:blip>
+          <a:stretch>
+            <a:fillRect/>
+          </a:stretch>
+        </p:blipFill>
+        <p:spPr>
+          <a:xfrm>
+            <a:off x="1499350" y="994500"/>
+            <a:ext cx="6145300" cy="3881725"/>
+          </a:xfrm>
+          <a:prstGeom prst="rect">
+            <a:avLst/>
+          </a:prstGeom>
+          <a:noFill/>
+          <a:ln>
+            <a:noFill/>
+          </a:ln>
+        </p:spPr>
+      </p:pic>
     </p:spTree>
   </p:cSld>
   <p:clrMapOvr>
@@ -9971,6 +10166,223 @@
             </a:pPr>
             <a:r>
               <a:rPr lang="en"/>
+              <a:t>Wait-Less</a:t>
+            </a:r>
+            <a:endParaRPr/>
+          </a:p>
+        </p:txBody>
+      </p:sp>
+      <p:sp>
+        <p:nvSpPr>
+          <p:cNvPr id="141" name="Google Shape;141;p14"/>
+          <p:cNvSpPr txBox="1"/>
+          <p:nvPr>
+            <p:ph idx="1" type="body"/>
+          </p:nvPr>
+        </p:nvSpPr>
+        <p:spPr>
+          <a:xfrm>
+            <a:off x="800025" y="1576425"/>
+            <a:ext cx="4770000" cy="2911200"/>
+          </a:xfrm>
+          <a:prstGeom prst="rect">
+            <a:avLst/>
+          </a:prstGeom>
+        </p:spPr>
+        <p:txBody>
+          <a:bodyPr anchorCtr="0" anchor="t" bIns="91425" lIns="91425" spcFirstLastPara="1" rIns="91425" wrap="square" tIns="91425">
+            <a:noAutofit/>
+          </a:bodyPr>
+          <a:lstStyle/>
+          <a:p>
+            <a:pPr indent="-311150" lvl="0" marL="457200" rtl="0" algn="l">
+              <a:lnSpc>
+                <a:spcPct val="200000"/>
+              </a:lnSpc>
+              <a:spcBef>
+                <a:spcPts val="0"/>
+              </a:spcBef>
+              <a:spcAft>
+                <a:spcPts val="0"/>
+              </a:spcAft>
+              <a:buSzPts val="1300"/>
+              <a:buChar char="●"/>
+            </a:pPr>
+            <a:r>
+              <a:rPr lang="en"/>
+              <a:t>Wait-Less is a mobile application that helps managers and employees handle a </a:t>
+            </a:r>
+            <a:r>
+              <a:rPr lang="en"/>
+              <a:t>restaurant</a:t>
+            </a:r>
+            <a:r>
+              <a:rPr lang="en"/>
+              <a:t>.</a:t>
+            </a:r>
+            <a:endParaRPr/>
+          </a:p>
+          <a:p>
+            <a:pPr indent="-311150" lvl="0" marL="457200" rtl="0" algn="l">
+              <a:lnSpc>
+                <a:spcPct val="200000"/>
+              </a:lnSpc>
+              <a:spcBef>
+                <a:spcPts val="0"/>
+              </a:spcBef>
+              <a:spcAft>
+                <a:spcPts val="0"/>
+              </a:spcAft>
+              <a:buSzPts val="1300"/>
+              <a:buChar char="●"/>
+            </a:pPr>
+            <a:r>
+              <a:rPr lang="en"/>
+              <a:t>Allows waiters to easily manage and keep track of their tasks. As well as send tasks to other employees within the </a:t>
+            </a:r>
+            <a:r>
+              <a:rPr lang="en"/>
+              <a:t>restaurant.</a:t>
+            </a:r>
+            <a:endParaRPr/>
+          </a:p>
+          <a:p>
+            <a:pPr indent="-311150" lvl="0" marL="457200" rtl="0" algn="l">
+              <a:lnSpc>
+                <a:spcPct val="200000"/>
+              </a:lnSpc>
+              <a:spcBef>
+                <a:spcPts val="0"/>
+              </a:spcBef>
+              <a:spcAft>
+                <a:spcPts val="0"/>
+              </a:spcAft>
+              <a:buSzPts val="1300"/>
+              <a:buChar char="●"/>
+            </a:pPr>
+            <a:r>
+              <a:rPr lang="en"/>
+              <a:t>Allows managers to track progress and statistics of task and waiters</a:t>
+            </a:r>
+            <a:endParaRPr/>
+          </a:p>
+        </p:txBody>
+      </p:sp>
+      <p:pic>
+        <p:nvPicPr>
+          <p:cNvPr id="142" name="Google Shape;142;p14"/>
+          <p:cNvPicPr preferRelativeResize="0"/>
+          <p:nvPr/>
+        </p:nvPicPr>
+        <p:blipFill>
+          <a:blip r:embed="rId3">
+            <a:alphaModFix/>
+          </a:blip>
+          <a:stretch>
+            <a:fillRect/>
+          </a:stretch>
+        </p:blipFill>
+        <p:spPr>
+          <a:xfrm>
+            <a:off x="6234323" y="91700"/>
+            <a:ext cx="1671925" cy="1399325"/>
+          </a:xfrm>
+          <a:prstGeom prst="rect">
+            <a:avLst/>
+          </a:prstGeom>
+          <a:noFill/>
+          <a:ln>
+            <a:noFill/>
+          </a:ln>
+        </p:spPr>
+      </p:pic>
+      <p:pic>
+        <p:nvPicPr>
+          <p:cNvPr id="143" name="Google Shape;143;p14"/>
+          <p:cNvPicPr preferRelativeResize="0"/>
+          <p:nvPr/>
+        </p:nvPicPr>
+        <p:blipFill>
+          <a:blip r:embed="rId4">
+            <a:alphaModFix/>
+          </a:blip>
+          <a:stretch>
+            <a:fillRect/>
+          </a:stretch>
+        </p:blipFill>
+        <p:spPr>
+          <a:xfrm>
+            <a:off x="6140325" y="1634525"/>
+            <a:ext cx="2196075" cy="3347675"/>
+          </a:xfrm>
+          <a:prstGeom prst="rect">
+            <a:avLst/>
+          </a:prstGeom>
+          <a:noFill/>
+          <a:ln>
+            <a:noFill/>
+          </a:ln>
+        </p:spPr>
+      </p:pic>
+    </p:spTree>
+  </p:cSld>
+  <p:clrMapOvr>
+    <a:masterClrMapping/>
+  </p:clrMapOvr>
+</p:sld>
+</file>
+
+<file path=ppt/slides/slide3.xml><?xml version="1.0" encoding="utf-8"?>
+<p:sld xmlns:a="http://schemas.openxmlformats.org/drawingml/2006/main" xmlns:r="http://schemas.openxmlformats.org/officeDocument/2006/relationships" xmlns:mc="http://schemas.openxmlformats.org/markup-compatibility/2006" xmlns:mv="urn:schemas-microsoft-com:mac:vml" xmlns:p="http://schemas.openxmlformats.org/presentationml/2006/main" xmlns:c="http://schemas.openxmlformats.org/drawingml/2006/chart" xmlns:dgm="http://schemas.openxmlformats.org/drawingml/2006/diagram" xmlns:o="urn:schemas-microsoft-com:office:office" xmlns:v="urn:schemas-microsoft-com:vml" xmlns:pvml="urn:schemas-microsoft-com:office:powerpoint" xmlns:com="http://schemas.openxmlformats.org/drawingml/2006/compatibility" xmlns:p14="http://schemas.microsoft.com/office/powerpoint/2010/main" xmlns:p15="http://schemas.microsoft.com/office/powerpoint/2012/main">
+  <p:cSld>
+    <p:spTree>
+      <p:nvGrpSpPr>
+        <p:cNvPr id="147" name="Shape 147"/>
+        <p:cNvGrpSpPr/>
+        <p:nvPr/>
+      </p:nvGrpSpPr>
+      <p:grpSpPr>
+        <a:xfrm>
+          <a:off x="0" y="0"/>
+          <a:ext cx="0" cy="0"/>
+          <a:chOff x="0" y="0"/>
+          <a:chExt cx="0" cy="0"/>
+        </a:xfrm>
+      </p:grpSpPr>
+      <p:sp>
+        <p:nvSpPr>
+          <p:cNvPr id="148" name="Google Shape;148;p15"/>
+          <p:cNvSpPr txBox="1"/>
+          <p:nvPr>
+            <p:ph type="title"/>
+          </p:nvPr>
+        </p:nvSpPr>
+        <p:spPr>
+          <a:xfrm>
+            <a:off x="1297500" y="393750"/>
+            <a:ext cx="7038900" cy="914100"/>
+          </a:xfrm>
+          <a:prstGeom prst="rect">
+            <a:avLst/>
+          </a:prstGeom>
+        </p:spPr>
+        <p:txBody>
+          <a:bodyPr anchorCtr="0" anchor="t" bIns="91425" lIns="91425" spcFirstLastPara="1" rIns="91425" wrap="square" tIns="91425">
+            <a:noAutofit/>
+          </a:bodyPr>
+          <a:lstStyle/>
+          <a:p>
+            <a:pPr indent="0" lvl="0" marL="0" rtl="0" algn="l">
+              <a:spcBef>
+                <a:spcPts val="0"/>
+              </a:spcBef>
+              <a:spcAft>
+                <a:spcPts val="0"/>
+              </a:spcAft>
+              <a:buNone/>
+            </a:pPr>
+            <a:r>
+              <a:rPr lang="en"/>
               <a:t>Frontend - UI Flutter</a:t>
             </a:r>
             <a:endParaRPr/>
@@ -9979,7 +10391,7 @@
       </p:sp>
       <p:sp>
         <p:nvSpPr>
-          <p:cNvPr id="141" name="Google Shape;141;p14"/>
+          <p:cNvPr id="149" name="Google Shape;149;p15"/>
           <p:cNvSpPr txBox="1"/>
           <p:nvPr>
             <p:ph idx="1" type="body"/>
@@ -10083,7 +10495,7 @@
       </p:sp>
       <p:pic>
         <p:nvPicPr>
-          <p:cNvPr id="142" name="Google Shape;142;p14"/>
+          <p:cNvPr id="150" name="Google Shape;150;p15"/>
           <p:cNvPicPr preferRelativeResize="0"/>
           <p:nvPr/>
         </p:nvPicPr>
@@ -10117,12 +10529,12 @@
 </p:sld>
 </file>
 
-<file path=ppt/slides/slide3.xml><?xml version="1.0" encoding="utf-8"?>
+<file path=ppt/slides/slide4.xml><?xml version="1.0" encoding="utf-8"?>
 <p:sld xmlns:a="http://schemas.openxmlformats.org/drawingml/2006/main" xmlns:r="http://schemas.openxmlformats.org/officeDocument/2006/relationships" xmlns:mc="http://schemas.openxmlformats.org/markup-compatibility/2006" xmlns:mv="urn:schemas-microsoft-com:mac:vml" xmlns:p="http://schemas.openxmlformats.org/presentationml/2006/main" xmlns:c="http://schemas.openxmlformats.org/drawingml/2006/chart" xmlns:dgm="http://schemas.openxmlformats.org/drawingml/2006/diagram" xmlns:o="urn:schemas-microsoft-com:office:office" xmlns:v="urn:schemas-microsoft-com:vml" xmlns:pvml="urn:schemas-microsoft-com:office:powerpoint" xmlns:com="http://schemas.openxmlformats.org/drawingml/2006/compatibility" xmlns:p14="http://schemas.microsoft.com/office/powerpoint/2010/main" xmlns:p15="http://schemas.microsoft.com/office/powerpoint/2012/main">
   <p:cSld>
     <p:spTree>
       <p:nvGrpSpPr>
-        <p:cNvPr id="146" name="Shape 146"/>
+        <p:cNvPr id="154" name="Shape 154"/>
         <p:cNvGrpSpPr/>
         <p:nvPr/>
       </p:nvGrpSpPr>
@@ -10136,7 +10548,7 @@
       </p:grpSpPr>
       <p:sp>
         <p:nvSpPr>
-          <p:cNvPr id="147" name="Google Shape;147;p15"/>
+          <p:cNvPr id="155" name="Google Shape;155;p16"/>
           <p:cNvSpPr txBox="1"/>
           <p:nvPr>
             <p:ph type="title"/>
@@ -10176,7 +10588,7 @@
       </p:sp>
       <p:sp>
         <p:nvSpPr>
-          <p:cNvPr id="148" name="Google Shape;148;p15"/>
+          <p:cNvPr id="156" name="Google Shape;156;p16"/>
           <p:cNvSpPr txBox="1"/>
           <p:nvPr>
             <p:ph idx="1" type="body"/>
@@ -10278,7 +10690,7 @@
       </p:sp>
       <p:pic>
         <p:nvPicPr>
-          <p:cNvPr id="149" name="Google Shape;149;p15"/>
+          <p:cNvPr id="157" name="Google Shape;157;p16"/>
           <p:cNvPicPr preferRelativeResize="0"/>
           <p:nvPr/>
         </p:nvPicPr>
@@ -10294,293 +10706,6 @@
           <a:xfrm>
             <a:off x="5049347" y="1185797"/>
             <a:ext cx="3287050" cy="3356850"/>
-          </a:xfrm>
-          <a:prstGeom prst="rect">
-            <a:avLst/>
-          </a:prstGeom>
-          <a:noFill/>
-          <a:ln>
-            <a:noFill/>
-          </a:ln>
-        </p:spPr>
-      </p:pic>
-    </p:spTree>
-  </p:cSld>
-  <p:clrMapOvr>
-    <a:masterClrMapping/>
-  </p:clrMapOvr>
-</p:sld>
-</file>
-
-<file path=ppt/slides/slide4.xml><?xml version="1.0" encoding="utf-8"?>
-<p:sld xmlns:a="http://schemas.openxmlformats.org/drawingml/2006/main" xmlns:r="http://schemas.openxmlformats.org/officeDocument/2006/relationships" xmlns:mc="http://schemas.openxmlformats.org/markup-compatibility/2006" xmlns:mv="urn:schemas-microsoft-com:mac:vml" xmlns:p="http://schemas.openxmlformats.org/presentationml/2006/main" xmlns:c="http://schemas.openxmlformats.org/drawingml/2006/chart" xmlns:dgm="http://schemas.openxmlformats.org/drawingml/2006/diagram" xmlns:o="urn:schemas-microsoft-com:office:office" xmlns:v="urn:schemas-microsoft-com:vml" xmlns:pvml="urn:schemas-microsoft-com:office:powerpoint" xmlns:com="http://schemas.openxmlformats.org/drawingml/2006/compatibility" xmlns:p14="http://schemas.microsoft.com/office/powerpoint/2010/main" xmlns:p15="http://schemas.microsoft.com/office/powerpoint/2012/main">
-  <p:cSld>
-    <p:spTree>
-      <p:nvGrpSpPr>
-        <p:cNvPr id="153" name="Shape 153"/>
-        <p:cNvGrpSpPr/>
-        <p:nvPr/>
-      </p:nvGrpSpPr>
-      <p:grpSpPr>
-        <a:xfrm>
-          <a:off x="0" y="0"/>
-          <a:ext cx="0" cy="0"/>
-          <a:chOff x="0" y="0"/>
-          <a:chExt cx="0" cy="0"/>
-        </a:xfrm>
-      </p:grpSpPr>
-      <p:sp>
-        <p:nvSpPr>
-          <p:cNvPr id="154" name="Google Shape;154;p16"/>
-          <p:cNvSpPr txBox="1"/>
-          <p:nvPr>
-            <p:ph type="title"/>
-          </p:nvPr>
-        </p:nvSpPr>
-        <p:spPr>
-          <a:xfrm>
-            <a:off x="1297500" y="393750"/>
-            <a:ext cx="7038900" cy="914100"/>
-          </a:xfrm>
-          <a:prstGeom prst="rect">
-            <a:avLst/>
-          </a:prstGeom>
-        </p:spPr>
-        <p:txBody>
-          <a:bodyPr anchorCtr="0" anchor="t" bIns="91425" lIns="91425" spcFirstLastPara="1" rIns="91425" wrap="square" tIns="91425">
-            <a:noAutofit/>
-          </a:bodyPr>
-          <a:lstStyle/>
-          <a:p>
-            <a:pPr indent="0" lvl="0" marL="0" rtl="0" algn="l">
-              <a:spcBef>
-                <a:spcPts val="0"/>
-              </a:spcBef>
-              <a:spcAft>
-                <a:spcPts val="0"/>
-              </a:spcAft>
-              <a:buNone/>
-            </a:pPr>
-            <a:r>
-              <a:rPr lang="en"/>
-              <a:t>Back End  </a:t>
-            </a:r>
-            <a:endParaRPr/>
-          </a:p>
-        </p:txBody>
-      </p:sp>
-      <p:sp>
-        <p:nvSpPr>
-          <p:cNvPr id="155" name="Google Shape;155;p16"/>
-          <p:cNvSpPr txBox="1"/>
-          <p:nvPr>
-            <p:ph idx="1" type="body"/>
-          </p:nvPr>
-        </p:nvSpPr>
-        <p:spPr>
-          <a:xfrm>
-            <a:off x="226600" y="1707025"/>
-            <a:ext cx="4014900" cy="3899700"/>
-          </a:xfrm>
-          <a:prstGeom prst="rect">
-            <a:avLst/>
-          </a:prstGeom>
-        </p:spPr>
-        <p:txBody>
-          <a:bodyPr anchorCtr="0" anchor="t" bIns="91425" lIns="91425" spcFirstLastPara="1" rIns="91425" wrap="square" tIns="91425">
-            <a:noAutofit/>
-          </a:bodyPr>
-          <a:lstStyle/>
-          <a:p>
-            <a:pPr indent="-311150" lvl="0" marL="457200" rtl="0" algn="l">
-              <a:lnSpc>
-                <a:spcPct val="100000"/>
-              </a:lnSpc>
-              <a:spcBef>
-                <a:spcPts val="0"/>
-              </a:spcBef>
-              <a:spcAft>
-                <a:spcPts val="0"/>
-              </a:spcAft>
-              <a:buSzPts val="1300"/>
-              <a:buChar char="●"/>
-            </a:pPr>
-            <a:r>
-              <a:rPr lang="en"/>
-              <a:t>Front End makes REST HTTP requests to the backend to retrieve all data </a:t>
-            </a:r>
-            <a:endParaRPr/>
-          </a:p>
-          <a:p>
-            <a:pPr indent="0" lvl="0" marL="457200" rtl="0" algn="l">
-              <a:lnSpc>
-                <a:spcPct val="100000"/>
-              </a:lnSpc>
-              <a:spcBef>
-                <a:spcPts val="0"/>
-              </a:spcBef>
-              <a:spcAft>
-                <a:spcPts val="0"/>
-              </a:spcAft>
-              <a:buNone/>
-            </a:pPr>
-            <a:r>
-              <a:t/>
-            </a:r>
-            <a:endParaRPr/>
-          </a:p>
-          <a:p>
-            <a:pPr indent="-311150" lvl="0" marL="457200" rtl="0" algn="l">
-              <a:lnSpc>
-                <a:spcPct val="100000"/>
-              </a:lnSpc>
-              <a:spcBef>
-                <a:spcPts val="0"/>
-              </a:spcBef>
-              <a:spcAft>
-                <a:spcPts val="0"/>
-              </a:spcAft>
-              <a:buSzPts val="1300"/>
-              <a:buChar char="●"/>
-            </a:pPr>
-            <a:r>
-              <a:rPr lang="en"/>
-              <a:t>Backend process requests and queries database to retrieve all necessary data</a:t>
-            </a:r>
-            <a:endParaRPr/>
-          </a:p>
-          <a:p>
-            <a:pPr indent="0" lvl="0" marL="457200" rtl="0" algn="l">
-              <a:lnSpc>
-                <a:spcPct val="100000"/>
-              </a:lnSpc>
-              <a:spcBef>
-                <a:spcPts val="0"/>
-              </a:spcBef>
-              <a:spcAft>
-                <a:spcPts val="0"/>
-              </a:spcAft>
-              <a:buNone/>
-            </a:pPr>
-            <a:r>
-              <a:t/>
-            </a:r>
-            <a:endParaRPr/>
-          </a:p>
-          <a:p>
-            <a:pPr indent="-311150" lvl="0" marL="457200" rtl="0" algn="l">
-              <a:lnSpc>
-                <a:spcPct val="100000"/>
-              </a:lnSpc>
-              <a:spcBef>
-                <a:spcPts val="0"/>
-              </a:spcBef>
-              <a:spcAft>
-                <a:spcPts val="0"/>
-              </a:spcAft>
-              <a:buSzPts val="1300"/>
-              <a:buChar char="●"/>
-            </a:pPr>
-            <a:r>
-              <a:rPr lang="en"/>
-              <a:t>Business logic and algorithms all done on Backend</a:t>
-            </a:r>
-            <a:endParaRPr/>
-          </a:p>
-          <a:p>
-            <a:pPr indent="0" lvl="0" marL="457200" rtl="0" algn="l">
-              <a:lnSpc>
-                <a:spcPct val="100000"/>
-              </a:lnSpc>
-              <a:spcBef>
-                <a:spcPts val="0"/>
-              </a:spcBef>
-              <a:spcAft>
-                <a:spcPts val="0"/>
-              </a:spcAft>
-              <a:buNone/>
-            </a:pPr>
-            <a:r>
-              <a:t/>
-            </a:r>
-            <a:endParaRPr/>
-          </a:p>
-          <a:p>
-            <a:pPr indent="-311150" lvl="0" marL="457200" rtl="0" algn="l">
-              <a:lnSpc>
-                <a:spcPct val="100000"/>
-              </a:lnSpc>
-              <a:spcBef>
-                <a:spcPts val="0"/>
-              </a:spcBef>
-              <a:spcAft>
-                <a:spcPts val="0"/>
-              </a:spcAft>
-              <a:buSzPts val="1300"/>
-              <a:buChar char="●"/>
-            </a:pPr>
-            <a:r>
-              <a:rPr lang="en"/>
-              <a:t>Spins up docker container to run </a:t>
-            </a:r>
-            <a:r>
-              <a:rPr lang="en"/>
-              <a:t>integration</a:t>
-            </a:r>
-            <a:r>
-              <a:rPr lang="en"/>
-              <a:t> tests against changes in the code base</a:t>
-            </a:r>
-            <a:endParaRPr/>
-          </a:p>
-        </p:txBody>
-      </p:sp>
-      <p:pic>
-        <p:nvPicPr>
-          <p:cNvPr id="156" name="Google Shape;156;p16"/>
-          <p:cNvPicPr preferRelativeResize="0"/>
-          <p:nvPr/>
-        </p:nvPicPr>
-        <p:blipFill>
-          <a:blip r:embed="rId3">
-            <a:alphaModFix/>
-          </a:blip>
-          <a:stretch>
-            <a:fillRect/>
-          </a:stretch>
-        </p:blipFill>
-        <p:spPr>
-          <a:xfrm>
-            <a:off x="5289025" y="393750"/>
-            <a:ext cx="2270775" cy="2270775"/>
-          </a:xfrm>
-          <a:prstGeom prst="rect">
-            <a:avLst/>
-          </a:prstGeom>
-          <a:noFill/>
-          <a:ln>
-            <a:noFill/>
-          </a:ln>
-        </p:spPr>
-      </p:pic>
-      <p:pic>
-        <p:nvPicPr>
-          <p:cNvPr id="157" name="Google Shape;157;p16"/>
-          <p:cNvPicPr preferRelativeResize="0"/>
-          <p:nvPr/>
-        </p:nvPicPr>
-        <p:blipFill>
-          <a:blip r:embed="rId4">
-            <a:alphaModFix/>
-          </a:blip>
-          <a:stretch>
-            <a:fillRect/>
-          </a:stretch>
-        </p:blipFill>
-        <p:spPr>
-          <a:xfrm>
-            <a:off x="4293975" y="2919625"/>
-            <a:ext cx="4567995" cy="2084874"/>
           </a:xfrm>
           <a:prstGeom prst="rect">
             <a:avLst/>
@@ -10626,7 +10751,7 @@
         </p:nvSpPr>
         <p:spPr>
           <a:xfrm>
-            <a:off x="1522800" y="591188"/>
+            <a:off x="1297500" y="393750"/>
             <a:ext cx="7038900" cy="914100"/>
           </a:xfrm>
           <a:prstGeom prst="rect">
@@ -10649,10 +10774,10 @@
               <a:buNone/>
             </a:pPr>
             <a:r>
-              <a:rPr lang="en" sz="3000"/>
-              <a:t>Azure</a:t>
+              <a:rPr lang="en"/>
+              <a:t>Back End  </a:t>
             </a:r>
-            <a:endParaRPr sz="3000"/>
+            <a:endParaRPr/>
           </a:p>
         </p:txBody>
       </p:sp>
@@ -10666,8 +10791,8 @@
         </p:nvSpPr>
         <p:spPr>
           <a:xfrm>
-            <a:off x="302550" y="1643425"/>
-            <a:ext cx="3277500" cy="2879700"/>
+            <a:off x="226600" y="1707025"/>
+            <a:ext cx="4014900" cy="3899700"/>
           </a:xfrm>
           <a:prstGeom prst="rect">
             <a:avLst/>
@@ -10679,114 +10804,146 @@
           </a:bodyPr>
           <a:lstStyle/>
           <a:p>
-            <a:pPr indent="-317500" lvl="0" marL="457200" rtl="0" algn="l">
-              <a:spcBef>
-                <a:spcPts val="0"/>
-              </a:spcBef>
-              <a:spcAft>
-                <a:spcPts val="0"/>
-              </a:spcAft>
-              <a:buSzPts val="1400"/>
+            <a:pPr indent="-311150" lvl="0" marL="457200" rtl="0" algn="l">
+              <a:lnSpc>
+                <a:spcPct val="100000"/>
+              </a:lnSpc>
+              <a:spcBef>
+                <a:spcPts val="0"/>
+              </a:spcBef>
+              <a:spcAft>
+                <a:spcPts val="0"/>
+              </a:spcAft>
+              <a:buSzPts val="1300"/>
               <a:buChar char="●"/>
             </a:pPr>
             <a:r>
-              <a:rPr lang="en" sz="1400"/>
-              <a:t>Backend runs on a Azure instance</a:t>
+              <a:rPr lang="en"/>
+              <a:t>Front End makes REST HTTP requests to the backend to retrieve all data </a:t>
             </a:r>
-            <a:endParaRPr sz="1400"/>
+            <a:endParaRPr/>
           </a:p>
           <a:p>
-            <a:pPr indent="-317500" lvl="1" marL="914400" rtl="0" algn="l">
-              <a:spcBef>
-                <a:spcPts val="0"/>
-              </a:spcBef>
-              <a:spcAft>
-                <a:spcPts val="0"/>
-              </a:spcAft>
-              <a:buSzPts val="1400"/>
-              <a:buChar char="○"/>
+            <a:pPr indent="0" lvl="0" marL="457200" rtl="0" algn="l">
+              <a:lnSpc>
+                <a:spcPct val="100000"/>
+              </a:lnSpc>
+              <a:spcBef>
+                <a:spcPts val="0"/>
+              </a:spcBef>
+              <a:spcAft>
+                <a:spcPts val="0"/>
+              </a:spcAft>
+              <a:buNone/>
             </a:pPr>
             <a:r>
-              <a:rPr lang="en" sz="1400"/>
-              <a:t>Cloud event driven service</a:t>
+              <a:t/>
             </a:r>
-            <a:endParaRPr sz="1400"/>
+            <a:endParaRPr/>
           </a:p>
           <a:p>
-            <a:pPr indent="-317500" lvl="1" marL="914400" rtl="0" algn="l">
-              <a:spcBef>
-                <a:spcPts val="0"/>
-              </a:spcBef>
-              <a:spcAft>
-                <a:spcPts val="0"/>
-              </a:spcAft>
-              <a:buSzPts val="1400"/>
-              <a:buChar char="○"/>
-            </a:pPr>
-            <a:r>
-              <a:rPr lang="en" sz="1400"/>
-              <a:t>Monitor each </a:t>
-            </a:r>
-            <a:r>
-              <a:rPr lang="en" sz="1400"/>
-              <a:t>individual</a:t>
-            </a:r>
-            <a:r>
-              <a:rPr lang="en" sz="1400"/>
-              <a:t> functions  </a:t>
-            </a:r>
-            <a:endParaRPr sz="1400"/>
-          </a:p>
-          <a:p>
-            <a:pPr indent="-317500" lvl="0" marL="457200" rtl="0" algn="l">
-              <a:spcBef>
-                <a:spcPts val="0"/>
-              </a:spcBef>
-              <a:spcAft>
-                <a:spcPts val="0"/>
-              </a:spcAft>
-              <a:buSzPts val="1400"/>
+            <a:pPr indent="-311150" lvl="0" marL="457200" rtl="0" algn="l">
+              <a:lnSpc>
+                <a:spcPct val="100000"/>
+              </a:lnSpc>
+              <a:spcBef>
+                <a:spcPts val="0"/>
+              </a:spcBef>
+              <a:spcAft>
+                <a:spcPts val="0"/>
+              </a:spcAft>
+              <a:buSzPts val="1300"/>
               <a:buChar char="●"/>
             </a:pPr>
             <a:r>
-              <a:rPr lang="en" sz="1400"/>
-              <a:t>Created a CI/CD using GitHub Action </a:t>
+              <a:rPr lang="en"/>
+              <a:t>Backend process requests and queries database to retrieve all necessary data</a:t>
             </a:r>
-            <a:endParaRPr sz="1400"/>
+            <a:endParaRPr/>
           </a:p>
           <a:p>
-            <a:pPr indent="-317500" lvl="1" marL="914400" rtl="0" algn="l">
-              <a:spcBef>
-                <a:spcPts val="0"/>
-              </a:spcBef>
-              <a:spcAft>
-                <a:spcPts val="0"/>
-              </a:spcAft>
-              <a:buSzPts val="1400"/>
-              <a:buChar char="○"/>
+            <a:pPr indent="0" lvl="0" marL="457200" rtl="0" algn="l">
+              <a:lnSpc>
+                <a:spcPct val="100000"/>
+              </a:lnSpc>
+              <a:spcBef>
+                <a:spcPts val="0"/>
+              </a:spcBef>
+              <a:spcAft>
+                <a:spcPts val="0"/>
+              </a:spcAft>
+              <a:buNone/>
             </a:pPr>
             <a:r>
-              <a:rPr lang="en" sz="1400"/>
-              <a:t>Runs unit and integration tests </a:t>
+              <a:t/>
             </a:r>
-            <a:endParaRPr sz="1400"/>
+            <a:endParaRPr/>
           </a:p>
           <a:p>
-            <a:pPr indent="-317500" lvl="1" marL="914400" rtl="0" algn="l">
-              <a:spcBef>
-                <a:spcPts val="0"/>
-              </a:spcBef>
-              <a:spcAft>
-                <a:spcPts val="0"/>
-              </a:spcAft>
-              <a:buSzPts val="1400"/>
-              <a:buChar char="○"/>
+            <a:pPr indent="-311150" lvl="0" marL="457200" rtl="0" algn="l">
+              <a:lnSpc>
+                <a:spcPct val="100000"/>
+              </a:lnSpc>
+              <a:spcBef>
+                <a:spcPts val="0"/>
+              </a:spcBef>
+              <a:spcAft>
+                <a:spcPts val="0"/>
+              </a:spcAft>
+              <a:buSzPts val="1300"/>
+              <a:buChar char="●"/>
             </a:pPr>
             <a:r>
-              <a:rPr lang="en" sz="1400"/>
-              <a:t>Automatically deploys master code base to Azure</a:t>
+              <a:rPr lang="en"/>
+              <a:t>Business logic and algorithms all done on Backend</a:t>
             </a:r>
-            <a:endParaRPr sz="1400"/>
+            <a:endParaRPr/>
+          </a:p>
+          <a:p>
+            <a:pPr indent="0" lvl="0" marL="457200" rtl="0" algn="l">
+              <a:lnSpc>
+                <a:spcPct val="100000"/>
+              </a:lnSpc>
+              <a:spcBef>
+                <a:spcPts val="0"/>
+              </a:spcBef>
+              <a:spcAft>
+                <a:spcPts val="0"/>
+              </a:spcAft>
+              <a:buNone/>
+            </a:pPr>
+            <a:r>
+              <a:t/>
+            </a:r>
+            <a:endParaRPr/>
+          </a:p>
+          <a:p>
+            <a:pPr indent="-311150" lvl="0" marL="457200" rtl="0" algn="l">
+              <a:lnSpc>
+                <a:spcPct val="100000"/>
+              </a:lnSpc>
+              <a:spcBef>
+                <a:spcPts val="0"/>
+              </a:spcBef>
+              <a:spcAft>
+                <a:spcPts val="0"/>
+              </a:spcAft>
+              <a:buSzPts val="1300"/>
+              <a:buChar char="●"/>
+            </a:pPr>
+            <a:r>
+              <a:rPr lang="en"/>
+              <a:t>Spins up docker container to run </a:t>
+            </a:r>
+            <a:r>
+              <a:rPr lang="en"/>
+              <a:t>integration</a:t>
+            </a:r>
+            <a:r>
+              <a:rPr lang="en"/>
+              <a:t> tests against changes in the code base</a:t>
+            </a:r>
+            <a:endParaRPr/>
           </a:p>
         </p:txBody>
       </p:sp>
@@ -10806,8 +10963,8 @@
         </p:blipFill>
         <p:spPr>
           <a:xfrm>
-            <a:off x="6859475" y="355325"/>
-            <a:ext cx="1385826" cy="1385826"/>
+            <a:off x="5289025" y="393750"/>
+            <a:ext cx="2270775" cy="2270775"/>
           </a:xfrm>
           <a:prstGeom prst="rect">
             <a:avLst/>
@@ -10834,8 +10991,8 @@
         </p:blipFill>
         <p:spPr>
           <a:xfrm>
-            <a:off x="3732450" y="1893551"/>
-            <a:ext cx="5259147" cy="2993725"/>
+            <a:off x="4293975" y="2919625"/>
+            <a:ext cx="4567995" cy="2084874"/>
           </a:xfrm>
           <a:prstGeom prst="rect">
             <a:avLst/>
@@ -10881,7 +11038,7 @@
         </p:nvSpPr>
         <p:spPr>
           <a:xfrm>
-            <a:off x="1297500" y="393750"/>
+            <a:off x="1522800" y="591188"/>
             <a:ext cx="7038900" cy="914100"/>
           </a:xfrm>
           <a:prstGeom prst="rect">
@@ -10904,10 +11061,10 @@
               <a:buNone/>
             </a:pPr>
             <a:r>
-              <a:rPr lang="en"/>
-              <a:t>Database</a:t>
+              <a:rPr lang="en" sz="3000"/>
+              <a:t>Azure</a:t>
             </a:r>
-            <a:endParaRPr/>
+            <a:endParaRPr sz="3000"/>
           </a:p>
         </p:txBody>
       </p:sp>
@@ -10921,8 +11078,8 @@
         </p:nvSpPr>
         <p:spPr>
           <a:xfrm>
-            <a:off x="5061175" y="1752700"/>
-            <a:ext cx="3540600" cy="2911200"/>
+            <a:off x="302550" y="1643425"/>
+            <a:ext cx="3277500" cy="2879700"/>
           </a:xfrm>
           <a:prstGeom prst="rect">
             <a:avLst/>
@@ -10934,132 +11091,114 @@
           </a:bodyPr>
           <a:lstStyle/>
           <a:p>
-            <a:pPr indent="-330200" lvl="0" marL="457200" rtl="0" algn="l">
-              <a:lnSpc>
-                <a:spcPct val="200000"/>
-              </a:lnSpc>
-              <a:spcBef>
-                <a:spcPts val="0"/>
-              </a:spcBef>
-              <a:spcAft>
-                <a:spcPts val="0"/>
-              </a:spcAft>
-              <a:buSzPts val="1600"/>
+            <a:pPr indent="-317500" lvl="0" marL="457200" rtl="0" algn="l">
+              <a:spcBef>
+                <a:spcPts val="0"/>
+              </a:spcBef>
+              <a:spcAft>
+                <a:spcPts val="0"/>
+              </a:spcAft>
+              <a:buSzPts val="1400"/>
               <a:buChar char="●"/>
             </a:pPr>
             <a:r>
-              <a:rPr lang="en" sz="1600"/>
-              <a:t>MS SQL Server and Database </a:t>
+              <a:rPr lang="en" sz="1400"/>
+              <a:t>Backend runs on a Azure instance</a:t>
             </a:r>
-            <a:endParaRPr sz="1600"/>
+            <a:endParaRPr sz="1400"/>
           </a:p>
           <a:p>
-            <a:pPr indent="-330200" lvl="0" marL="457200" rtl="0" algn="l">
-              <a:lnSpc>
-                <a:spcPct val="200000"/>
-              </a:lnSpc>
-              <a:spcBef>
-                <a:spcPts val="0"/>
-              </a:spcBef>
-              <a:spcAft>
-                <a:spcPts val="0"/>
-              </a:spcAft>
-              <a:buSzPts val="1600"/>
+            <a:pPr indent="-317500" lvl="1" marL="914400" rtl="0" algn="l">
+              <a:spcBef>
+                <a:spcPts val="0"/>
+              </a:spcBef>
+              <a:spcAft>
+                <a:spcPts val="0"/>
+              </a:spcAft>
+              <a:buSzPts val="1400"/>
+              <a:buChar char="○"/>
+            </a:pPr>
+            <a:r>
+              <a:rPr lang="en" sz="1400"/>
+              <a:t>Cloud event driven service</a:t>
+            </a:r>
+            <a:endParaRPr sz="1400"/>
+          </a:p>
+          <a:p>
+            <a:pPr indent="-317500" lvl="1" marL="914400" rtl="0" algn="l">
+              <a:spcBef>
+                <a:spcPts val="0"/>
+              </a:spcBef>
+              <a:spcAft>
+                <a:spcPts val="0"/>
+              </a:spcAft>
+              <a:buSzPts val="1400"/>
+              <a:buChar char="○"/>
+            </a:pPr>
+            <a:r>
+              <a:rPr lang="en" sz="1400"/>
+              <a:t>Monitor each </a:t>
+            </a:r>
+            <a:r>
+              <a:rPr lang="en" sz="1400"/>
+              <a:t>individual</a:t>
+            </a:r>
+            <a:r>
+              <a:rPr lang="en" sz="1400"/>
+              <a:t> functions  </a:t>
+            </a:r>
+            <a:endParaRPr sz="1400"/>
+          </a:p>
+          <a:p>
+            <a:pPr indent="-317500" lvl="0" marL="457200" rtl="0" algn="l">
+              <a:spcBef>
+                <a:spcPts val="0"/>
+              </a:spcBef>
+              <a:spcAft>
+                <a:spcPts val="0"/>
+              </a:spcAft>
+              <a:buSzPts val="1400"/>
               <a:buChar char="●"/>
             </a:pPr>
             <a:r>
-              <a:rPr lang="en" sz="1600"/>
-              <a:t>T-SQL building </a:t>
+              <a:rPr lang="en" sz="1400"/>
+              <a:t>Created a CI/CD using GitHub Action </a:t>
             </a:r>
-            <a:r>
-              <a:rPr lang="en" sz="1600"/>
-              <a:t>queries</a:t>
-            </a:r>
-            <a:r>
-              <a:rPr lang="en" sz="1600"/>
-              <a:t> </a:t>
-            </a:r>
-            <a:endParaRPr sz="1600"/>
+            <a:endParaRPr sz="1400"/>
           </a:p>
           <a:p>
-            <a:pPr indent="-330200" lvl="0" marL="457200" rtl="0" algn="l">
-              <a:lnSpc>
-                <a:spcPct val="200000"/>
-              </a:lnSpc>
-              <a:spcBef>
-                <a:spcPts val="0"/>
-              </a:spcBef>
-              <a:spcAft>
-                <a:spcPts val="0"/>
-              </a:spcAft>
-              <a:buSzPts val="1600"/>
-              <a:buChar char="●"/>
-            </a:pPr>
-            <a:r>
-              <a:rPr lang="en" sz="1600"/>
-              <a:t>Stored data for:</a:t>
-            </a:r>
-            <a:endParaRPr sz="1600"/>
-          </a:p>
-          <a:p>
-            <a:pPr indent="-330200" lvl="1" marL="914400" rtl="0" algn="l">
-              <a:lnSpc>
-                <a:spcPct val="200000"/>
-              </a:lnSpc>
-              <a:spcBef>
-                <a:spcPts val="0"/>
-              </a:spcBef>
-              <a:spcAft>
-                <a:spcPts val="0"/>
-              </a:spcAft>
-              <a:buSzPts val="1600"/>
+            <a:pPr indent="-317500" lvl="1" marL="914400" rtl="0" algn="l">
+              <a:spcBef>
+                <a:spcPts val="0"/>
+              </a:spcBef>
+              <a:spcAft>
+                <a:spcPts val="0"/>
+              </a:spcAft>
+              <a:buSzPts val="1400"/>
               <a:buChar char="○"/>
             </a:pPr>
             <a:r>
-              <a:rPr lang="en" sz="1600"/>
-              <a:t>Employees</a:t>
+              <a:rPr lang="en" sz="1400"/>
+              <a:t>Runs unit and integration tests </a:t>
             </a:r>
-            <a:endParaRPr sz="1600"/>
+            <a:endParaRPr sz="1400"/>
           </a:p>
           <a:p>
-            <a:pPr indent="-330200" lvl="1" marL="914400" rtl="0" algn="l">
-              <a:lnSpc>
-                <a:spcPct val="200000"/>
-              </a:lnSpc>
-              <a:spcBef>
-                <a:spcPts val="0"/>
-              </a:spcBef>
-              <a:spcAft>
-                <a:spcPts val="0"/>
-              </a:spcAft>
-              <a:buSzPts val="1600"/>
+            <a:pPr indent="-317500" lvl="1" marL="914400" rtl="0" algn="l">
+              <a:spcBef>
+                <a:spcPts val="0"/>
+              </a:spcBef>
+              <a:spcAft>
+                <a:spcPts val="0"/>
+              </a:spcAft>
+              <a:buSzPts val="1400"/>
               <a:buChar char="○"/>
             </a:pPr>
             <a:r>
-              <a:rPr lang="en" sz="1600"/>
-              <a:t>Restaurant Dining Tables</a:t>
+              <a:rPr lang="en" sz="1400"/>
+              <a:t>Automatically deploys master code base to Azure</a:t>
             </a:r>
-            <a:endParaRPr sz="1600"/>
-          </a:p>
-          <a:p>
-            <a:pPr indent="-330200" lvl="1" marL="914400" rtl="0" algn="l">
-              <a:lnSpc>
-                <a:spcPct val="200000"/>
-              </a:lnSpc>
-              <a:spcBef>
-                <a:spcPts val="0"/>
-              </a:spcBef>
-              <a:spcAft>
-                <a:spcPts val="0"/>
-              </a:spcAft>
-              <a:buSzPts val="1600"/>
-              <a:buChar char="○"/>
-            </a:pPr>
-            <a:r>
-              <a:rPr lang="en" sz="1600"/>
-              <a:t>Tasks</a:t>
-            </a:r>
-            <a:endParaRPr sz="1600"/>
+            <a:endParaRPr sz="1400"/>
           </a:p>
         </p:txBody>
       </p:sp>
@@ -11079,8 +11218,8 @@
         </p:blipFill>
         <p:spPr>
           <a:xfrm>
-            <a:off x="5820375" y="393750"/>
-            <a:ext cx="2159925" cy="1180750"/>
+            <a:off x="6859475" y="355325"/>
+            <a:ext cx="1385826" cy="1385826"/>
           </a:xfrm>
           <a:prstGeom prst="rect">
             <a:avLst/>
@@ -11107,8 +11246,8 @@
         </p:blipFill>
         <p:spPr>
           <a:xfrm>
-            <a:off x="1157400" y="1080606"/>
-            <a:ext cx="3489076" cy="3650675"/>
+            <a:off x="3732450" y="1893551"/>
+            <a:ext cx="5259147" cy="2993725"/>
           </a:xfrm>
           <a:prstGeom prst="rect">
             <a:avLst/>
@@ -11178,11 +11317,7 @@
             </a:pPr>
             <a:r>
               <a:rPr lang="en"/>
-              <a:t>Frontend</a:t>
-            </a:r>
-            <a:r>
-              <a:rPr lang="en"/>
-              <a:t> and Backend Communication</a:t>
+              <a:t>Database</a:t>
             </a:r>
             <a:endParaRPr/>
           </a:p>
@@ -11191,6 +11326,283 @@
       <p:sp>
         <p:nvSpPr>
           <p:cNvPr id="179" name="Google Shape;179;p19"/>
+          <p:cNvSpPr txBox="1"/>
+          <p:nvPr>
+            <p:ph idx="1" type="body"/>
+          </p:nvPr>
+        </p:nvSpPr>
+        <p:spPr>
+          <a:xfrm>
+            <a:off x="5061175" y="1752700"/>
+            <a:ext cx="3540600" cy="2911200"/>
+          </a:xfrm>
+          <a:prstGeom prst="rect">
+            <a:avLst/>
+          </a:prstGeom>
+        </p:spPr>
+        <p:txBody>
+          <a:bodyPr anchorCtr="0" anchor="t" bIns="91425" lIns="91425" spcFirstLastPara="1" rIns="91425" wrap="square" tIns="91425">
+            <a:noAutofit/>
+          </a:bodyPr>
+          <a:lstStyle/>
+          <a:p>
+            <a:pPr indent="-330200" lvl="0" marL="457200" rtl="0" algn="l">
+              <a:lnSpc>
+                <a:spcPct val="200000"/>
+              </a:lnSpc>
+              <a:spcBef>
+                <a:spcPts val="0"/>
+              </a:spcBef>
+              <a:spcAft>
+                <a:spcPts val="0"/>
+              </a:spcAft>
+              <a:buSzPts val="1600"/>
+              <a:buChar char="●"/>
+            </a:pPr>
+            <a:r>
+              <a:rPr lang="en" sz="1600"/>
+              <a:t>MS SQL Server and Database </a:t>
+            </a:r>
+            <a:endParaRPr sz="1600"/>
+          </a:p>
+          <a:p>
+            <a:pPr indent="-330200" lvl="0" marL="457200" rtl="0" algn="l">
+              <a:lnSpc>
+                <a:spcPct val="200000"/>
+              </a:lnSpc>
+              <a:spcBef>
+                <a:spcPts val="0"/>
+              </a:spcBef>
+              <a:spcAft>
+                <a:spcPts val="0"/>
+              </a:spcAft>
+              <a:buSzPts val="1600"/>
+              <a:buChar char="●"/>
+            </a:pPr>
+            <a:r>
+              <a:rPr lang="en" sz="1600"/>
+              <a:t>T-SQL building </a:t>
+            </a:r>
+            <a:r>
+              <a:rPr lang="en" sz="1600"/>
+              <a:t>queries</a:t>
+            </a:r>
+            <a:r>
+              <a:rPr lang="en" sz="1600"/>
+              <a:t> </a:t>
+            </a:r>
+            <a:endParaRPr sz="1600"/>
+          </a:p>
+          <a:p>
+            <a:pPr indent="-330200" lvl="0" marL="457200" rtl="0" algn="l">
+              <a:lnSpc>
+                <a:spcPct val="200000"/>
+              </a:lnSpc>
+              <a:spcBef>
+                <a:spcPts val="0"/>
+              </a:spcBef>
+              <a:spcAft>
+                <a:spcPts val="0"/>
+              </a:spcAft>
+              <a:buSzPts val="1600"/>
+              <a:buChar char="●"/>
+            </a:pPr>
+            <a:r>
+              <a:rPr lang="en" sz="1600"/>
+              <a:t>Stored data for:</a:t>
+            </a:r>
+            <a:endParaRPr sz="1600"/>
+          </a:p>
+          <a:p>
+            <a:pPr indent="-330200" lvl="1" marL="914400" rtl="0" algn="l">
+              <a:lnSpc>
+                <a:spcPct val="200000"/>
+              </a:lnSpc>
+              <a:spcBef>
+                <a:spcPts val="0"/>
+              </a:spcBef>
+              <a:spcAft>
+                <a:spcPts val="0"/>
+              </a:spcAft>
+              <a:buSzPts val="1600"/>
+              <a:buChar char="○"/>
+            </a:pPr>
+            <a:r>
+              <a:rPr lang="en" sz="1600"/>
+              <a:t>Employees</a:t>
+            </a:r>
+            <a:endParaRPr sz="1600"/>
+          </a:p>
+          <a:p>
+            <a:pPr indent="-330200" lvl="1" marL="914400" rtl="0" algn="l">
+              <a:lnSpc>
+                <a:spcPct val="200000"/>
+              </a:lnSpc>
+              <a:spcBef>
+                <a:spcPts val="0"/>
+              </a:spcBef>
+              <a:spcAft>
+                <a:spcPts val="0"/>
+              </a:spcAft>
+              <a:buSzPts val="1600"/>
+              <a:buChar char="○"/>
+            </a:pPr>
+            <a:r>
+              <a:rPr lang="en" sz="1600"/>
+              <a:t>Restaurant Dining Tables</a:t>
+            </a:r>
+            <a:endParaRPr sz="1600"/>
+          </a:p>
+          <a:p>
+            <a:pPr indent="-330200" lvl="1" marL="914400" rtl="0" algn="l">
+              <a:lnSpc>
+                <a:spcPct val="200000"/>
+              </a:lnSpc>
+              <a:spcBef>
+                <a:spcPts val="0"/>
+              </a:spcBef>
+              <a:spcAft>
+                <a:spcPts val="0"/>
+              </a:spcAft>
+              <a:buSzPts val="1600"/>
+              <a:buChar char="○"/>
+            </a:pPr>
+            <a:r>
+              <a:rPr lang="en" sz="1600"/>
+              <a:t>Tasks</a:t>
+            </a:r>
+            <a:endParaRPr sz="1600"/>
+          </a:p>
+        </p:txBody>
+      </p:sp>
+      <p:pic>
+        <p:nvPicPr>
+          <p:cNvPr id="180" name="Google Shape;180;p19"/>
+          <p:cNvPicPr preferRelativeResize="0"/>
+          <p:nvPr/>
+        </p:nvPicPr>
+        <p:blipFill>
+          <a:blip r:embed="rId3">
+            <a:alphaModFix/>
+          </a:blip>
+          <a:stretch>
+            <a:fillRect/>
+          </a:stretch>
+        </p:blipFill>
+        <p:spPr>
+          <a:xfrm>
+            <a:off x="5820375" y="393750"/>
+            <a:ext cx="2159925" cy="1180750"/>
+          </a:xfrm>
+          <a:prstGeom prst="rect">
+            <a:avLst/>
+          </a:prstGeom>
+          <a:noFill/>
+          <a:ln>
+            <a:noFill/>
+          </a:ln>
+        </p:spPr>
+      </p:pic>
+      <p:pic>
+        <p:nvPicPr>
+          <p:cNvPr id="181" name="Google Shape;181;p19"/>
+          <p:cNvPicPr preferRelativeResize="0"/>
+          <p:nvPr/>
+        </p:nvPicPr>
+        <p:blipFill>
+          <a:blip r:embed="rId4">
+            <a:alphaModFix/>
+          </a:blip>
+          <a:stretch>
+            <a:fillRect/>
+          </a:stretch>
+        </p:blipFill>
+        <p:spPr>
+          <a:xfrm>
+            <a:off x="1157400" y="1080606"/>
+            <a:ext cx="3489076" cy="3650675"/>
+          </a:xfrm>
+          <a:prstGeom prst="rect">
+            <a:avLst/>
+          </a:prstGeom>
+          <a:noFill/>
+          <a:ln>
+            <a:noFill/>
+          </a:ln>
+        </p:spPr>
+      </p:pic>
+    </p:spTree>
+  </p:cSld>
+  <p:clrMapOvr>
+    <a:masterClrMapping/>
+  </p:clrMapOvr>
+</p:sld>
+</file>
+
+<file path=ppt/slides/slide8.xml><?xml version="1.0" encoding="utf-8"?>
+<p:sld xmlns:a="http://schemas.openxmlformats.org/drawingml/2006/main" xmlns:r="http://schemas.openxmlformats.org/officeDocument/2006/relationships" xmlns:mc="http://schemas.openxmlformats.org/markup-compatibility/2006" xmlns:mv="urn:schemas-microsoft-com:mac:vml" xmlns:p="http://schemas.openxmlformats.org/presentationml/2006/main" xmlns:c="http://schemas.openxmlformats.org/drawingml/2006/chart" xmlns:dgm="http://schemas.openxmlformats.org/drawingml/2006/diagram" xmlns:o="urn:schemas-microsoft-com:office:office" xmlns:v="urn:schemas-microsoft-com:vml" xmlns:pvml="urn:schemas-microsoft-com:office:powerpoint" xmlns:com="http://schemas.openxmlformats.org/drawingml/2006/compatibility" xmlns:p14="http://schemas.microsoft.com/office/powerpoint/2010/main" xmlns:p15="http://schemas.microsoft.com/office/powerpoint/2012/main">
+  <p:cSld>
+    <p:spTree>
+      <p:nvGrpSpPr>
+        <p:cNvPr id="185" name="Shape 185"/>
+        <p:cNvGrpSpPr/>
+        <p:nvPr/>
+      </p:nvGrpSpPr>
+      <p:grpSpPr>
+        <a:xfrm>
+          <a:off x="0" y="0"/>
+          <a:ext cx="0" cy="0"/>
+          <a:chOff x="0" y="0"/>
+          <a:chExt cx="0" cy="0"/>
+        </a:xfrm>
+      </p:grpSpPr>
+      <p:sp>
+        <p:nvSpPr>
+          <p:cNvPr id="186" name="Google Shape;186;p20"/>
+          <p:cNvSpPr txBox="1"/>
+          <p:nvPr>
+            <p:ph type="title"/>
+          </p:nvPr>
+        </p:nvSpPr>
+        <p:spPr>
+          <a:xfrm>
+            <a:off x="1195600" y="653450"/>
+            <a:ext cx="7222800" cy="914100"/>
+          </a:xfrm>
+          <a:prstGeom prst="rect">
+            <a:avLst/>
+          </a:prstGeom>
+        </p:spPr>
+        <p:txBody>
+          <a:bodyPr anchorCtr="0" anchor="t" bIns="91425" lIns="91425" spcFirstLastPara="1" rIns="91425" wrap="square" tIns="91425">
+            <a:noAutofit/>
+          </a:bodyPr>
+          <a:lstStyle/>
+          <a:p>
+            <a:pPr indent="0" lvl="0" marL="0" rtl="0" algn="l">
+              <a:spcBef>
+                <a:spcPts val="0"/>
+              </a:spcBef>
+              <a:spcAft>
+                <a:spcPts val="0"/>
+              </a:spcAft>
+              <a:buNone/>
+            </a:pPr>
+            <a:r>
+              <a:rPr lang="en" sz="2700"/>
+              <a:t>Frontend</a:t>
+            </a:r>
+            <a:r>
+              <a:rPr lang="en" sz="2700"/>
+              <a:t> and Backend Communication</a:t>
+            </a:r>
+            <a:endParaRPr sz="2700"/>
+          </a:p>
+        </p:txBody>
+      </p:sp>
+      <p:sp>
+        <p:nvSpPr>
+          <p:cNvPr id="187" name="Google Shape;187;p20"/>
           <p:cNvSpPr txBox="1"/>
           <p:nvPr>
             <p:ph idx="1" type="body"/>
@@ -11338,7 +11750,7 @@
       </p:sp>
       <p:pic>
         <p:nvPicPr>
-          <p:cNvPr id="180" name="Google Shape;180;p19"/>
+          <p:cNvPr id="188" name="Google Shape;188;p20"/>
           <p:cNvPicPr preferRelativeResize="0"/>
           <p:nvPr/>
         </p:nvPicPr>
@@ -11372,12 +11784,12 @@
 </p:sld>
 </file>
 
-<file path=ppt/slides/slide8.xml><?xml version="1.0" encoding="utf-8"?>
+<file path=ppt/slides/slide9.xml><?xml version="1.0" encoding="utf-8"?>
 <p:sld xmlns:a="http://schemas.openxmlformats.org/drawingml/2006/main" xmlns:r="http://schemas.openxmlformats.org/officeDocument/2006/relationships" xmlns:mc="http://schemas.openxmlformats.org/markup-compatibility/2006" xmlns:mv="urn:schemas-microsoft-com:mac:vml" xmlns:p="http://schemas.openxmlformats.org/presentationml/2006/main" xmlns:c="http://schemas.openxmlformats.org/drawingml/2006/chart" xmlns:dgm="http://schemas.openxmlformats.org/drawingml/2006/diagram" xmlns:o="urn:schemas-microsoft-com:office:office" xmlns:v="urn:schemas-microsoft-com:vml" xmlns:pvml="urn:schemas-microsoft-com:office:powerpoint" xmlns:com="http://schemas.openxmlformats.org/drawingml/2006/compatibility" xmlns:p14="http://schemas.microsoft.com/office/powerpoint/2010/main" xmlns:p15="http://schemas.microsoft.com/office/powerpoint/2012/main">
   <p:cSld>
     <p:spTree>
       <p:nvGrpSpPr>
-        <p:cNvPr id="184" name="Shape 184"/>
+        <p:cNvPr id="192" name="Shape 192"/>
         <p:cNvGrpSpPr/>
         <p:nvPr/>
       </p:nvGrpSpPr>
@@ -11391,7 +11803,7 @@
       </p:grpSpPr>
       <p:sp>
         <p:nvSpPr>
-          <p:cNvPr id="185" name="Google Shape;185;p20"/>
+          <p:cNvPr id="193" name="Google Shape;193;p21"/>
           <p:cNvSpPr txBox="1"/>
           <p:nvPr>
             <p:ph type="title"/>
@@ -11431,7 +11843,7 @@
       </p:sp>
       <p:sp>
         <p:nvSpPr>
-          <p:cNvPr id="186" name="Google Shape;186;p20"/>
+          <p:cNvPr id="194" name="Google Shape;194;p21"/>
           <p:cNvSpPr txBox="1"/>
           <p:nvPr>
             <p:ph idx="1" type="body"/>
@@ -11557,7 +11969,7 @@
       </p:sp>
       <p:sp>
         <p:nvSpPr>
-          <p:cNvPr id="187" name="Google Shape;187;p20"/>
+          <p:cNvPr id="195" name="Google Shape;195;p21"/>
           <p:cNvSpPr txBox="1"/>
           <p:nvPr/>
         </p:nvSpPr>
@@ -11615,7 +12027,7 @@
       </p:sp>
       <p:pic>
         <p:nvPicPr>
-          <p:cNvPr id="188" name="Google Shape;188;p20"/>
+          <p:cNvPr id="196" name="Google Shape;196;p21"/>
           <p:cNvPicPr preferRelativeResize="0"/>
           <p:nvPr/>
         </p:nvPicPr>
@@ -11642,7 +12054,7 @@
       </p:pic>
       <p:sp>
         <p:nvSpPr>
-          <p:cNvPr id="189" name="Google Shape;189;p20"/>
+          <p:cNvPr id="197" name="Google Shape;197;p21"/>
           <p:cNvSpPr txBox="1"/>
           <p:nvPr/>
         </p:nvSpPr>
@@ -11698,102 +12110,286 @@
 </p:sld>
 </file>
 
-<file path=ppt/slides/slide9.xml><?xml version="1.0" encoding="utf-8"?>
-<p:sld xmlns:a="http://schemas.openxmlformats.org/drawingml/2006/main" xmlns:r="http://schemas.openxmlformats.org/officeDocument/2006/relationships" xmlns:mc="http://schemas.openxmlformats.org/markup-compatibility/2006" xmlns:mv="urn:schemas-microsoft-com:mac:vml" xmlns:p="http://schemas.openxmlformats.org/presentationml/2006/main" xmlns:c="http://schemas.openxmlformats.org/drawingml/2006/chart" xmlns:dgm="http://schemas.openxmlformats.org/drawingml/2006/diagram" xmlns:o="urn:schemas-microsoft-com:office:office" xmlns:v="urn:schemas-microsoft-com:vml" xmlns:pvml="urn:schemas-microsoft-com:office:powerpoint" xmlns:com="http://schemas.openxmlformats.org/drawingml/2006/compatibility" xmlns:p14="http://schemas.microsoft.com/office/powerpoint/2010/main" xmlns:p15="http://schemas.microsoft.com/office/powerpoint/2012/main">
-  <p:cSld>
-    <p:spTree>
-      <p:nvGrpSpPr>
-        <p:cNvPr id="193" name="Shape 193"/>
-        <p:cNvGrpSpPr/>
-        <p:nvPr/>
-      </p:nvGrpSpPr>
-      <p:grpSpPr>
-        <a:xfrm>
-          <a:off x="0" y="0"/>
-          <a:ext cx="0" cy="0"/>
-          <a:chOff x="0" y="0"/>
-          <a:chExt cx="0" cy="0"/>
-        </a:xfrm>
-      </p:grpSpPr>
-      <p:sp>
-        <p:nvSpPr>
-          <p:cNvPr id="194" name="Google Shape;194;p21"/>
-          <p:cNvSpPr txBox="1"/>
-          <p:nvPr>
-            <p:ph type="title"/>
-          </p:nvPr>
-        </p:nvSpPr>
-        <p:spPr>
-          <a:xfrm>
-            <a:off x="1133200" y="400175"/>
-            <a:ext cx="7512600" cy="914100"/>
-          </a:xfrm>
-          <a:prstGeom prst="rect">
-            <a:avLst/>
-          </a:prstGeom>
-        </p:spPr>
-        <p:txBody>
-          <a:bodyPr anchorCtr="0" anchor="t" bIns="91425" lIns="91425" spcFirstLastPara="1" rIns="91425" wrap="square" tIns="91425">
-            <a:noAutofit/>
-          </a:bodyPr>
-          <a:lstStyle/>
-          <a:p>
-            <a:pPr indent="0" lvl="0" marL="0" rtl="0" algn="l">
-              <a:spcBef>
-                <a:spcPts val="0"/>
-              </a:spcBef>
-              <a:spcAft>
-                <a:spcPts val="0"/>
-              </a:spcAft>
-              <a:buNone/>
-            </a:pPr>
-            <a:r>
-              <a:rPr lang="en"/>
-              <a:t>Task Sending and Completed Tasks Stats Demo</a:t>
-            </a:r>
-            <a:endParaRPr/>
-          </a:p>
-        </p:txBody>
-      </p:sp>
-      <p:pic>
-        <p:nvPicPr>
-          <p:cNvPr id="195" name="Google Shape;195;p21" title="Demo.mov">
-            <a:hlinkClick r:id="rId3"/>
-          </p:cNvPr>
-          <p:cNvPicPr preferRelativeResize="0"/>
-          <p:nvPr/>
-        </p:nvPicPr>
-        <p:blipFill>
-          <a:blip r:embed="rId4">
-            <a:alphaModFix/>
-          </a:blip>
-          <a:stretch>
-            <a:fillRect/>
-          </a:stretch>
-        </p:blipFill>
-        <p:spPr>
-          <a:xfrm>
-            <a:off x="2286000" y="1314275"/>
-            <a:ext cx="4572000" cy="3429000"/>
-          </a:xfrm>
-          <a:prstGeom prst="rect">
-            <a:avLst/>
-          </a:prstGeom>
-          <a:noFill/>
-          <a:ln>
-            <a:noFill/>
-          </a:ln>
-        </p:spPr>
-      </p:pic>
-    </p:spTree>
-  </p:cSld>
-  <p:clrMapOvr>
-    <a:masterClrMapping/>
-  </p:clrMapOvr>
-</p:sld>
+<file path=ppt/theme/theme1.xml><?xml version="1.0" encoding="utf-8"?>
+<a:theme xmlns:a="http://schemas.openxmlformats.org/drawingml/2006/main" xmlns:r="http://schemas.openxmlformats.org/officeDocument/2006/relationships" name="Focus">
+  <a:themeElements>
+    <a:clrScheme name="Focus">
+      <a:dk1>
+        <a:srgbClr val="1B212C"/>
+      </a:dk1>
+      <a:lt1>
+        <a:srgbClr val="FFFFFF"/>
+      </a:lt1>
+      <a:dk2>
+        <a:srgbClr val="D9D9D9"/>
+      </a:dk2>
+      <a:lt2>
+        <a:srgbClr val="82C7A5"/>
+      </a:lt2>
+      <a:accent1>
+        <a:srgbClr val="0145AC"/>
+      </a:accent1>
+      <a:accent2>
+        <a:srgbClr val="EECE1A"/>
+      </a:accent2>
+      <a:accent3>
+        <a:srgbClr val="4E5567"/>
+      </a:accent3>
+      <a:accent4>
+        <a:srgbClr val="F4D6AD"/>
+      </a:accent4>
+      <a:accent5>
+        <a:srgbClr val="7890CD"/>
+      </a:accent5>
+      <a:accent6>
+        <a:srgbClr val="F15E22"/>
+      </a:accent6>
+      <a:hlink>
+        <a:srgbClr val="7890CD"/>
+      </a:hlink>
+      <a:folHlink>
+        <a:srgbClr val="7890CD"/>
+      </a:folHlink>
+    </a:clrScheme>
+    <a:fontScheme name="Office">
+      <a:majorFont>
+        <a:latin typeface="Arial"/>
+        <a:ea typeface=""/>
+        <a:cs typeface=""/>
+        <a:font script="Jpan" typeface="ＭＳ Ｐゴシック"/>
+        <a:font script="Hang" typeface="맑은 고딕"/>
+        <a:font script="Hans" typeface="宋体"/>
+        <a:font script="Hant" typeface="新細明體"/>
+        <a:font script="Arab" typeface="Times New Roman"/>
+        <a:font script="Hebr" typeface="Times New Roman"/>
+        <a:font script="Thai" typeface="Angsana New"/>
+        <a:font script="Ethi" typeface="Nyala"/>
+        <a:font script="Beng" typeface="Vrinda"/>
+        <a:font script="Gujr" typeface="Shruti"/>
+        <a:font script="Khmr" typeface="MoolBoran"/>
+        <a:font script="Knda" typeface="Tunga"/>
+        <a:font script="Guru" typeface="Raavi"/>
+        <a:font script="Cans" typeface="Euphemia"/>
+        <a:font script="Cher" typeface="Plantagenet Cherokee"/>
+        <a:font script="Yiii" typeface="Microsoft Yi Baiti"/>
+        <a:font script="Tibt" typeface="Microsoft Himalaya"/>
+        <a:font script="Thaa" typeface="MV Boli"/>
+        <a:font script="Deva" typeface="Mangal"/>
+        <a:font script="Telu" typeface="Gautami"/>
+        <a:font script="Taml" typeface="Latha"/>
+        <a:font script="Syrc" typeface="Estrangelo Edessa"/>
+        <a:font script="Orya" typeface="Kalinga"/>
+        <a:font script="Mlym" typeface="Kartika"/>
+        <a:font script="Laoo" typeface="DokChampa"/>
+        <a:font script="Sinh" typeface="Iskoola Pota"/>
+        <a:font script="Mong" typeface="Mongolian Baiti"/>
+        <a:font script="Viet" typeface="Times New Roman"/>
+        <a:font script="Uigh" typeface="Microsoft Uighur"/>
+        <a:font script="Geor" typeface="Sylfaen"/>
+      </a:majorFont>
+      <a:minorFont>
+        <a:latin typeface="Arial"/>
+        <a:ea typeface=""/>
+        <a:cs typeface=""/>
+        <a:font script="Jpan" typeface="ＭＳ Ｐゴシック"/>
+        <a:font script="Hang" typeface="맑은 고딕"/>
+        <a:font script="Hans" typeface="宋体"/>
+        <a:font script="Hant" typeface="新細明體"/>
+        <a:font script="Arab" typeface="Arial"/>
+        <a:font script="Hebr" typeface="Arial"/>
+        <a:font script="Thai" typeface="Cordia New"/>
+        <a:font script="Ethi" typeface="Nyala"/>
+        <a:font script="Beng" typeface="Vrinda"/>
+        <a:font script="Gujr" typeface="Shruti"/>
+        <a:font script="Khmr" typeface="DaunPenh"/>
+        <a:font script="Knda" typeface="Tunga"/>
+        <a:font script="Guru" typeface="Raavi"/>
+        <a:font script="Cans" typeface="Euphemia"/>
+        <a:font script="Cher" typeface="Plantagenet Cherokee"/>
+        <a:font script="Yiii" typeface="Microsoft Yi Baiti"/>
+        <a:font script="Tibt" typeface="Microsoft Himalaya"/>
+        <a:font script="Thaa" typeface="MV Boli"/>
+        <a:font script="Deva" typeface="Mangal"/>
+        <a:font script="Telu" typeface="Gautami"/>
+        <a:font script="Taml" typeface="Latha"/>
+        <a:font script="Syrc" typeface="Estrangelo Edessa"/>
+        <a:font script="Orya" typeface="Kalinga"/>
+        <a:font script="Mlym" typeface="Kartika"/>
+        <a:font script="Laoo" typeface="DokChampa"/>
+        <a:font script="Sinh" typeface="Iskoola Pota"/>
+        <a:font script="Mong" typeface="Mongolian Baiti"/>
+        <a:font script="Viet" typeface="Arial"/>
+        <a:font script="Uigh" typeface="Microsoft Uighur"/>
+        <a:font script="Geor" typeface="Sylfaen"/>
+      </a:minorFont>
+    </a:fontScheme>
+    <a:fmtScheme name="Office">
+      <a:fillStyleLst>
+        <a:solidFill>
+          <a:schemeClr val="phClr"/>
+        </a:solidFill>
+        <a:gradFill rotWithShape="1">
+          <a:gsLst>
+            <a:gs pos="0">
+              <a:schemeClr val="phClr">
+                <a:tint val="50000"/>
+                <a:satMod val="300000"/>
+              </a:schemeClr>
+            </a:gs>
+            <a:gs pos="35000">
+              <a:schemeClr val="phClr">
+                <a:tint val="37000"/>
+                <a:satMod val="300000"/>
+              </a:schemeClr>
+            </a:gs>
+            <a:gs pos="100000">
+              <a:schemeClr val="phClr">
+                <a:tint val="15000"/>
+                <a:satMod val="350000"/>
+              </a:schemeClr>
+            </a:gs>
+          </a:gsLst>
+          <a:lin ang="16200000" scaled="1"/>
+        </a:gradFill>
+        <a:gradFill rotWithShape="1">
+          <a:gsLst>
+            <a:gs pos="0">
+              <a:schemeClr val="phClr">
+                <a:tint val="100000"/>
+                <a:shade val="100000"/>
+                <a:satMod val="130000"/>
+              </a:schemeClr>
+            </a:gs>
+            <a:gs pos="100000">
+              <a:schemeClr val="phClr">
+                <a:tint val="50000"/>
+                <a:shade val="100000"/>
+                <a:satMod val="350000"/>
+              </a:schemeClr>
+            </a:gs>
+          </a:gsLst>
+          <a:lin ang="16200000" scaled="0"/>
+        </a:gradFill>
+      </a:fillStyleLst>
+      <a:lnStyleLst>
+        <a:ln w="9525" cap="flat" cmpd="sng" algn="ctr">
+          <a:solidFill>
+            <a:schemeClr val="phClr">
+              <a:shade val="95000"/>
+              <a:satMod val="105000"/>
+            </a:schemeClr>
+          </a:solidFill>
+          <a:prstDash val="solid"/>
+        </a:ln>
+        <a:ln w="25400" cap="flat" cmpd="sng" algn="ctr">
+          <a:solidFill>
+            <a:schemeClr val="phClr"/>
+          </a:solidFill>
+          <a:prstDash val="solid"/>
+        </a:ln>
+        <a:ln w="38100" cap="flat" cmpd="sng" algn="ctr">
+          <a:solidFill>
+            <a:schemeClr val="phClr"/>
+          </a:solidFill>
+          <a:prstDash val="solid"/>
+        </a:ln>
+      </a:lnStyleLst>
+      <a:effectStyleLst>
+        <a:effectStyle>
+          <a:effectLst>
+            <a:outerShdw blurRad="40000" dist="20000" dir="5400000" rotWithShape="0">
+              <a:srgbClr val="000000">
+                <a:alpha val="38000"/>
+              </a:srgbClr>
+            </a:outerShdw>
+          </a:effectLst>
+        </a:effectStyle>
+        <a:effectStyle>
+          <a:effectLst>
+            <a:outerShdw blurRad="40000" dist="23000" dir="5400000" rotWithShape="0">
+              <a:srgbClr val="000000">
+                <a:alpha val="35000"/>
+              </a:srgbClr>
+            </a:outerShdw>
+          </a:effectLst>
+        </a:effectStyle>
+        <a:effectStyle>
+          <a:effectLst>
+            <a:outerShdw blurRad="40000" dist="23000" dir="5400000" rotWithShape="0">
+              <a:srgbClr val="000000">
+                <a:alpha val="35000"/>
+              </a:srgbClr>
+            </a:outerShdw>
+          </a:effectLst>
+          <a:scene3d>
+            <a:camera prst="orthographicFront">
+              <a:rot lat="0" lon="0" rev="0"/>
+            </a:camera>
+            <a:lightRig rig="threePt" dir="t">
+              <a:rot lat="0" lon="0" rev="1200000"/>
+            </a:lightRig>
+          </a:scene3d>
+          <a:sp3d>
+            <a:bevelT w="63500" h="25400"/>
+          </a:sp3d>
+        </a:effectStyle>
+      </a:effectStyleLst>
+      <a:bgFillStyleLst>
+        <a:solidFill>
+          <a:schemeClr val="phClr"/>
+        </a:solidFill>
+        <a:gradFill rotWithShape="1">
+          <a:gsLst>
+            <a:gs pos="0">
+              <a:schemeClr val="phClr">
+                <a:tint val="40000"/>
+                <a:satMod val="350000"/>
+              </a:schemeClr>
+            </a:gs>
+            <a:gs pos="40000">
+              <a:schemeClr val="phClr">
+                <a:tint val="45000"/>
+                <a:shade val="99000"/>
+                <a:satMod val="350000"/>
+              </a:schemeClr>
+            </a:gs>
+            <a:gs pos="100000">
+              <a:schemeClr val="phClr">
+                <a:shade val="20000"/>
+                <a:satMod val="255000"/>
+              </a:schemeClr>
+            </a:gs>
+          </a:gsLst>
+          <a:path path="circle">
+            <a:fillToRect l="50000" t="-80000" r="50000" b="180000"/>
+          </a:path>
+        </a:gradFill>
+        <a:gradFill rotWithShape="1">
+          <a:gsLst>
+            <a:gs pos="0">
+              <a:schemeClr val="phClr">
+                <a:tint val="80000"/>
+                <a:satMod val="300000"/>
+              </a:schemeClr>
+            </a:gs>
+            <a:gs pos="100000">
+              <a:schemeClr val="phClr">
+                <a:shade val="30000"/>
+                <a:satMod val="200000"/>
+              </a:schemeClr>
+            </a:gs>
+          </a:gsLst>
+          <a:path path="circle">
+            <a:fillToRect l="50000" t="50000" r="50000" b="50000"/>
+          </a:path>
+        </a:gradFill>
+      </a:bgFillStyleLst>
+    </a:fmtScheme>
+  </a:themeElements>
+</a:theme>
 </file>
 
-<file path=ppt/theme/theme1.xml><?xml version="1.0" encoding="utf-8"?>
+<file path=ppt/theme/theme2.xml><?xml version="1.0" encoding="utf-8"?>
 <a:theme xmlns:a="http://schemas.openxmlformats.org/drawingml/2006/main" xmlns:r="http://schemas.openxmlformats.org/officeDocument/2006/relationships">
   <a:themeElements>
     <a:clrScheme name="Default">
@@ -12070,283 +12666,4 @@
     </a:fmtScheme>
   </a:themeElements>
 </a:theme>
-</file>
-
-<file path=ppt/theme/theme2.xml><?xml version="1.0" encoding="utf-8"?>
-<a:theme xmlns:a="http://schemas.openxmlformats.org/drawingml/2006/main" xmlns:r="http://schemas.openxmlformats.org/officeDocument/2006/relationships" name="Focus">
-  <a:themeElements>
-    <a:clrScheme name="Focus">
-      <a:dk1>
-        <a:srgbClr val="1B212C"/>
-      </a:dk1>
-      <a:lt1>
-        <a:srgbClr val="FFFFFF"/>
-      </a:lt1>
-      <a:dk2>
-        <a:srgbClr val="D9D9D9"/>
-      </a:dk2>
-      <a:lt2>
-        <a:srgbClr val="82C7A5"/>
-      </a:lt2>
-      <a:accent1>
-        <a:srgbClr val="0145AC"/>
-      </a:accent1>
-      <a:accent2>
-        <a:srgbClr val="EECE1A"/>
-      </a:accent2>
-      <a:accent3>
-        <a:srgbClr val="4E5567"/>
-      </a:accent3>
-      <a:accent4>
-        <a:srgbClr val="F4D6AD"/>
-      </a:accent4>
-      <a:accent5>
-        <a:srgbClr val="7890CD"/>
-      </a:accent5>
-      <a:accent6>
-        <a:srgbClr val="F15E22"/>
-      </a:accent6>
-      <a:hlink>
-        <a:srgbClr val="7890CD"/>
-      </a:hlink>
-      <a:folHlink>
-        <a:srgbClr val="7890CD"/>
-      </a:folHlink>
-    </a:clrScheme>
-    <a:fontScheme name="Office">
-      <a:majorFont>
-        <a:latin typeface="Arial"/>
-        <a:ea typeface=""/>
-        <a:cs typeface=""/>
-        <a:font script="Jpan" typeface="ＭＳ Ｐゴシック"/>
-        <a:font script="Hang" typeface="맑은 고딕"/>
-        <a:font script="Hans" typeface="宋体"/>
-        <a:font script="Hant" typeface="新細明體"/>
-        <a:font script="Arab" typeface="Times New Roman"/>
-        <a:font script="Hebr" typeface="Times New Roman"/>
-        <a:font script="Thai" typeface="Angsana New"/>
-        <a:font script="Ethi" typeface="Nyala"/>
-        <a:font script="Beng" typeface="Vrinda"/>
-        <a:font script="Gujr" typeface="Shruti"/>
-        <a:font script="Khmr" typeface="MoolBoran"/>
-        <a:font script="Knda" typeface="Tunga"/>
-        <a:font script="Guru" typeface="Raavi"/>
-        <a:font script="Cans" typeface="Euphemia"/>
-        <a:font script="Cher" typeface="Plantagenet Cherokee"/>
-        <a:font script="Yiii" typeface="Microsoft Yi Baiti"/>
-        <a:font script="Tibt" typeface="Microsoft Himalaya"/>
-        <a:font script="Thaa" typeface="MV Boli"/>
-        <a:font script="Deva" typeface="Mangal"/>
-        <a:font script="Telu" typeface="Gautami"/>
-        <a:font script="Taml" typeface="Latha"/>
-        <a:font script="Syrc" typeface="Estrangelo Edessa"/>
-        <a:font script="Orya" typeface="Kalinga"/>
-        <a:font script="Mlym" typeface="Kartika"/>
-        <a:font script="Laoo" typeface="DokChampa"/>
-        <a:font script="Sinh" typeface="Iskoola Pota"/>
-        <a:font script="Mong" typeface="Mongolian Baiti"/>
-        <a:font script="Viet" typeface="Times New Roman"/>
-        <a:font script="Uigh" typeface="Microsoft Uighur"/>
-        <a:font script="Geor" typeface="Sylfaen"/>
-      </a:majorFont>
-      <a:minorFont>
-        <a:latin typeface="Arial"/>
-        <a:ea typeface=""/>
-        <a:cs typeface=""/>
-        <a:font script="Jpan" typeface="ＭＳ Ｐゴシック"/>
-        <a:font script="Hang" typeface="맑은 고딕"/>
-        <a:font script="Hans" typeface="宋体"/>
-        <a:font script="Hant" typeface="新細明體"/>
-        <a:font script="Arab" typeface="Arial"/>
-        <a:font script="Hebr" typeface="Arial"/>
-        <a:font script="Thai" typeface="Cordia New"/>
-        <a:font script="Ethi" typeface="Nyala"/>
-        <a:font script="Beng" typeface="Vrinda"/>
-        <a:font script="Gujr" typeface="Shruti"/>
-        <a:font script="Khmr" typeface="DaunPenh"/>
-        <a:font script="Knda" typeface="Tunga"/>
-        <a:font script="Guru" typeface="Raavi"/>
-        <a:font script="Cans" typeface="Euphemia"/>
-        <a:font script="Cher" typeface="Plantagenet Cherokee"/>
-        <a:font script="Yiii" typeface="Microsoft Yi Baiti"/>
-        <a:font script="Tibt" typeface="Microsoft Himalaya"/>
-        <a:font script="Thaa" typeface="MV Boli"/>
-        <a:font script="Deva" typeface="Mangal"/>
-        <a:font script="Telu" typeface="Gautami"/>
-        <a:font script="Taml" typeface="Latha"/>
-        <a:font script="Syrc" typeface="Estrangelo Edessa"/>
-        <a:font script="Orya" typeface="Kalinga"/>
-        <a:font script="Mlym" typeface="Kartika"/>
-        <a:font script="Laoo" typeface="DokChampa"/>
-        <a:font script="Sinh" typeface="Iskoola Pota"/>
-        <a:font script="Mong" typeface="Mongolian Baiti"/>
-        <a:font script="Viet" typeface="Arial"/>
-        <a:font script="Uigh" typeface="Microsoft Uighur"/>
-        <a:font script="Geor" typeface="Sylfaen"/>
-      </a:minorFont>
-    </a:fontScheme>
-    <a:fmtScheme name="Office">
-      <a:fillStyleLst>
-        <a:solidFill>
-          <a:schemeClr val="phClr"/>
-        </a:solidFill>
-        <a:gradFill rotWithShape="1">
-          <a:gsLst>
-            <a:gs pos="0">
-              <a:schemeClr val="phClr">
-                <a:tint val="50000"/>
-                <a:satMod val="300000"/>
-              </a:schemeClr>
-            </a:gs>
-            <a:gs pos="35000">
-              <a:schemeClr val="phClr">
-                <a:tint val="37000"/>
-                <a:satMod val="300000"/>
-              </a:schemeClr>
-            </a:gs>
-            <a:gs pos="100000">
-              <a:schemeClr val="phClr">
-                <a:tint val="15000"/>
-                <a:satMod val="350000"/>
-              </a:schemeClr>
-            </a:gs>
-          </a:gsLst>
-          <a:lin ang="16200000" scaled="1"/>
-        </a:gradFill>
-        <a:gradFill rotWithShape="1">
-          <a:gsLst>
-            <a:gs pos="0">
-              <a:schemeClr val="phClr">
-                <a:tint val="100000"/>
-                <a:shade val="100000"/>
-                <a:satMod val="130000"/>
-              </a:schemeClr>
-            </a:gs>
-            <a:gs pos="100000">
-              <a:schemeClr val="phClr">
-                <a:tint val="50000"/>
-                <a:shade val="100000"/>
-                <a:satMod val="350000"/>
-              </a:schemeClr>
-            </a:gs>
-          </a:gsLst>
-          <a:lin ang="16200000" scaled="0"/>
-        </a:gradFill>
-      </a:fillStyleLst>
-      <a:lnStyleLst>
-        <a:ln w="9525" cap="flat" cmpd="sng" algn="ctr">
-          <a:solidFill>
-            <a:schemeClr val="phClr">
-              <a:shade val="95000"/>
-              <a:satMod val="105000"/>
-            </a:schemeClr>
-          </a:solidFill>
-          <a:prstDash val="solid"/>
-        </a:ln>
-        <a:ln w="25400" cap="flat" cmpd="sng" algn="ctr">
-          <a:solidFill>
-            <a:schemeClr val="phClr"/>
-          </a:solidFill>
-          <a:prstDash val="solid"/>
-        </a:ln>
-        <a:ln w="38100" cap="flat" cmpd="sng" algn="ctr">
-          <a:solidFill>
-            <a:schemeClr val="phClr"/>
-          </a:solidFill>
-          <a:prstDash val="solid"/>
-        </a:ln>
-      </a:lnStyleLst>
-      <a:effectStyleLst>
-        <a:effectStyle>
-          <a:effectLst>
-            <a:outerShdw blurRad="40000" dist="20000" dir="5400000" rotWithShape="0">
-              <a:srgbClr val="000000">
-                <a:alpha val="38000"/>
-              </a:srgbClr>
-            </a:outerShdw>
-          </a:effectLst>
-        </a:effectStyle>
-        <a:effectStyle>
-          <a:effectLst>
-            <a:outerShdw blurRad="40000" dist="23000" dir="5400000" rotWithShape="0">
-              <a:srgbClr val="000000">
-                <a:alpha val="35000"/>
-              </a:srgbClr>
-            </a:outerShdw>
-          </a:effectLst>
-        </a:effectStyle>
-        <a:effectStyle>
-          <a:effectLst>
-            <a:outerShdw blurRad="40000" dist="23000" dir="5400000" rotWithShape="0">
-              <a:srgbClr val="000000">
-                <a:alpha val="35000"/>
-              </a:srgbClr>
-            </a:outerShdw>
-          </a:effectLst>
-          <a:scene3d>
-            <a:camera prst="orthographicFront">
-              <a:rot lat="0" lon="0" rev="0"/>
-            </a:camera>
-            <a:lightRig rig="threePt" dir="t">
-              <a:rot lat="0" lon="0" rev="1200000"/>
-            </a:lightRig>
-          </a:scene3d>
-          <a:sp3d>
-            <a:bevelT w="63500" h="25400"/>
-          </a:sp3d>
-        </a:effectStyle>
-      </a:effectStyleLst>
-      <a:bgFillStyleLst>
-        <a:solidFill>
-          <a:schemeClr val="phClr"/>
-        </a:solidFill>
-        <a:gradFill rotWithShape="1">
-          <a:gsLst>
-            <a:gs pos="0">
-              <a:schemeClr val="phClr">
-                <a:tint val="40000"/>
-                <a:satMod val="350000"/>
-              </a:schemeClr>
-            </a:gs>
-            <a:gs pos="40000">
-              <a:schemeClr val="phClr">
-                <a:tint val="45000"/>
-                <a:shade val="99000"/>
-                <a:satMod val="350000"/>
-              </a:schemeClr>
-            </a:gs>
-            <a:gs pos="100000">
-              <a:schemeClr val="phClr">
-                <a:shade val="20000"/>
-                <a:satMod val="255000"/>
-              </a:schemeClr>
-            </a:gs>
-          </a:gsLst>
-          <a:path path="circle">
-            <a:fillToRect l="50000" t="-80000" r="50000" b="180000"/>
-          </a:path>
-        </a:gradFill>
-        <a:gradFill rotWithShape="1">
-          <a:gsLst>
-            <a:gs pos="0">
-              <a:schemeClr val="phClr">
-                <a:tint val="80000"/>
-                <a:satMod val="300000"/>
-              </a:schemeClr>
-            </a:gs>
-            <a:gs pos="100000">
-              <a:schemeClr val="phClr">
-                <a:shade val="30000"/>
-                <a:satMod val="200000"/>
-              </a:schemeClr>
-            </a:gs>
-          </a:gsLst>
-          <a:path path="circle">
-            <a:fillToRect l="50000" t="50000" r="50000" b="50000"/>
-          </a:path>
-        </a:gradFill>
-      </a:bgFillStyleLst>
-    </a:fmtScheme>
-  </a:themeElements>
-</a:theme>
 </file>
--- a/Code/Wait-Less Presentation.pptx
+++ b/Code/Wait-Less Presentation.pptx
@@ -17,23 +17,24 @@
     <p:sldId id="262" r:id="rId12"/>
     <p:sldId id="263" r:id="rId13"/>
     <p:sldId id="264" r:id="rId14"/>
+    <p:sldId id="265" r:id="rId15"/>
   </p:sldIdLst>
   <p:sldSz cy="5143500" cx="9144000"/>
   <p:notesSz cx="6858000" cy="9144000"/>
   <p:embeddedFontLst>
     <p:embeddedFont>
       <p:font typeface="Montserrat"/>
-      <p:regular r:id="rId15"/>
-      <p:bold r:id="rId16"/>
-      <p:italic r:id="rId17"/>
-      <p:boldItalic r:id="rId18"/>
+      <p:regular r:id="rId16"/>
+      <p:bold r:id="rId17"/>
+      <p:italic r:id="rId18"/>
+      <p:boldItalic r:id="rId19"/>
     </p:embeddedFont>
     <p:embeddedFont>
       <p:font typeface="Lato"/>
-      <p:regular r:id="rId19"/>
-      <p:bold r:id="rId20"/>
-      <p:italic r:id="rId21"/>
-      <p:boldItalic r:id="rId22"/>
+      <p:regular r:id="rId20"/>
+      <p:bold r:id="rId21"/>
+      <p:italic r:id="rId22"/>
+      <p:boldItalic r:id="rId23"/>
     </p:embeddedFont>
   </p:embeddedFontLst>
   <p:defaultTextStyle>
@@ -809,12 +810,12 @@
 </p:notes>
 </file>
 
-<file path=ppt/notesSlides/notesSlide2.xml><?xml version="1.0" encoding="utf-8"?>
+<file path=ppt/notesSlides/notesSlide10.xml><?xml version="1.0" encoding="utf-8"?>
 <p:notes xmlns:a="http://schemas.openxmlformats.org/drawingml/2006/main" xmlns:r="http://schemas.openxmlformats.org/officeDocument/2006/relationships" xmlns:mc="http://schemas.openxmlformats.org/markup-compatibility/2006" xmlns:mv="urn:schemas-microsoft-com:mac:vml" xmlns:p="http://schemas.openxmlformats.org/presentationml/2006/main" xmlns:c="http://schemas.openxmlformats.org/drawingml/2006/chart" xmlns:dgm="http://schemas.openxmlformats.org/drawingml/2006/diagram" xmlns:o="urn:schemas-microsoft-com:office:office" xmlns:v="urn:schemas-microsoft-com:vml" xmlns:pvml="urn:schemas-microsoft-com:office:powerpoint" xmlns:com="http://schemas.openxmlformats.org/drawingml/2006/compatibility" xmlns:p14="http://schemas.microsoft.com/office/powerpoint/2010/main" xmlns:p15="http://schemas.microsoft.com/office/powerpoint/2012/main" showMasterPhAnim="0" showMasterSp="0">
   <p:cSld>
     <p:spTree>
       <p:nvGrpSpPr>
-        <p:cNvPr id="136" name="Shape 136"/>
+        <p:cNvPr id="198" name="Shape 198"/>
         <p:cNvGrpSpPr/>
         <p:nvPr/>
       </p:nvGrpSpPr>
@@ -828,7 +829,7 @@
       </p:grpSpPr>
       <p:sp>
         <p:nvSpPr>
-          <p:cNvPr id="137" name="Google Shape;137;g83b64fcb1c_0_125:notes"/>
+          <p:cNvPr id="199" name="Google Shape;199;g83e9b4b0a7_1_1:notes"/>
           <p:cNvSpPr/>
           <p:nvPr>
             <p:ph idx="2" type="sldImg"/>
@@ -863,7 +864,7 @@
       </p:sp>
       <p:sp>
         <p:nvSpPr>
-          <p:cNvPr id="138" name="Google Shape;138;g83b64fcb1c_0_125:notes"/>
+          <p:cNvPr id="200" name="Google Shape;200;g83e9b4b0a7_1_1:notes"/>
           <p:cNvSpPr txBox="1"/>
           <p:nvPr>
             <p:ph idx="1" type="body"/>
@@ -908,12 +909,12 @@
 </p:notes>
 </file>
 
-<file path=ppt/notesSlides/notesSlide3.xml><?xml version="1.0" encoding="utf-8"?>
+<file path=ppt/notesSlides/notesSlide2.xml><?xml version="1.0" encoding="utf-8"?>
 <p:notes xmlns:a="http://schemas.openxmlformats.org/drawingml/2006/main" xmlns:r="http://schemas.openxmlformats.org/officeDocument/2006/relationships" xmlns:mc="http://schemas.openxmlformats.org/markup-compatibility/2006" xmlns:mv="urn:schemas-microsoft-com:mac:vml" xmlns:p="http://schemas.openxmlformats.org/presentationml/2006/main" xmlns:c="http://schemas.openxmlformats.org/drawingml/2006/chart" xmlns:dgm="http://schemas.openxmlformats.org/drawingml/2006/diagram" xmlns:o="urn:schemas-microsoft-com:office:office" xmlns:v="urn:schemas-microsoft-com:vml" xmlns:pvml="urn:schemas-microsoft-com:office:powerpoint" xmlns:com="http://schemas.openxmlformats.org/drawingml/2006/compatibility" xmlns:p14="http://schemas.microsoft.com/office/powerpoint/2010/main" xmlns:p15="http://schemas.microsoft.com/office/powerpoint/2012/main" showMasterPhAnim="0" showMasterSp="0">
   <p:cSld>
     <p:spTree>
       <p:nvGrpSpPr>
-        <p:cNvPr id="143" name="Shape 143"/>
+        <p:cNvPr id="136" name="Shape 136"/>
         <p:cNvGrpSpPr/>
         <p:nvPr/>
       </p:nvGrpSpPr>
@@ -927,7 +928,7 @@
       </p:grpSpPr>
       <p:sp>
         <p:nvSpPr>
-          <p:cNvPr id="144" name="Google Shape;144;g83b64fcb1c_2_5:notes"/>
+          <p:cNvPr id="137" name="Google Shape;137;g83e9b4b0a7_2_5:notes"/>
           <p:cNvSpPr/>
           <p:nvPr>
             <p:ph idx="2" type="sldImg"/>
@@ -962,7 +963,7 @@
       </p:sp>
       <p:sp>
         <p:nvSpPr>
-          <p:cNvPr id="145" name="Google Shape;145;g83b64fcb1c_2_5:notes"/>
+          <p:cNvPr id="138" name="Google Shape;138;g83e9b4b0a7_2_5:notes"/>
           <p:cNvSpPr txBox="1"/>
           <p:nvPr>
             <p:ph idx="1" type="body"/>
@@ -1007,12 +1008,12 @@
 </p:notes>
 </file>
 
-<file path=ppt/notesSlides/notesSlide4.xml><?xml version="1.0" encoding="utf-8"?>
+<file path=ppt/notesSlides/notesSlide3.xml><?xml version="1.0" encoding="utf-8"?>
 <p:notes xmlns:a="http://schemas.openxmlformats.org/drawingml/2006/main" xmlns:r="http://schemas.openxmlformats.org/officeDocument/2006/relationships" xmlns:mc="http://schemas.openxmlformats.org/markup-compatibility/2006" xmlns:mv="urn:schemas-microsoft-com:mac:vml" xmlns:p="http://schemas.openxmlformats.org/presentationml/2006/main" xmlns:c="http://schemas.openxmlformats.org/drawingml/2006/chart" xmlns:dgm="http://schemas.openxmlformats.org/drawingml/2006/diagram" xmlns:o="urn:schemas-microsoft-com:office:office" xmlns:v="urn:schemas-microsoft-com:vml" xmlns:pvml="urn:schemas-microsoft-com:office:powerpoint" xmlns:com="http://schemas.openxmlformats.org/drawingml/2006/compatibility" xmlns:p14="http://schemas.microsoft.com/office/powerpoint/2010/main" xmlns:p15="http://schemas.microsoft.com/office/powerpoint/2012/main" showMasterPhAnim="0" showMasterSp="0">
   <p:cSld>
     <p:spTree>
       <p:nvGrpSpPr>
-        <p:cNvPr id="150" name="Shape 150"/>
+        <p:cNvPr id="144" name="Shape 144"/>
         <p:cNvGrpSpPr/>
         <p:nvPr/>
       </p:nvGrpSpPr>
@@ -1026,7 +1027,7 @@
       </p:grpSpPr>
       <p:sp>
         <p:nvSpPr>
-          <p:cNvPr id="151" name="Google Shape;151;g83b64fcb1c_1_5:notes"/>
+          <p:cNvPr id="145" name="Google Shape;145;g83b64fcb1c_0_125:notes"/>
           <p:cNvSpPr/>
           <p:nvPr>
             <p:ph idx="2" type="sldImg"/>
@@ -1061,7 +1062,106 @@
       </p:sp>
       <p:sp>
         <p:nvSpPr>
-          <p:cNvPr id="152" name="Google Shape;152;g83b64fcb1c_1_5:notes"/>
+          <p:cNvPr id="146" name="Google Shape;146;g83b64fcb1c_0_125:notes"/>
+          <p:cNvSpPr txBox="1"/>
+          <p:nvPr>
+            <p:ph idx="1" type="body"/>
+          </p:nvPr>
+        </p:nvSpPr>
+        <p:spPr>
+          <a:xfrm>
+            <a:off x="685800" y="4343400"/>
+            <a:ext cx="5486400" cy="4114800"/>
+          </a:xfrm>
+          <a:prstGeom prst="rect">
+            <a:avLst/>
+          </a:prstGeom>
+        </p:spPr>
+        <p:txBody>
+          <a:bodyPr anchorCtr="0" anchor="t" bIns="91425" lIns="91425" spcFirstLastPara="1" rIns="91425" wrap="square" tIns="91425">
+            <a:noAutofit/>
+          </a:bodyPr>
+          <a:lstStyle/>
+          <a:p>
+            <a:pPr indent="0" lvl="0" marL="0" rtl="0" algn="l">
+              <a:spcBef>
+                <a:spcPts val="0"/>
+              </a:spcBef>
+              <a:spcAft>
+                <a:spcPts val="0"/>
+              </a:spcAft>
+              <a:buNone/>
+            </a:pPr>
+            <a:r>
+              <a:t/>
+            </a:r>
+            <a:endParaRPr/>
+          </a:p>
+        </p:txBody>
+      </p:sp>
+    </p:spTree>
+  </p:cSld>
+  <p:clrMapOvr>
+    <a:masterClrMapping/>
+  </p:clrMapOvr>
+</p:notes>
+</file>
+
+<file path=ppt/notesSlides/notesSlide4.xml><?xml version="1.0" encoding="utf-8"?>
+<p:notes xmlns:a="http://schemas.openxmlformats.org/drawingml/2006/main" xmlns:r="http://schemas.openxmlformats.org/officeDocument/2006/relationships" xmlns:mc="http://schemas.openxmlformats.org/markup-compatibility/2006" xmlns:mv="urn:schemas-microsoft-com:mac:vml" xmlns:p="http://schemas.openxmlformats.org/presentationml/2006/main" xmlns:c="http://schemas.openxmlformats.org/drawingml/2006/chart" xmlns:dgm="http://schemas.openxmlformats.org/drawingml/2006/diagram" xmlns:o="urn:schemas-microsoft-com:office:office" xmlns:v="urn:schemas-microsoft-com:vml" xmlns:pvml="urn:schemas-microsoft-com:office:powerpoint" xmlns:com="http://schemas.openxmlformats.org/drawingml/2006/compatibility" xmlns:p14="http://schemas.microsoft.com/office/powerpoint/2010/main" xmlns:p15="http://schemas.microsoft.com/office/powerpoint/2012/main" showMasterPhAnim="0" showMasterSp="0">
+  <p:cSld>
+    <p:spTree>
+      <p:nvGrpSpPr>
+        <p:cNvPr id="151" name="Shape 151"/>
+        <p:cNvGrpSpPr/>
+        <p:nvPr/>
+      </p:nvGrpSpPr>
+      <p:grpSpPr>
+        <a:xfrm>
+          <a:off x="0" y="0"/>
+          <a:ext cx="0" cy="0"/>
+          <a:chOff x="0" y="0"/>
+          <a:chExt cx="0" cy="0"/>
+        </a:xfrm>
+      </p:grpSpPr>
+      <p:sp>
+        <p:nvSpPr>
+          <p:cNvPr id="152" name="Google Shape;152;g83b64fcb1c_2_5:notes"/>
+          <p:cNvSpPr/>
+          <p:nvPr>
+            <p:ph idx="2" type="sldImg"/>
+          </p:nvPr>
+        </p:nvSpPr>
+        <p:spPr>
+          <a:xfrm>
+            <a:off x="381300" y="685800"/>
+            <a:ext cx="6096000" cy="3429000"/>
+          </a:xfrm>
+          <a:custGeom>
+            <a:rect b="b" l="l" r="r" t="t"/>
+            <a:pathLst>
+              <a:path extrusionOk="0" h="120000" w="120000">
+                <a:moveTo>
+                  <a:pt x="0" y="0"/>
+                </a:moveTo>
+                <a:lnTo>
+                  <a:pt x="120000" y="0"/>
+                </a:lnTo>
+                <a:lnTo>
+                  <a:pt x="120000" y="120000"/>
+                </a:lnTo>
+                <a:lnTo>
+                  <a:pt x="0" y="120000"/>
+                </a:lnTo>
+                <a:close/>
+              </a:path>
+            </a:pathLst>
+          </a:custGeom>
+        </p:spPr>
+      </p:sp>
+      <p:sp>
+        <p:nvSpPr>
+          <p:cNvPr id="153" name="Google Shape;153;g83b64fcb1c_2_5:notes"/>
           <p:cNvSpPr txBox="1"/>
           <p:nvPr>
             <p:ph idx="1" type="body"/>
@@ -1125,7 +1225,7 @@
       </p:grpSpPr>
       <p:sp>
         <p:nvSpPr>
-          <p:cNvPr id="159" name="Google Shape;159;g83b64fcb1c_1_15:notes"/>
+          <p:cNvPr id="159" name="Google Shape;159;g83b64fcb1c_1_5:notes"/>
           <p:cNvSpPr/>
           <p:nvPr>
             <p:ph idx="2" type="sldImg"/>
@@ -1160,7 +1260,7 @@
       </p:sp>
       <p:sp>
         <p:nvSpPr>
-          <p:cNvPr id="160" name="Google Shape;160;g83b64fcb1c_1_15:notes"/>
+          <p:cNvPr id="160" name="Google Shape;160;g83b64fcb1c_1_5:notes"/>
           <p:cNvSpPr txBox="1"/>
           <p:nvPr>
             <p:ph idx="1" type="body"/>
@@ -1224,7 +1324,7 @@
       </p:grpSpPr>
       <p:sp>
         <p:nvSpPr>
-          <p:cNvPr id="167" name="Google Shape;167;g83b64fcb1c_0_130:notes"/>
+          <p:cNvPr id="167" name="Google Shape;167;g83b64fcb1c_1_15:notes"/>
           <p:cNvSpPr/>
           <p:nvPr>
             <p:ph idx="2" type="sldImg"/>
@@ -1259,7 +1359,7 @@
       </p:sp>
       <p:sp>
         <p:nvSpPr>
-          <p:cNvPr id="168" name="Google Shape;168;g83b64fcb1c_0_130:notes"/>
+          <p:cNvPr id="168" name="Google Shape;168;g83b64fcb1c_1_15:notes"/>
           <p:cNvSpPr txBox="1"/>
           <p:nvPr>
             <p:ph idx="1" type="body"/>
@@ -1323,7 +1423,7 @@
       </p:grpSpPr>
       <p:sp>
         <p:nvSpPr>
-          <p:cNvPr id="175" name="Google Shape;175;g839ca0ba85_1_1:notes"/>
+          <p:cNvPr id="175" name="Google Shape;175;g83b64fcb1c_0_130:notes"/>
           <p:cNvSpPr/>
           <p:nvPr>
             <p:ph idx="2" type="sldImg"/>
@@ -1358,7 +1458,7 @@
       </p:sp>
       <p:sp>
         <p:nvSpPr>
-          <p:cNvPr id="176" name="Google Shape;176;g839ca0ba85_1_1:notes"/>
+          <p:cNvPr id="176" name="Google Shape;176;g83b64fcb1c_0_130:notes"/>
           <p:cNvSpPr txBox="1"/>
           <p:nvPr>
             <p:ph idx="1" type="body"/>
@@ -1408,7 +1508,7 @@
   <p:cSld>
     <p:spTree>
       <p:nvGrpSpPr>
-        <p:cNvPr id="181" name="Shape 181"/>
+        <p:cNvPr id="182" name="Shape 182"/>
         <p:cNvGrpSpPr/>
         <p:nvPr/>
       </p:nvGrpSpPr>
@@ -1422,7 +1522,7 @@
       </p:grpSpPr>
       <p:sp>
         <p:nvSpPr>
-          <p:cNvPr id="182" name="Google Shape;182;g746a20ac97_0_5:notes"/>
+          <p:cNvPr id="183" name="Google Shape;183;g839ca0ba85_1_1:notes"/>
           <p:cNvSpPr/>
           <p:nvPr>
             <p:ph idx="2" type="sldImg"/>
@@ -1457,7 +1557,7 @@
       </p:sp>
       <p:sp>
         <p:nvSpPr>
-          <p:cNvPr id="183" name="Google Shape;183;g746a20ac97_0_5:notes"/>
+          <p:cNvPr id="184" name="Google Shape;184;g839ca0ba85_1_1:notes"/>
           <p:cNvSpPr txBox="1"/>
           <p:nvPr>
             <p:ph idx="1" type="body"/>
@@ -1507,7 +1607,7 @@
   <p:cSld>
     <p:spTree>
       <p:nvGrpSpPr>
-        <p:cNvPr id="190" name="Shape 190"/>
+        <p:cNvPr id="189" name="Shape 189"/>
         <p:cNvGrpSpPr/>
         <p:nvPr/>
       </p:nvGrpSpPr>
@@ -1521,7 +1621,7 @@
       </p:grpSpPr>
       <p:sp>
         <p:nvSpPr>
-          <p:cNvPr id="191" name="Google Shape;191;g83b64fcb1c_3_0:notes"/>
+          <p:cNvPr id="190" name="Google Shape;190;g746a20ac97_0_5:notes"/>
           <p:cNvSpPr/>
           <p:nvPr>
             <p:ph idx="2" type="sldImg"/>
@@ -1556,7 +1656,7 @@
       </p:sp>
       <p:sp>
         <p:nvSpPr>
-          <p:cNvPr id="192" name="Google Shape;192;g83b64fcb1c_3_0:notes"/>
+          <p:cNvPr id="191" name="Google Shape;191;g746a20ac97_0_5:notes"/>
           <p:cNvSpPr txBox="1"/>
           <p:nvPr>
             <p:ph idx="1" type="body"/>
@@ -9906,12 +10006,107 @@
             </a:pPr>
             <a:r>
               <a:rPr lang="en"/>
-              <a:t>By Brian, Omar, Harsh, and Emmanuel</a:t>
+              <a:t>Group22:  Brian, Omar, Harsh, and Emmanuel</a:t>
             </a:r>
             <a:endParaRPr/>
           </a:p>
         </p:txBody>
       </p:sp>
+    </p:spTree>
+  </p:cSld>
+  <p:clrMapOvr>
+    <a:masterClrMapping/>
+  </p:clrMapOvr>
+</p:sld>
+</file>
+
+<file path=ppt/slides/slide10.xml><?xml version="1.0" encoding="utf-8"?>
+<p:sld xmlns:a="http://schemas.openxmlformats.org/drawingml/2006/main" xmlns:r="http://schemas.openxmlformats.org/officeDocument/2006/relationships" xmlns:mc="http://schemas.openxmlformats.org/markup-compatibility/2006" xmlns:mv="urn:schemas-microsoft-com:mac:vml" xmlns:p="http://schemas.openxmlformats.org/presentationml/2006/main" xmlns:c="http://schemas.openxmlformats.org/drawingml/2006/chart" xmlns:dgm="http://schemas.openxmlformats.org/drawingml/2006/diagram" xmlns:o="urn:schemas-microsoft-com:office:office" xmlns:v="urn:schemas-microsoft-com:vml" xmlns:pvml="urn:schemas-microsoft-com:office:powerpoint" xmlns:com="http://schemas.openxmlformats.org/drawingml/2006/compatibility" xmlns:p14="http://schemas.microsoft.com/office/powerpoint/2010/main" xmlns:p15="http://schemas.microsoft.com/office/powerpoint/2012/main">
+  <p:cSld>
+    <p:spTree>
+      <p:nvGrpSpPr>
+        <p:cNvPr id="201" name="Shape 201"/>
+        <p:cNvGrpSpPr/>
+        <p:nvPr/>
+      </p:nvGrpSpPr>
+      <p:grpSpPr>
+        <a:xfrm>
+          <a:off x="0" y="0"/>
+          <a:ext cx="0" cy="0"/>
+          <a:chOff x="0" y="0"/>
+          <a:chExt cx="0" cy="0"/>
+        </a:xfrm>
+      </p:grpSpPr>
+      <p:sp>
+        <p:nvSpPr>
+          <p:cNvPr id="202" name="Google Shape;202;p22"/>
+          <p:cNvSpPr txBox="1"/>
+          <p:nvPr>
+            <p:ph type="title"/>
+          </p:nvPr>
+        </p:nvSpPr>
+        <p:spPr>
+          <a:xfrm>
+            <a:off x="815700" y="306250"/>
+            <a:ext cx="7512600" cy="914100"/>
+          </a:xfrm>
+          <a:prstGeom prst="rect">
+            <a:avLst/>
+          </a:prstGeom>
+        </p:spPr>
+        <p:txBody>
+          <a:bodyPr anchorCtr="0" anchor="t" bIns="91425" lIns="91425" spcFirstLastPara="1" rIns="91425" wrap="square" tIns="91425">
+            <a:noAutofit/>
+          </a:bodyPr>
+          <a:lstStyle/>
+          <a:p>
+            <a:pPr indent="0" lvl="0" marL="0" rtl="0" algn="ctr">
+              <a:spcBef>
+                <a:spcPts val="0"/>
+              </a:spcBef>
+              <a:spcAft>
+                <a:spcPts val="0"/>
+              </a:spcAft>
+              <a:buNone/>
+            </a:pPr>
+            <a:r>
+              <a:rPr lang="en" sz="2300"/>
+              <a:t>Task Sending and Completed Tasks Stats Demo</a:t>
+            </a:r>
+            <a:endParaRPr sz="2300"/>
+          </a:p>
+        </p:txBody>
+      </p:sp>
+      <p:pic>
+        <p:nvPicPr>
+          <p:cNvPr id="203" name="Google Shape;203;p22" title="Demo.mov">
+            <a:hlinkClick r:id="rId3"/>
+          </p:cNvPr>
+          <p:cNvPicPr preferRelativeResize="0"/>
+          <p:nvPr/>
+        </p:nvPicPr>
+        <p:blipFill>
+          <a:blip r:embed="rId4">
+            <a:alphaModFix/>
+          </a:blip>
+          <a:stretch>
+            <a:fillRect/>
+          </a:stretch>
+        </p:blipFill>
+        <p:spPr>
+          <a:xfrm>
+            <a:off x="1499350" y="994500"/>
+            <a:ext cx="6145300" cy="3881725"/>
+          </a:xfrm>
+          <a:prstGeom prst="rect">
+            <a:avLst/>
+          </a:prstGeom>
+          <a:noFill/>
+          <a:ln>
+            <a:noFill/>
+          </a:ln>
+        </p:spPr>
+      </p:pic>
     </p:spTree>
   </p:cSld>
   <p:clrMapOvr>
@@ -9971,6 +10166,223 @@
             </a:pPr>
             <a:r>
               <a:rPr lang="en"/>
+              <a:t>Wait-Less</a:t>
+            </a:r>
+            <a:endParaRPr/>
+          </a:p>
+        </p:txBody>
+      </p:sp>
+      <p:sp>
+        <p:nvSpPr>
+          <p:cNvPr id="141" name="Google Shape;141;p14"/>
+          <p:cNvSpPr txBox="1"/>
+          <p:nvPr>
+            <p:ph idx="1" type="body"/>
+          </p:nvPr>
+        </p:nvSpPr>
+        <p:spPr>
+          <a:xfrm>
+            <a:off x="800025" y="1576425"/>
+            <a:ext cx="4770000" cy="2911200"/>
+          </a:xfrm>
+          <a:prstGeom prst="rect">
+            <a:avLst/>
+          </a:prstGeom>
+        </p:spPr>
+        <p:txBody>
+          <a:bodyPr anchorCtr="0" anchor="t" bIns="91425" lIns="91425" spcFirstLastPara="1" rIns="91425" wrap="square" tIns="91425">
+            <a:noAutofit/>
+          </a:bodyPr>
+          <a:lstStyle/>
+          <a:p>
+            <a:pPr indent="-311150" lvl="0" marL="457200" rtl="0" algn="l">
+              <a:lnSpc>
+                <a:spcPct val="200000"/>
+              </a:lnSpc>
+              <a:spcBef>
+                <a:spcPts val="0"/>
+              </a:spcBef>
+              <a:spcAft>
+                <a:spcPts val="0"/>
+              </a:spcAft>
+              <a:buSzPts val="1300"/>
+              <a:buChar char="●"/>
+            </a:pPr>
+            <a:r>
+              <a:rPr lang="en"/>
+              <a:t>Wait-Less is a mobile application that helps managers and employees handle a </a:t>
+            </a:r>
+            <a:r>
+              <a:rPr lang="en"/>
+              <a:t>restaurant</a:t>
+            </a:r>
+            <a:r>
+              <a:rPr lang="en"/>
+              <a:t>.</a:t>
+            </a:r>
+            <a:endParaRPr/>
+          </a:p>
+          <a:p>
+            <a:pPr indent="-311150" lvl="0" marL="457200" rtl="0" algn="l">
+              <a:lnSpc>
+                <a:spcPct val="200000"/>
+              </a:lnSpc>
+              <a:spcBef>
+                <a:spcPts val="0"/>
+              </a:spcBef>
+              <a:spcAft>
+                <a:spcPts val="0"/>
+              </a:spcAft>
+              <a:buSzPts val="1300"/>
+              <a:buChar char="●"/>
+            </a:pPr>
+            <a:r>
+              <a:rPr lang="en"/>
+              <a:t>Allows waiters to easily manage and keep track of their tasks. As well as send tasks to other employees within the </a:t>
+            </a:r>
+            <a:r>
+              <a:rPr lang="en"/>
+              <a:t>restaurant.</a:t>
+            </a:r>
+            <a:endParaRPr/>
+          </a:p>
+          <a:p>
+            <a:pPr indent="-311150" lvl="0" marL="457200" rtl="0" algn="l">
+              <a:lnSpc>
+                <a:spcPct val="200000"/>
+              </a:lnSpc>
+              <a:spcBef>
+                <a:spcPts val="0"/>
+              </a:spcBef>
+              <a:spcAft>
+                <a:spcPts val="0"/>
+              </a:spcAft>
+              <a:buSzPts val="1300"/>
+              <a:buChar char="●"/>
+            </a:pPr>
+            <a:r>
+              <a:rPr lang="en"/>
+              <a:t>Allows managers to track progress and statistics of task and waiters</a:t>
+            </a:r>
+            <a:endParaRPr/>
+          </a:p>
+        </p:txBody>
+      </p:sp>
+      <p:pic>
+        <p:nvPicPr>
+          <p:cNvPr id="142" name="Google Shape;142;p14"/>
+          <p:cNvPicPr preferRelativeResize="0"/>
+          <p:nvPr/>
+        </p:nvPicPr>
+        <p:blipFill>
+          <a:blip r:embed="rId3">
+            <a:alphaModFix/>
+          </a:blip>
+          <a:stretch>
+            <a:fillRect/>
+          </a:stretch>
+        </p:blipFill>
+        <p:spPr>
+          <a:xfrm>
+            <a:off x="6234323" y="91700"/>
+            <a:ext cx="1671925" cy="1399325"/>
+          </a:xfrm>
+          <a:prstGeom prst="rect">
+            <a:avLst/>
+          </a:prstGeom>
+          <a:noFill/>
+          <a:ln>
+            <a:noFill/>
+          </a:ln>
+        </p:spPr>
+      </p:pic>
+      <p:pic>
+        <p:nvPicPr>
+          <p:cNvPr id="143" name="Google Shape;143;p14"/>
+          <p:cNvPicPr preferRelativeResize="0"/>
+          <p:nvPr/>
+        </p:nvPicPr>
+        <p:blipFill>
+          <a:blip r:embed="rId4">
+            <a:alphaModFix/>
+          </a:blip>
+          <a:stretch>
+            <a:fillRect/>
+          </a:stretch>
+        </p:blipFill>
+        <p:spPr>
+          <a:xfrm>
+            <a:off x="6140325" y="1634525"/>
+            <a:ext cx="2196075" cy="3347675"/>
+          </a:xfrm>
+          <a:prstGeom prst="rect">
+            <a:avLst/>
+          </a:prstGeom>
+          <a:noFill/>
+          <a:ln>
+            <a:noFill/>
+          </a:ln>
+        </p:spPr>
+      </p:pic>
+    </p:spTree>
+  </p:cSld>
+  <p:clrMapOvr>
+    <a:masterClrMapping/>
+  </p:clrMapOvr>
+</p:sld>
+</file>
+
+<file path=ppt/slides/slide3.xml><?xml version="1.0" encoding="utf-8"?>
+<p:sld xmlns:a="http://schemas.openxmlformats.org/drawingml/2006/main" xmlns:r="http://schemas.openxmlformats.org/officeDocument/2006/relationships" xmlns:mc="http://schemas.openxmlformats.org/markup-compatibility/2006" xmlns:mv="urn:schemas-microsoft-com:mac:vml" xmlns:p="http://schemas.openxmlformats.org/presentationml/2006/main" xmlns:c="http://schemas.openxmlformats.org/drawingml/2006/chart" xmlns:dgm="http://schemas.openxmlformats.org/drawingml/2006/diagram" xmlns:o="urn:schemas-microsoft-com:office:office" xmlns:v="urn:schemas-microsoft-com:vml" xmlns:pvml="urn:schemas-microsoft-com:office:powerpoint" xmlns:com="http://schemas.openxmlformats.org/drawingml/2006/compatibility" xmlns:p14="http://schemas.microsoft.com/office/powerpoint/2010/main" xmlns:p15="http://schemas.microsoft.com/office/powerpoint/2012/main">
+  <p:cSld>
+    <p:spTree>
+      <p:nvGrpSpPr>
+        <p:cNvPr id="147" name="Shape 147"/>
+        <p:cNvGrpSpPr/>
+        <p:nvPr/>
+      </p:nvGrpSpPr>
+      <p:grpSpPr>
+        <a:xfrm>
+          <a:off x="0" y="0"/>
+          <a:ext cx="0" cy="0"/>
+          <a:chOff x="0" y="0"/>
+          <a:chExt cx="0" cy="0"/>
+        </a:xfrm>
+      </p:grpSpPr>
+      <p:sp>
+        <p:nvSpPr>
+          <p:cNvPr id="148" name="Google Shape;148;p15"/>
+          <p:cNvSpPr txBox="1"/>
+          <p:nvPr>
+            <p:ph type="title"/>
+          </p:nvPr>
+        </p:nvSpPr>
+        <p:spPr>
+          <a:xfrm>
+            <a:off x="1297500" y="393750"/>
+            <a:ext cx="7038900" cy="914100"/>
+          </a:xfrm>
+          <a:prstGeom prst="rect">
+            <a:avLst/>
+          </a:prstGeom>
+        </p:spPr>
+        <p:txBody>
+          <a:bodyPr anchorCtr="0" anchor="t" bIns="91425" lIns="91425" spcFirstLastPara="1" rIns="91425" wrap="square" tIns="91425">
+            <a:noAutofit/>
+          </a:bodyPr>
+          <a:lstStyle/>
+          <a:p>
+            <a:pPr indent="0" lvl="0" marL="0" rtl="0" algn="l">
+              <a:spcBef>
+                <a:spcPts val="0"/>
+              </a:spcBef>
+              <a:spcAft>
+                <a:spcPts val="0"/>
+              </a:spcAft>
+              <a:buNone/>
+            </a:pPr>
+            <a:r>
+              <a:rPr lang="en"/>
               <a:t>Frontend - UI Flutter</a:t>
             </a:r>
             <a:endParaRPr/>
@@ -9979,7 +10391,7 @@
       </p:sp>
       <p:sp>
         <p:nvSpPr>
-          <p:cNvPr id="141" name="Google Shape;141;p14"/>
+          <p:cNvPr id="149" name="Google Shape;149;p15"/>
           <p:cNvSpPr txBox="1"/>
           <p:nvPr>
             <p:ph idx="1" type="body"/>
@@ -10083,7 +10495,7 @@
       </p:sp>
       <p:pic>
         <p:nvPicPr>
-          <p:cNvPr id="142" name="Google Shape;142;p14"/>
+          <p:cNvPr id="150" name="Google Shape;150;p15"/>
           <p:cNvPicPr preferRelativeResize="0"/>
           <p:nvPr/>
         </p:nvPicPr>
@@ -10117,12 +10529,12 @@
 </p:sld>
 </file>
 
-<file path=ppt/slides/slide3.xml><?xml version="1.0" encoding="utf-8"?>
+<file path=ppt/slides/slide4.xml><?xml version="1.0" encoding="utf-8"?>
 <p:sld xmlns:a="http://schemas.openxmlformats.org/drawingml/2006/main" xmlns:r="http://schemas.openxmlformats.org/officeDocument/2006/relationships" xmlns:mc="http://schemas.openxmlformats.org/markup-compatibility/2006" xmlns:mv="urn:schemas-microsoft-com:mac:vml" xmlns:p="http://schemas.openxmlformats.org/presentationml/2006/main" xmlns:c="http://schemas.openxmlformats.org/drawingml/2006/chart" xmlns:dgm="http://schemas.openxmlformats.org/drawingml/2006/diagram" xmlns:o="urn:schemas-microsoft-com:office:office" xmlns:v="urn:schemas-microsoft-com:vml" xmlns:pvml="urn:schemas-microsoft-com:office:powerpoint" xmlns:com="http://schemas.openxmlformats.org/drawingml/2006/compatibility" xmlns:p14="http://schemas.microsoft.com/office/powerpoint/2010/main" xmlns:p15="http://schemas.microsoft.com/office/powerpoint/2012/main">
   <p:cSld>
     <p:spTree>
       <p:nvGrpSpPr>
-        <p:cNvPr id="146" name="Shape 146"/>
+        <p:cNvPr id="154" name="Shape 154"/>
         <p:cNvGrpSpPr/>
         <p:nvPr/>
       </p:nvGrpSpPr>
@@ -10136,7 +10548,7 @@
       </p:grpSpPr>
       <p:sp>
         <p:nvSpPr>
-          <p:cNvPr id="147" name="Google Shape;147;p15"/>
+          <p:cNvPr id="155" name="Google Shape;155;p16"/>
           <p:cNvSpPr txBox="1"/>
           <p:nvPr>
             <p:ph type="title"/>
@@ -10176,7 +10588,7 @@
       </p:sp>
       <p:sp>
         <p:nvSpPr>
-          <p:cNvPr id="148" name="Google Shape;148;p15"/>
+          <p:cNvPr id="156" name="Google Shape;156;p16"/>
           <p:cNvSpPr txBox="1"/>
           <p:nvPr>
             <p:ph idx="1" type="body"/>
@@ -10278,7 +10690,7 @@
       </p:sp>
       <p:pic>
         <p:nvPicPr>
-          <p:cNvPr id="149" name="Google Shape;149;p15"/>
+          <p:cNvPr id="157" name="Google Shape;157;p16"/>
           <p:cNvPicPr preferRelativeResize="0"/>
           <p:nvPr/>
         </p:nvPicPr>
@@ -10294,293 +10706,6 @@
           <a:xfrm>
             <a:off x="5049347" y="1185797"/>
             <a:ext cx="3287050" cy="3356850"/>
-          </a:xfrm>
-          <a:prstGeom prst="rect">
-            <a:avLst/>
-          </a:prstGeom>
-          <a:noFill/>
-          <a:ln>
-            <a:noFill/>
-          </a:ln>
-        </p:spPr>
-      </p:pic>
-    </p:spTree>
-  </p:cSld>
-  <p:clrMapOvr>
-    <a:masterClrMapping/>
-  </p:clrMapOvr>
-</p:sld>
-</file>
-
-<file path=ppt/slides/slide4.xml><?xml version="1.0" encoding="utf-8"?>
-<p:sld xmlns:a="http://schemas.openxmlformats.org/drawingml/2006/main" xmlns:r="http://schemas.openxmlformats.org/officeDocument/2006/relationships" xmlns:mc="http://schemas.openxmlformats.org/markup-compatibility/2006" xmlns:mv="urn:schemas-microsoft-com:mac:vml" xmlns:p="http://schemas.openxmlformats.org/presentationml/2006/main" xmlns:c="http://schemas.openxmlformats.org/drawingml/2006/chart" xmlns:dgm="http://schemas.openxmlformats.org/drawingml/2006/diagram" xmlns:o="urn:schemas-microsoft-com:office:office" xmlns:v="urn:schemas-microsoft-com:vml" xmlns:pvml="urn:schemas-microsoft-com:office:powerpoint" xmlns:com="http://schemas.openxmlformats.org/drawingml/2006/compatibility" xmlns:p14="http://schemas.microsoft.com/office/powerpoint/2010/main" xmlns:p15="http://schemas.microsoft.com/office/powerpoint/2012/main">
-  <p:cSld>
-    <p:spTree>
-      <p:nvGrpSpPr>
-        <p:cNvPr id="153" name="Shape 153"/>
-        <p:cNvGrpSpPr/>
-        <p:nvPr/>
-      </p:nvGrpSpPr>
-      <p:grpSpPr>
-        <a:xfrm>
-          <a:off x="0" y="0"/>
-          <a:ext cx="0" cy="0"/>
-          <a:chOff x="0" y="0"/>
-          <a:chExt cx="0" cy="0"/>
-        </a:xfrm>
-      </p:grpSpPr>
-      <p:sp>
-        <p:nvSpPr>
-          <p:cNvPr id="154" name="Google Shape;154;p16"/>
-          <p:cNvSpPr txBox="1"/>
-          <p:nvPr>
-            <p:ph type="title"/>
-          </p:nvPr>
-        </p:nvSpPr>
-        <p:spPr>
-          <a:xfrm>
-            <a:off x="1297500" y="393750"/>
-            <a:ext cx="7038900" cy="914100"/>
-          </a:xfrm>
-          <a:prstGeom prst="rect">
-            <a:avLst/>
-          </a:prstGeom>
-        </p:spPr>
-        <p:txBody>
-          <a:bodyPr anchorCtr="0" anchor="t" bIns="91425" lIns="91425" spcFirstLastPara="1" rIns="91425" wrap="square" tIns="91425">
-            <a:noAutofit/>
-          </a:bodyPr>
-          <a:lstStyle/>
-          <a:p>
-            <a:pPr indent="0" lvl="0" marL="0" rtl="0" algn="l">
-              <a:spcBef>
-                <a:spcPts val="0"/>
-              </a:spcBef>
-              <a:spcAft>
-                <a:spcPts val="0"/>
-              </a:spcAft>
-              <a:buNone/>
-            </a:pPr>
-            <a:r>
-              <a:rPr lang="en"/>
-              <a:t>Back End  </a:t>
-            </a:r>
-            <a:endParaRPr/>
-          </a:p>
-        </p:txBody>
-      </p:sp>
-      <p:sp>
-        <p:nvSpPr>
-          <p:cNvPr id="155" name="Google Shape;155;p16"/>
-          <p:cNvSpPr txBox="1"/>
-          <p:nvPr>
-            <p:ph idx="1" type="body"/>
-          </p:nvPr>
-        </p:nvSpPr>
-        <p:spPr>
-          <a:xfrm>
-            <a:off x="226600" y="1707025"/>
-            <a:ext cx="4014900" cy="3899700"/>
-          </a:xfrm>
-          <a:prstGeom prst="rect">
-            <a:avLst/>
-          </a:prstGeom>
-        </p:spPr>
-        <p:txBody>
-          <a:bodyPr anchorCtr="0" anchor="t" bIns="91425" lIns="91425" spcFirstLastPara="1" rIns="91425" wrap="square" tIns="91425">
-            <a:noAutofit/>
-          </a:bodyPr>
-          <a:lstStyle/>
-          <a:p>
-            <a:pPr indent="-311150" lvl="0" marL="457200" rtl="0" algn="l">
-              <a:lnSpc>
-                <a:spcPct val="100000"/>
-              </a:lnSpc>
-              <a:spcBef>
-                <a:spcPts val="0"/>
-              </a:spcBef>
-              <a:spcAft>
-                <a:spcPts val="0"/>
-              </a:spcAft>
-              <a:buSzPts val="1300"/>
-              <a:buChar char="●"/>
-            </a:pPr>
-            <a:r>
-              <a:rPr lang="en"/>
-              <a:t>Front End makes REST HTTP requests to the backend to retrieve all data </a:t>
-            </a:r>
-            <a:endParaRPr/>
-          </a:p>
-          <a:p>
-            <a:pPr indent="0" lvl="0" marL="457200" rtl="0" algn="l">
-              <a:lnSpc>
-                <a:spcPct val="100000"/>
-              </a:lnSpc>
-              <a:spcBef>
-                <a:spcPts val="0"/>
-              </a:spcBef>
-              <a:spcAft>
-                <a:spcPts val="0"/>
-              </a:spcAft>
-              <a:buNone/>
-            </a:pPr>
-            <a:r>
-              <a:t/>
-            </a:r>
-            <a:endParaRPr/>
-          </a:p>
-          <a:p>
-            <a:pPr indent="-311150" lvl="0" marL="457200" rtl="0" algn="l">
-              <a:lnSpc>
-                <a:spcPct val="100000"/>
-              </a:lnSpc>
-              <a:spcBef>
-                <a:spcPts val="0"/>
-              </a:spcBef>
-              <a:spcAft>
-                <a:spcPts val="0"/>
-              </a:spcAft>
-              <a:buSzPts val="1300"/>
-              <a:buChar char="●"/>
-            </a:pPr>
-            <a:r>
-              <a:rPr lang="en"/>
-              <a:t>Backend process requests and queries database to retrieve all necessary data</a:t>
-            </a:r>
-            <a:endParaRPr/>
-          </a:p>
-          <a:p>
-            <a:pPr indent="0" lvl="0" marL="457200" rtl="0" algn="l">
-              <a:lnSpc>
-                <a:spcPct val="100000"/>
-              </a:lnSpc>
-              <a:spcBef>
-                <a:spcPts val="0"/>
-              </a:spcBef>
-              <a:spcAft>
-                <a:spcPts val="0"/>
-              </a:spcAft>
-              <a:buNone/>
-            </a:pPr>
-            <a:r>
-              <a:t/>
-            </a:r>
-            <a:endParaRPr/>
-          </a:p>
-          <a:p>
-            <a:pPr indent="-311150" lvl="0" marL="457200" rtl="0" algn="l">
-              <a:lnSpc>
-                <a:spcPct val="100000"/>
-              </a:lnSpc>
-              <a:spcBef>
-                <a:spcPts val="0"/>
-              </a:spcBef>
-              <a:spcAft>
-                <a:spcPts val="0"/>
-              </a:spcAft>
-              <a:buSzPts val="1300"/>
-              <a:buChar char="●"/>
-            </a:pPr>
-            <a:r>
-              <a:rPr lang="en"/>
-              <a:t>Business logic and algorithms all done on Backend</a:t>
-            </a:r>
-            <a:endParaRPr/>
-          </a:p>
-          <a:p>
-            <a:pPr indent="0" lvl="0" marL="457200" rtl="0" algn="l">
-              <a:lnSpc>
-                <a:spcPct val="100000"/>
-              </a:lnSpc>
-              <a:spcBef>
-                <a:spcPts val="0"/>
-              </a:spcBef>
-              <a:spcAft>
-                <a:spcPts val="0"/>
-              </a:spcAft>
-              <a:buNone/>
-            </a:pPr>
-            <a:r>
-              <a:t/>
-            </a:r>
-            <a:endParaRPr/>
-          </a:p>
-          <a:p>
-            <a:pPr indent="-311150" lvl="0" marL="457200" rtl="0" algn="l">
-              <a:lnSpc>
-                <a:spcPct val="100000"/>
-              </a:lnSpc>
-              <a:spcBef>
-                <a:spcPts val="0"/>
-              </a:spcBef>
-              <a:spcAft>
-                <a:spcPts val="0"/>
-              </a:spcAft>
-              <a:buSzPts val="1300"/>
-              <a:buChar char="●"/>
-            </a:pPr>
-            <a:r>
-              <a:rPr lang="en"/>
-              <a:t>Spins up docker container to run </a:t>
-            </a:r>
-            <a:r>
-              <a:rPr lang="en"/>
-              <a:t>integration</a:t>
-            </a:r>
-            <a:r>
-              <a:rPr lang="en"/>
-              <a:t> tests against changes in the code base</a:t>
-            </a:r>
-            <a:endParaRPr/>
-          </a:p>
-        </p:txBody>
-      </p:sp>
-      <p:pic>
-        <p:nvPicPr>
-          <p:cNvPr id="156" name="Google Shape;156;p16"/>
-          <p:cNvPicPr preferRelativeResize="0"/>
-          <p:nvPr/>
-        </p:nvPicPr>
-        <p:blipFill>
-          <a:blip r:embed="rId3">
-            <a:alphaModFix/>
-          </a:blip>
-          <a:stretch>
-            <a:fillRect/>
-          </a:stretch>
-        </p:blipFill>
-        <p:spPr>
-          <a:xfrm>
-            <a:off x="5289025" y="393750"/>
-            <a:ext cx="2270775" cy="2270775"/>
-          </a:xfrm>
-          <a:prstGeom prst="rect">
-            <a:avLst/>
-          </a:prstGeom>
-          <a:noFill/>
-          <a:ln>
-            <a:noFill/>
-          </a:ln>
-        </p:spPr>
-      </p:pic>
-      <p:pic>
-        <p:nvPicPr>
-          <p:cNvPr id="157" name="Google Shape;157;p16"/>
-          <p:cNvPicPr preferRelativeResize="0"/>
-          <p:nvPr/>
-        </p:nvPicPr>
-        <p:blipFill>
-          <a:blip r:embed="rId4">
-            <a:alphaModFix/>
-          </a:blip>
-          <a:stretch>
-            <a:fillRect/>
-          </a:stretch>
-        </p:blipFill>
-        <p:spPr>
-          <a:xfrm>
-            <a:off x="4293975" y="2919625"/>
-            <a:ext cx="4567995" cy="2084874"/>
           </a:xfrm>
           <a:prstGeom prst="rect">
             <a:avLst/>
@@ -10626,7 +10751,7 @@
         </p:nvSpPr>
         <p:spPr>
           <a:xfrm>
-            <a:off x="1522800" y="591188"/>
+            <a:off x="1297500" y="393750"/>
             <a:ext cx="7038900" cy="914100"/>
           </a:xfrm>
           <a:prstGeom prst="rect">
@@ -10649,10 +10774,10 @@
               <a:buNone/>
             </a:pPr>
             <a:r>
-              <a:rPr lang="en" sz="3000"/>
-              <a:t>Azure</a:t>
+              <a:rPr lang="en"/>
+              <a:t>Back End  </a:t>
             </a:r>
-            <a:endParaRPr sz="3000"/>
+            <a:endParaRPr/>
           </a:p>
         </p:txBody>
       </p:sp>
@@ -10666,8 +10791,8 @@
         </p:nvSpPr>
         <p:spPr>
           <a:xfrm>
-            <a:off x="302550" y="1643425"/>
-            <a:ext cx="3277500" cy="2879700"/>
+            <a:off x="226600" y="1707025"/>
+            <a:ext cx="4014900" cy="3899700"/>
           </a:xfrm>
           <a:prstGeom prst="rect">
             <a:avLst/>
@@ -10679,114 +10804,146 @@
           </a:bodyPr>
           <a:lstStyle/>
           <a:p>
-            <a:pPr indent="-317500" lvl="0" marL="457200" rtl="0" algn="l">
-              <a:spcBef>
-                <a:spcPts val="0"/>
-              </a:spcBef>
-              <a:spcAft>
-                <a:spcPts val="0"/>
-              </a:spcAft>
-              <a:buSzPts val="1400"/>
+            <a:pPr indent="-311150" lvl="0" marL="457200" rtl="0" algn="l">
+              <a:lnSpc>
+                <a:spcPct val="100000"/>
+              </a:lnSpc>
+              <a:spcBef>
+                <a:spcPts val="0"/>
+              </a:spcBef>
+              <a:spcAft>
+                <a:spcPts val="0"/>
+              </a:spcAft>
+              <a:buSzPts val="1300"/>
               <a:buChar char="●"/>
             </a:pPr>
             <a:r>
-              <a:rPr lang="en" sz="1400"/>
-              <a:t>Backend runs on a Azure instance</a:t>
+              <a:rPr lang="en"/>
+              <a:t>Front End makes REST HTTP requests to the backend to retrieve all data </a:t>
             </a:r>
-            <a:endParaRPr sz="1400"/>
+            <a:endParaRPr/>
           </a:p>
           <a:p>
-            <a:pPr indent="-317500" lvl="1" marL="914400" rtl="0" algn="l">
-              <a:spcBef>
-                <a:spcPts val="0"/>
-              </a:spcBef>
-              <a:spcAft>
-                <a:spcPts val="0"/>
-              </a:spcAft>
-              <a:buSzPts val="1400"/>
-              <a:buChar char="○"/>
+            <a:pPr indent="0" lvl="0" marL="457200" rtl="0" algn="l">
+              <a:lnSpc>
+                <a:spcPct val="100000"/>
+              </a:lnSpc>
+              <a:spcBef>
+                <a:spcPts val="0"/>
+              </a:spcBef>
+              <a:spcAft>
+                <a:spcPts val="0"/>
+              </a:spcAft>
+              <a:buNone/>
             </a:pPr>
             <a:r>
-              <a:rPr lang="en" sz="1400"/>
-              <a:t>Cloud event driven service</a:t>
+              <a:t/>
             </a:r>
-            <a:endParaRPr sz="1400"/>
+            <a:endParaRPr/>
           </a:p>
           <a:p>
-            <a:pPr indent="-317500" lvl="1" marL="914400" rtl="0" algn="l">
-              <a:spcBef>
-                <a:spcPts val="0"/>
-              </a:spcBef>
-              <a:spcAft>
-                <a:spcPts val="0"/>
-              </a:spcAft>
-              <a:buSzPts val="1400"/>
-              <a:buChar char="○"/>
-            </a:pPr>
-            <a:r>
-              <a:rPr lang="en" sz="1400"/>
-              <a:t>Monitor each </a:t>
-            </a:r>
-            <a:r>
-              <a:rPr lang="en" sz="1400"/>
-              <a:t>individual</a:t>
-            </a:r>
-            <a:r>
-              <a:rPr lang="en" sz="1400"/>
-              <a:t> functions  </a:t>
-            </a:r>
-            <a:endParaRPr sz="1400"/>
-          </a:p>
-          <a:p>
-            <a:pPr indent="-317500" lvl="0" marL="457200" rtl="0" algn="l">
-              <a:spcBef>
-                <a:spcPts val="0"/>
-              </a:spcBef>
-              <a:spcAft>
-                <a:spcPts val="0"/>
-              </a:spcAft>
-              <a:buSzPts val="1400"/>
+            <a:pPr indent="-311150" lvl="0" marL="457200" rtl="0" algn="l">
+              <a:lnSpc>
+                <a:spcPct val="100000"/>
+              </a:lnSpc>
+              <a:spcBef>
+                <a:spcPts val="0"/>
+              </a:spcBef>
+              <a:spcAft>
+                <a:spcPts val="0"/>
+              </a:spcAft>
+              <a:buSzPts val="1300"/>
               <a:buChar char="●"/>
             </a:pPr>
             <a:r>
-              <a:rPr lang="en" sz="1400"/>
-              <a:t>Created a CI/CD using GitHub Action </a:t>
+              <a:rPr lang="en"/>
+              <a:t>Backend process requests and queries database to retrieve all necessary data</a:t>
             </a:r>
-            <a:endParaRPr sz="1400"/>
+            <a:endParaRPr/>
           </a:p>
           <a:p>
-            <a:pPr indent="-317500" lvl="1" marL="914400" rtl="0" algn="l">
-              <a:spcBef>
-                <a:spcPts val="0"/>
-              </a:spcBef>
-              <a:spcAft>
-                <a:spcPts val="0"/>
-              </a:spcAft>
-              <a:buSzPts val="1400"/>
-              <a:buChar char="○"/>
+            <a:pPr indent="0" lvl="0" marL="457200" rtl="0" algn="l">
+              <a:lnSpc>
+                <a:spcPct val="100000"/>
+              </a:lnSpc>
+              <a:spcBef>
+                <a:spcPts val="0"/>
+              </a:spcBef>
+              <a:spcAft>
+                <a:spcPts val="0"/>
+              </a:spcAft>
+              <a:buNone/>
             </a:pPr>
             <a:r>
-              <a:rPr lang="en" sz="1400"/>
-              <a:t>Runs unit and integration tests </a:t>
+              <a:t/>
             </a:r>
-            <a:endParaRPr sz="1400"/>
+            <a:endParaRPr/>
           </a:p>
           <a:p>
-            <a:pPr indent="-317500" lvl="1" marL="914400" rtl="0" algn="l">
-              <a:spcBef>
-                <a:spcPts val="0"/>
-              </a:spcBef>
-              <a:spcAft>
-                <a:spcPts val="0"/>
-              </a:spcAft>
-              <a:buSzPts val="1400"/>
-              <a:buChar char="○"/>
+            <a:pPr indent="-311150" lvl="0" marL="457200" rtl="0" algn="l">
+              <a:lnSpc>
+                <a:spcPct val="100000"/>
+              </a:lnSpc>
+              <a:spcBef>
+                <a:spcPts val="0"/>
+              </a:spcBef>
+              <a:spcAft>
+                <a:spcPts val="0"/>
+              </a:spcAft>
+              <a:buSzPts val="1300"/>
+              <a:buChar char="●"/>
             </a:pPr>
             <a:r>
-              <a:rPr lang="en" sz="1400"/>
-              <a:t>Automatically deploys master code base to Azure</a:t>
+              <a:rPr lang="en"/>
+              <a:t>Business logic and algorithms all done on Backend</a:t>
             </a:r>
-            <a:endParaRPr sz="1400"/>
+            <a:endParaRPr/>
+          </a:p>
+          <a:p>
+            <a:pPr indent="0" lvl="0" marL="457200" rtl="0" algn="l">
+              <a:lnSpc>
+                <a:spcPct val="100000"/>
+              </a:lnSpc>
+              <a:spcBef>
+                <a:spcPts val="0"/>
+              </a:spcBef>
+              <a:spcAft>
+                <a:spcPts val="0"/>
+              </a:spcAft>
+              <a:buNone/>
+            </a:pPr>
+            <a:r>
+              <a:t/>
+            </a:r>
+            <a:endParaRPr/>
+          </a:p>
+          <a:p>
+            <a:pPr indent="-311150" lvl="0" marL="457200" rtl="0" algn="l">
+              <a:lnSpc>
+                <a:spcPct val="100000"/>
+              </a:lnSpc>
+              <a:spcBef>
+                <a:spcPts val="0"/>
+              </a:spcBef>
+              <a:spcAft>
+                <a:spcPts val="0"/>
+              </a:spcAft>
+              <a:buSzPts val="1300"/>
+              <a:buChar char="●"/>
+            </a:pPr>
+            <a:r>
+              <a:rPr lang="en"/>
+              <a:t>Spins up docker container to run </a:t>
+            </a:r>
+            <a:r>
+              <a:rPr lang="en"/>
+              <a:t>integration</a:t>
+            </a:r>
+            <a:r>
+              <a:rPr lang="en"/>
+              <a:t> tests against changes in the code base</a:t>
+            </a:r>
+            <a:endParaRPr/>
           </a:p>
         </p:txBody>
       </p:sp>
@@ -10806,8 +10963,8 @@
         </p:blipFill>
         <p:spPr>
           <a:xfrm>
-            <a:off x="6859475" y="355325"/>
-            <a:ext cx="1385826" cy="1385826"/>
+            <a:off x="5289025" y="393750"/>
+            <a:ext cx="2270775" cy="2270775"/>
           </a:xfrm>
           <a:prstGeom prst="rect">
             <a:avLst/>
@@ -10834,8 +10991,8 @@
         </p:blipFill>
         <p:spPr>
           <a:xfrm>
-            <a:off x="3732450" y="1893551"/>
-            <a:ext cx="5259147" cy="2993725"/>
+            <a:off x="4293975" y="2919625"/>
+            <a:ext cx="4567995" cy="2084874"/>
           </a:xfrm>
           <a:prstGeom prst="rect">
             <a:avLst/>
@@ -10881,7 +11038,7 @@
         </p:nvSpPr>
         <p:spPr>
           <a:xfrm>
-            <a:off x="1297500" y="393750"/>
+            <a:off x="1522800" y="591188"/>
             <a:ext cx="7038900" cy="914100"/>
           </a:xfrm>
           <a:prstGeom prst="rect">
@@ -10904,10 +11061,10 @@
               <a:buNone/>
             </a:pPr>
             <a:r>
-              <a:rPr lang="en"/>
-              <a:t>Database</a:t>
+              <a:rPr lang="en" sz="3000"/>
+              <a:t>Azure</a:t>
             </a:r>
-            <a:endParaRPr/>
+            <a:endParaRPr sz="3000"/>
           </a:p>
         </p:txBody>
       </p:sp>
@@ -10921,8 +11078,8 @@
         </p:nvSpPr>
         <p:spPr>
           <a:xfrm>
-            <a:off x="5061175" y="1752700"/>
-            <a:ext cx="3540600" cy="2911200"/>
+            <a:off x="302550" y="1643425"/>
+            <a:ext cx="3277500" cy="2879700"/>
           </a:xfrm>
           <a:prstGeom prst="rect">
             <a:avLst/>
@@ -10934,132 +11091,114 @@
           </a:bodyPr>
           <a:lstStyle/>
           <a:p>
-            <a:pPr indent="-330200" lvl="0" marL="457200" rtl="0" algn="l">
-              <a:lnSpc>
-                <a:spcPct val="200000"/>
-              </a:lnSpc>
-              <a:spcBef>
-                <a:spcPts val="0"/>
-              </a:spcBef>
-              <a:spcAft>
-                <a:spcPts val="0"/>
-              </a:spcAft>
-              <a:buSzPts val="1600"/>
+            <a:pPr indent="-317500" lvl="0" marL="457200" rtl="0" algn="l">
+              <a:spcBef>
+                <a:spcPts val="0"/>
+              </a:spcBef>
+              <a:spcAft>
+                <a:spcPts val="0"/>
+              </a:spcAft>
+              <a:buSzPts val="1400"/>
               <a:buChar char="●"/>
             </a:pPr>
             <a:r>
-              <a:rPr lang="en" sz="1600"/>
-              <a:t>MS SQL Server and Database </a:t>
+              <a:rPr lang="en" sz="1400"/>
+              <a:t>Backend runs on a Azure instance</a:t>
             </a:r>
-            <a:endParaRPr sz="1600"/>
+            <a:endParaRPr sz="1400"/>
           </a:p>
           <a:p>
-            <a:pPr indent="-330200" lvl="0" marL="457200" rtl="0" algn="l">
-              <a:lnSpc>
-                <a:spcPct val="200000"/>
-              </a:lnSpc>
-              <a:spcBef>
-                <a:spcPts val="0"/>
-              </a:spcBef>
-              <a:spcAft>
-                <a:spcPts val="0"/>
-              </a:spcAft>
-              <a:buSzPts val="1600"/>
+            <a:pPr indent="-317500" lvl="1" marL="914400" rtl="0" algn="l">
+              <a:spcBef>
+                <a:spcPts val="0"/>
+              </a:spcBef>
+              <a:spcAft>
+                <a:spcPts val="0"/>
+              </a:spcAft>
+              <a:buSzPts val="1400"/>
+              <a:buChar char="○"/>
+            </a:pPr>
+            <a:r>
+              <a:rPr lang="en" sz="1400"/>
+              <a:t>Cloud event driven service</a:t>
+            </a:r>
+            <a:endParaRPr sz="1400"/>
+          </a:p>
+          <a:p>
+            <a:pPr indent="-317500" lvl="1" marL="914400" rtl="0" algn="l">
+              <a:spcBef>
+                <a:spcPts val="0"/>
+              </a:spcBef>
+              <a:spcAft>
+                <a:spcPts val="0"/>
+              </a:spcAft>
+              <a:buSzPts val="1400"/>
+              <a:buChar char="○"/>
+            </a:pPr>
+            <a:r>
+              <a:rPr lang="en" sz="1400"/>
+              <a:t>Monitor each </a:t>
+            </a:r>
+            <a:r>
+              <a:rPr lang="en" sz="1400"/>
+              <a:t>individual</a:t>
+            </a:r>
+            <a:r>
+              <a:rPr lang="en" sz="1400"/>
+              <a:t> functions  </a:t>
+            </a:r>
+            <a:endParaRPr sz="1400"/>
+          </a:p>
+          <a:p>
+            <a:pPr indent="-317500" lvl="0" marL="457200" rtl="0" algn="l">
+              <a:spcBef>
+                <a:spcPts val="0"/>
+              </a:spcBef>
+              <a:spcAft>
+                <a:spcPts val="0"/>
+              </a:spcAft>
+              <a:buSzPts val="1400"/>
               <a:buChar char="●"/>
             </a:pPr>
             <a:r>
-              <a:rPr lang="en" sz="1600"/>
-              <a:t>T-SQL building </a:t>
+              <a:rPr lang="en" sz="1400"/>
+              <a:t>Created a CI/CD using GitHub Action </a:t>
             </a:r>
-            <a:r>
-              <a:rPr lang="en" sz="1600"/>
-              <a:t>queries</a:t>
-            </a:r>
-            <a:r>
-              <a:rPr lang="en" sz="1600"/>
-              <a:t> </a:t>
-            </a:r>
-            <a:endParaRPr sz="1600"/>
+            <a:endParaRPr sz="1400"/>
           </a:p>
           <a:p>
-            <a:pPr indent="-330200" lvl="0" marL="457200" rtl="0" algn="l">
-              <a:lnSpc>
-                <a:spcPct val="200000"/>
-              </a:lnSpc>
-              <a:spcBef>
-                <a:spcPts val="0"/>
-              </a:spcBef>
-              <a:spcAft>
-                <a:spcPts val="0"/>
-              </a:spcAft>
-              <a:buSzPts val="1600"/>
-              <a:buChar char="●"/>
-            </a:pPr>
-            <a:r>
-              <a:rPr lang="en" sz="1600"/>
-              <a:t>Stored data for:</a:t>
-            </a:r>
-            <a:endParaRPr sz="1600"/>
-          </a:p>
-          <a:p>
-            <a:pPr indent="-330200" lvl="1" marL="914400" rtl="0" algn="l">
-              <a:lnSpc>
-                <a:spcPct val="200000"/>
-              </a:lnSpc>
-              <a:spcBef>
-                <a:spcPts val="0"/>
-              </a:spcBef>
-              <a:spcAft>
-                <a:spcPts val="0"/>
-              </a:spcAft>
-              <a:buSzPts val="1600"/>
+            <a:pPr indent="-317500" lvl="1" marL="914400" rtl="0" algn="l">
+              <a:spcBef>
+                <a:spcPts val="0"/>
+              </a:spcBef>
+              <a:spcAft>
+                <a:spcPts val="0"/>
+              </a:spcAft>
+              <a:buSzPts val="1400"/>
               <a:buChar char="○"/>
             </a:pPr>
             <a:r>
-              <a:rPr lang="en" sz="1600"/>
-              <a:t>Employees</a:t>
+              <a:rPr lang="en" sz="1400"/>
+              <a:t>Runs unit and integration tests </a:t>
             </a:r>
-            <a:endParaRPr sz="1600"/>
+            <a:endParaRPr sz="1400"/>
           </a:p>
           <a:p>
-            <a:pPr indent="-330200" lvl="1" marL="914400" rtl="0" algn="l">
-              <a:lnSpc>
-                <a:spcPct val="200000"/>
-              </a:lnSpc>
-              <a:spcBef>
-                <a:spcPts val="0"/>
-              </a:spcBef>
-              <a:spcAft>
-                <a:spcPts val="0"/>
-              </a:spcAft>
-              <a:buSzPts val="1600"/>
+            <a:pPr indent="-317500" lvl="1" marL="914400" rtl="0" algn="l">
+              <a:spcBef>
+                <a:spcPts val="0"/>
+              </a:spcBef>
+              <a:spcAft>
+                <a:spcPts val="0"/>
+              </a:spcAft>
+              <a:buSzPts val="1400"/>
               <a:buChar char="○"/>
             </a:pPr>
             <a:r>
-              <a:rPr lang="en" sz="1600"/>
-              <a:t>Restaurant Dining Tables</a:t>
+              <a:rPr lang="en" sz="1400"/>
+              <a:t>Automatically deploys master code base to Azure</a:t>
             </a:r>
-            <a:endParaRPr sz="1600"/>
-          </a:p>
-          <a:p>
-            <a:pPr indent="-330200" lvl="1" marL="914400" rtl="0" algn="l">
-              <a:lnSpc>
-                <a:spcPct val="200000"/>
-              </a:lnSpc>
-              <a:spcBef>
-                <a:spcPts val="0"/>
-              </a:spcBef>
-              <a:spcAft>
-                <a:spcPts val="0"/>
-              </a:spcAft>
-              <a:buSzPts val="1600"/>
-              <a:buChar char="○"/>
-            </a:pPr>
-            <a:r>
-              <a:rPr lang="en" sz="1600"/>
-              <a:t>Tasks</a:t>
-            </a:r>
-            <a:endParaRPr sz="1600"/>
+            <a:endParaRPr sz="1400"/>
           </a:p>
         </p:txBody>
       </p:sp>
@@ -11079,8 +11218,8 @@
         </p:blipFill>
         <p:spPr>
           <a:xfrm>
-            <a:off x="5820375" y="393750"/>
-            <a:ext cx="2159925" cy="1180750"/>
+            <a:off x="6859475" y="355325"/>
+            <a:ext cx="1385826" cy="1385826"/>
           </a:xfrm>
           <a:prstGeom prst="rect">
             <a:avLst/>
@@ -11107,8 +11246,8 @@
         </p:blipFill>
         <p:spPr>
           <a:xfrm>
-            <a:off x="1157400" y="1080606"/>
-            <a:ext cx="3489076" cy="3650675"/>
+            <a:off x="3732450" y="1893551"/>
+            <a:ext cx="5259147" cy="2993725"/>
           </a:xfrm>
           <a:prstGeom prst="rect">
             <a:avLst/>
@@ -11178,11 +11317,7 @@
             </a:pPr>
             <a:r>
               <a:rPr lang="en"/>
-              <a:t>Frontend</a:t>
-            </a:r>
-            <a:r>
-              <a:rPr lang="en"/>
-              <a:t> and Backend Communication</a:t>
+              <a:t>Database</a:t>
             </a:r>
             <a:endParaRPr/>
           </a:p>
@@ -11191,6 +11326,283 @@
       <p:sp>
         <p:nvSpPr>
           <p:cNvPr id="179" name="Google Shape;179;p19"/>
+          <p:cNvSpPr txBox="1"/>
+          <p:nvPr>
+            <p:ph idx="1" type="body"/>
+          </p:nvPr>
+        </p:nvSpPr>
+        <p:spPr>
+          <a:xfrm>
+            <a:off x="5061175" y="1752700"/>
+            <a:ext cx="3540600" cy="2911200"/>
+          </a:xfrm>
+          <a:prstGeom prst="rect">
+            <a:avLst/>
+          </a:prstGeom>
+        </p:spPr>
+        <p:txBody>
+          <a:bodyPr anchorCtr="0" anchor="t" bIns="91425" lIns="91425" spcFirstLastPara="1" rIns="91425" wrap="square" tIns="91425">
+            <a:noAutofit/>
+          </a:bodyPr>
+          <a:lstStyle/>
+          <a:p>
+            <a:pPr indent="-330200" lvl="0" marL="457200" rtl="0" algn="l">
+              <a:lnSpc>
+                <a:spcPct val="200000"/>
+              </a:lnSpc>
+              <a:spcBef>
+                <a:spcPts val="0"/>
+              </a:spcBef>
+              <a:spcAft>
+                <a:spcPts val="0"/>
+              </a:spcAft>
+              <a:buSzPts val="1600"/>
+              <a:buChar char="●"/>
+            </a:pPr>
+            <a:r>
+              <a:rPr lang="en" sz="1600"/>
+              <a:t>MS SQL Server and Database </a:t>
+            </a:r>
+            <a:endParaRPr sz="1600"/>
+          </a:p>
+          <a:p>
+            <a:pPr indent="-330200" lvl="0" marL="457200" rtl="0" algn="l">
+              <a:lnSpc>
+                <a:spcPct val="200000"/>
+              </a:lnSpc>
+              <a:spcBef>
+                <a:spcPts val="0"/>
+              </a:spcBef>
+              <a:spcAft>
+                <a:spcPts val="0"/>
+              </a:spcAft>
+              <a:buSzPts val="1600"/>
+              <a:buChar char="●"/>
+            </a:pPr>
+            <a:r>
+              <a:rPr lang="en" sz="1600"/>
+              <a:t>T-SQL building </a:t>
+            </a:r>
+            <a:r>
+              <a:rPr lang="en" sz="1600"/>
+              <a:t>queries</a:t>
+            </a:r>
+            <a:r>
+              <a:rPr lang="en" sz="1600"/>
+              <a:t> </a:t>
+            </a:r>
+            <a:endParaRPr sz="1600"/>
+          </a:p>
+          <a:p>
+            <a:pPr indent="-330200" lvl="0" marL="457200" rtl="0" algn="l">
+              <a:lnSpc>
+                <a:spcPct val="200000"/>
+              </a:lnSpc>
+              <a:spcBef>
+                <a:spcPts val="0"/>
+              </a:spcBef>
+              <a:spcAft>
+                <a:spcPts val="0"/>
+              </a:spcAft>
+              <a:buSzPts val="1600"/>
+              <a:buChar char="●"/>
+            </a:pPr>
+            <a:r>
+              <a:rPr lang="en" sz="1600"/>
+              <a:t>Stored data for:</a:t>
+            </a:r>
+            <a:endParaRPr sz="1600"/>
+          </a:p>
+          <a:p>
+            <a:pPr indent="-330200" lvl="1" marL="914400" rtl="0" algn="l">
+              <a:lnSpc>
+                <a:spcPct val="200000"/>
+              </a:lnSpc>
+              <a:spcBef>
+                <a:spcPts val="0"/>
+              </a:spcBef>
+              <a:spcAft>
+                <a:spcPts val="0"/>
+              </a:spcAft>
+              <a:buSzPts val="1600"/>
+              <a:buChar char="○"/>
+            </a:pPr>
+            <a:r>
+              <a:rPr lang="en" sz="1600"/>
+              <a:t>Employees</a:t>
+            </a:r>
+            <a:endParaRPr sz="1600"/>
+          </a:p>
+          <a:p>
+            <a:pPr indent="-330200" lvl="1" marL="914400" rtl="0" algn="l">
+              <a:lnSpc>
+                <a:spcPct val="200000"/>
+              </a:lnSpc>
+              <a:spcBef>
+                <a:spcPts val="0"/>
+              </a:spcBef>
+              <a:spcAft>
+                <a:spcPts val="0"/>
+              </a:spcAft>
+              <a:buSzPts val="1600"/>
+              <a:buChar char="○"/>
+            </a:pPr>
+            <a:r>
+              <a:rPr lang="en" sz="1600"/>
+              <a:t>Restaurant Dining Tables</a:t>
+            </a:r>
+            <a:endParaRPr sz="1600"/>
+          </a:p>
+          <a:p>
+            <a:pPr indent="-330200" lvl="1" marL="914400" rtl="0" algn="l">
+              <a:lnSpc>
+                <a:spcPct val="200000"/>
+              </a:lnSpc>
+              <a:spcBef>
+                <a:spcPts val="0"/>
+              </a:spcBef>
+              <a:spcAft>
+                <a:spcPts val="0"/>
+              </a:spcAft>
+              <a:buSzPts val="1600"/>
+              <a:buChar char="○"/>
+            </a:pPr>
+            <a:r>
+              <a:rPr lang="en" sz="1600"/>
+              <a:t>Tasks</a:t>
+            </a:r>
+            <a:endParaRPr sz="1600"/>
+          </a:p>
+        </p:txBody>
+      </p:sp>
+      <p:pic>
+        <p:nvPicPr>
+          <p:cNvPr id="180" name="Google Shape;180;p19"/>
+          <p:cNvPicPr preferRelativeResize="0"/>
+          <p:nvPr/>
+        </p:nvPicPr>
+        <p:blipFill>
+          <a:blip r:embed="rId3">
+            <a:alphaModFix/>
+          </a:blip>
+          <a:stretch>
+            <a:fillRect/>
+          </a:stretch>
+        </p:blipFill>
+        <p:spPr>
+          <a:xfrm>
+            <a:off x="5820375" y="393750"/>
+            <a:ext cx="2159925" cy="1180750"/>
+          </a:xfrm>
+          <a:prstGeom prst="rect">
+            <a:avLst/>
+          </a:prstGeom>
+          <a:noFill/>
+          <a:ln>
+            <a:noFill/>
+          </a:ln>
+        </p:spPr>
+      </p:pic>
+      <p:pic>
+        <p:nvPicPr>
+          <p:cNvPr id="181" name="Google Shape;181;p19"/>
+          <p:cNvPicPr preferRelativeResize="0"/>
+          <p:nvPr/>
+        </p:nvPicPr>
+        <p:blipFill>
+          <a:blip r:embed="rId4">
+            <a:alphaModFix/>
+          </a:blip>
+          <a:stretch>
+            <a:fillRect/>
+          </a:stretch>
+        </p:blipFill>
+        <p:spPr>
+          <a:xfrm>
+            <a:off x="1157400" y="1080606"/>
+            <a:ext cx="3489076" cy="3650675"/>
+          </a:xfrm>
+          <a:prstGeom prst="rect">
+            <a:avLst/>
+          </a:prstGeom>
+          <a:noFill/>
+          <a:ln>
+            <a:noFill/>
+          </a:ln>
+        </p:spPr>
+      </p:pic>
+    </p:spTree>
+  </p:cSld>
+  <p:clrMapOvr>
+    <a:masterClrMapping/>
+  </p:clrMapOvr>
+</p:sld>
+</file>
+
+<file path=ppt/slides/slide8.xml><?xml version="1.0" encoding="utf-8"?>
+<p:sld xmlns:a="http://schemas.openxmlformats.org/drawingml/2006/main" xmlns:r="http://schemas.openxmlformats.org/officeDocument/2006/relationships" xmlns:mc="http://schemas.openxmlformats.org/markup-compatibility/2006" xmlns:mv="urn:schemas-microsoft-com:mac:vml" xmlns:p="http://schemas.openxmlformats.org/presentationml/2006/main" xmlns:c="http://schemas.openxmlformats.org/drawingml/2006/chart" xmlns:dgm="http://schemas.openxmlformats.org/drawingml/2006/diagram" xmlns:o="urn:schemas-microsoft-com:office:office" xmlns:v="urn:schemas-microsoft-com:vml" xmlns:pvml="urn:schemas-microsoft-com:office:powerpoint" xmlns:com="http://schemas.openxmlformats.org/drawingml/2006/compatibility" xmlns:p14="http://schemas.microsoft.com/office/powerpoint/2010/main" xmlns:p15="http://schemas.microsoft.com/office/powerpoint/2012/main">
+  <p:cSld>
+    <p:spTree>
+      <p:nvGrpSpPr>
+        <p:cNvPr id="185" name="Shape 185"/>
+        <p:cNvGrpSpPr/>
+        <p:nvPr/>
+      </p:nvGrpSpPr>
+      <p:grpSpPr>
+        <a:xfrm>
+          <a:off x="0" y="0"/>
+          <a:ext cx="0" cy="0"/>
+          <a:chOff x="0" y="0"/>
+          <a:chExt cx="0" cy="0"/>
+        </a:xfrm>
+      </p:grpSpPr>
+      <p:sp>
+        <p:nvSpPr>
+          <p:cNvPr id="186" name="Google Shape;186;p20"/>
+          <p:cNvSpPr txBox="1"/>
+          <p:nvPr>
+            <p:ph type="title"/>
+          </p:nvPr>
+        </p:nvSpPr>
+        <p:spPr>
+          <a:xfrm>
+            <a:off x="1195600" y="653450"/>
+            <a:ext cx="7222800" cy="914100"/>
+          </a:xfrm>
+          <a:prstGeom prst="rect">
+            <a:avLst/>
+          </a:prstGeom>
+        </p:spPr>
+        <p:txBody>
+          <a:bodyPr anchorCtr="0" anchor="t" bIns="91425" lIns="91425" spcFirstLastPara="1" rIns="91425" wrap="square" tIns="91425">
+            <a:noAutofit/>
+          </a:bodyPr>
+          <a:lstStyle/>
+          <a:p>
+            <a:pPr indent="0" lvl="0" marL="0" rtl="0" algn="l">
+              <a:spcBef>
+                <a:spcPts val="0"/>
+              </a:spcBef>
+              <a:spcAft>
+                <a:spcPts val="0"/>
+              </a:spcAft>
+              <a:buNone/>
+            </a:pPr>
+            <a:r>
+              <a:rPr lang="en" sz="2700"/>
+              <a:t>Frontend</a:t>
+            </a:r>
+            <a:r>
+              <a:rPr lang="en" sz="2700"/>
+              <a:t> and Backend Communication</a:t>
+            </a:r>
+            <a:endParaRPr sz="2700"/>
+          </a:p>
+        </p:txBody>
+      </p:sp>
+      <p:sp>
+        <p:nvSpPr>
+          <p:cNvPr id="187" name="Google Shape;187;p20"/>
           <p:cNvSpPr txBox="1"/>
           <p:nvPr>
             <p:ph idx="1" type="body"/>
@@ -11338,7 +11750,7 @@
       </p:sp>
       <p:pic>
         <p:nvPicPr>
-          <p:cNvPr id="180" name="Google Shape;180;p19"/>
+          <p:cNvPr id="188" name="Google Shape;188;p20"/>
           <p:cNvPicPr preferRelativeResize="0"/>
           <p:nvPr/>
         </p:nvPicPr>
@@ -11372,12 +11784,12 @@
 </p:sld>
 </file>
 
-<file path=ppt/slides/slide8.xml><?xml version="1.0" encoding="utf-8"?>
+<file path=ppt/slides/slide9.xml><?xml version="1.0" encoding="utf-8"?>
 <p:sld xmlns:a="http://schemas.openxmlformats.org/drawingml/2006/main" xmlns:r="http://schemas.openxmlformats.org/officeDocument/2006/relationships" xmlns:mc="http://schemas.openxmlformats.org/markup-compatibility/2006" xmlns:mv="urn:schemas-microsoft-com:mac:vml" xmlns:p="http://schemas.openxmlformats.org/presentationml/2006/main" xmlns:c="http://schemas.openxmlformats.org/drawingml/2006/chart" xmlns:dgm="http://schemas.openxmlformats.org/drawingml/2006/diagram" xmlns:o="urn:schemas-microsoft-com:office:office" xmlns:v="urn:schemas-microsoft-com:vml" xmlns:pvml="urn:schemas-microsoft-com:office:powerpoint" xmlns:com="http://schemas.openxmlformats.org/drawingml/2006/compatibility" xmlns:p14="http://schemas.microsoft.com/office/powerpoint/2010/main" xmlns:p15="http://schemas.microsoft.com/office/powerpoint/2012/main">
   <p:cSld>
     <p:spTree>
       <p:nvGrpSpPr>
-        <p:cNvPr id="184" name="Shape 184"/>
+        <p:cNvPr id="192" name="Shape 192"/>
         <p:cNvGrpSpPr/>
         <p:nvPr/>
       </p:nvGrpSpPr>
@@ -11391,7 +11803,7 @@
       </p:grpSpPr>
       <p:sp>
         <p:nvSpPr>
-          <p:cNvPr id="185" name="Google Shape;185;p20"/>
+          <p:cNvPr id="193" name="Google Shape;193;p21"/>
           <p:cNvSpPr txBox="1"/>
           <p:nvPr>
             <p:ph type="title"/>
@@ -11431,7 +11843,7 @@
       </p:sp>
       <p:sp>
         <p:nvSpPr>
-          <p:cNvPr id="186" name="Google Shape;186;p20"/>
+          <p:cNvPr id="194" name="Google Shape;194;p21"/>
           <p:cNvSpPr txBox="1"/>
           <p:nvPr>
             <p:ph idx="1" type="body"/>
@@ -11557,7 +11969,7 @@
       </p:sp>
       <p:sp>
         <p:nvSpPr>
-          <p:cNvPr id="187" name="Google Shape;187;p20"/>
+          <p:cNvPr id="195" name="Google Shape;195;p21"/>
           <p:cNvSpPr txBox="1"/>
           <p:nvPr/>
         </p:nvSpPr>
@@ -11615,7 +12027,7 @@
       </p:sp>
       <p:pic>
         <p:nvPicPr>
-          <p:cNvPr id="188" name="Google Shape;188;p20"/>
+          <p:cNvPr id="196" name="Google Shape;196;p21"/>
           <p:cNvPicPr preferRelativeResize="0"/>
           <p:nvPr/>
         </p:nvPicPr>
@@ -11642,7 +12054,7 @@
       </p:pic>
       <p:sp>
         <p:nvSpPr>
-          <p:cNvPr id="189" name="Google Shape;189;p20"/>
+          <p:cNvPr id="197" name="Google Shape;197;p21"/>
           <p:cNvSpPr txBox="1"/>
           <p:nvPr/>
         </p:nvSpPr>
@@ -11690,101 +12102,6 @@
           </a:p>
         </p:txBody>
       </p:sp>
-    </p:spTree>
-  </p:cSld>
-  <p:clrMapOvr>
-    <a:masterClrMapping/>
-  </p:clrMapOvr>
-</p:sld>
-</file>
-
-<file path=ppt/slides/slide9.xml><?xml version="1.0" encoding="utf-8"?>
-<p:sld xmlns:a="http://schemas.openxmlformats.org/drawingml/2006/main" xmlns:r="http://schemas.openxmlformats.org/officeDocument/2006/relationships" xmlns:mc="http://schemas.openxmlformats.org/markup-compatibility/2006" xmlns:mv="urn:schemas-microsoft-com:mac:vml" xmlns:p="http://schemas.openxmlformats.org/presentationml/2006/main" xmlns:c="http://schemas.openxmlformats.org/drawingml/2006/chart" xmlns:dgm="http://schemas.openxmlformats.org/drawingml/2006/diagram" xmlns:o="urn:schemas-microsoft-com:office:office" xmlns:v="urn:schemas-microsoft-com:vml" xmlns:pvml="urn:schemas-microsoft-com:office:powerpoint" xmlns:com="http://schemas.openxmlformats.org/drawingml/2006/compatibility" xmlns:p14="http://schemas.microsoft.com/office/powerpoint/2010/main" xmlns:p15="http://schemas.microsoft.com/office/powerpoint/2012/main">
-  <p:cSld>
-    <p:spTree>
-      <p:nvGrpSpPr>
-        <p:cNvPr id="193" name="Shape 193"/>
-        <p:cNvGrpSpPr/>
-        <p:nvPr/>
-      </p:nvGrpSpPr>
-      <p:grpSpPr>
-        <a:xfrm>
-          <a:off x="0" y="0"/>
-          <a:ext cx="0" cy="0"/>
-          <a:chOff x="0" y="0"/>
-          <a:chExt cx="0" cy="0"/>
-        </a:xfrm>
-      </p:grpSpPr>
-      <p:sp>
-        <p:nvSpPr>
-          <p:cNvPr id="194" name="Google Shape;194;p21"/>
-          <p:cNvSpPr txBox="1"/>
-          <p:nvPr>
-            <p:ph type="title"/>
-          </p:nvPr>
-        </p:nvSpPr>
-        <p:spPr>
-          <a:xfrm>
-            <a:off x="1133200" y="400175"/>
-            <a:ext cx="7512600" cy="914100"/>
-          </a:xfrm>
-          <a:prstGeom prst="rect">
-            <a:avLst/>
-          </a:prstGeom>
-        </p:spPr>
-        <p:txBody>
-          <a:bodyPr anchorCtr="0" anchor="t" bIns="91425" lIns="91425" spcFirstLastPara="1" rIns="91425" wrap="square" tIns="91425">
-            <a:noAutofit/>
-          </a:bodyPr>
-          <a:lstStyle/>
-          <a:p>
-            <a:pPr indent="0" lvl="0" marL="0" rtl="0" algn="l">
-              <a:spcBef>
-                <a:spcPts val="0"/>
-              </a:spcBef>
-              <a:spcAft>
-                <a:spcPts val="0"/>
-              </a:spcAft>
-              <a:buNone/>
-            </a:pPr>
-            <a:r>
-              <a:rPr lang="en"/>
-              <a:t>Task Sending and Completed Tasks Stats Demo</a:t>
-            </a:r>
-            <a:endParaRPr/>
-          </a:p>
-        </p:txBody>
-      </p:sp>
-      <p:pic>
-        <p:nvPicPr>
-          <p:cNvPr id="195" name="Google Shape;195;p21" title="Demo.mov">
-            <a:hlinkClick r:id="rId3"/>
-          </p:cNvPr>
-          <p:cNvPicPr preferRelativeResize="0"/>
-          <p:nvPr/>
-        </p:nvPicPr>
-        <p:blipFill>
-          <a:blip r:embed="rId4">
-            <a:alphaModFix/>
-          </a:blip>
-          <a:stretch>
-            <a:fillRect/>
-          </a:stretch>
-        </p:blipFill>
-        <p:spPr>
-          <a:xfrm>
-            <a:off x="2286000" y="1314275"/>
-            <a:ext cx="4572000" cy="3429000"/>
-          </a:xfrm>
-          <a:prstGeom prst="rect">
-            <a:avLst/>
-          </a:prstGeom>
-          <a:noFill/>
-          <a:ln>
-            <a:noFill/>
-          </a:ln>
-        </p:spPr>
-      </p:pic>
     </p:spTree>
   </p:cSld>
   <p:clrMapOvr>

--- a/Code/Wait-Less Presentation.pptx
+++ b/Code/Wait-Less Presentation.pptx
@@ -17,24 +17,23 @@
     <p:sldId id="262" r:id="rId12"/>
     <p:sldId id="263" r:id="rId13"/>
     <p:sldId id="264" r:id="rId14"/>
-    <p:sldId id="265" r:id="rId15"/>
   </p:sldIdLst>
   <p:sldSz cy="5143500" cx="9144000"/>
   <p:notesSz cx="6858000" cy="9144000"/>
   <p:embeddedFontLst>
     <p:embeddedFont>
       <p:font typeface="Montserrat"/>
-      <p:regular r:id="rId16"/>
-      <p:bold r:id="rId17"/>
-      <p:italic r:id="rId18"/>
-      <p:boldItalic r:id="rId19"/>
+      <p:regular r:id="rId15"/>
+      <p:bold r:id="rId16"/>
+      <p:italic r:id="rId17"/>
+      <p:boldItalic r:id="rId18"/>
     </p:embeddedFont>
     <p:embeddedFont>
       <p:font typeface="Lato"/>
-      <p:regular r:id="rId20"/>
-      <p:bold r:id="rId21"/>
-      <p:italic r:id="rId22"/>
-      <p:boldItalic r:id="rId23"/>
+      <p:regular r:id="rId19"/>
+      <p:bold r:id="rId20"/>
+      <p:italic r:id="rId21"/>
+      <p:boldItalic r:id="rId22"/>
     </p:embeddedFont>
   </p:embeddedFontLst>
   <p:defaultTextStyle>
@@ -810,12 +809,12 @@
 </p:notes>
 </file>
 
-<file path=ppt/notesSlides/notesSlide10.xml><?xml version="1.0" encoding="utf-8"?>
+<file path=ppt/notesSlides/notesSlide2.xml><?xml version="1.0" encoding="utf-8"?>
 <p:notes xmlns:a="http://schemas.openxmlformats.org/drawingml/2006/main" xmlns:r="http://schemas.openxmlformats.org/officeDocument/2006/relationships" xmlns:mc="http://schemas.openxmlformats.org/markup-compatibility/2006" xmlns:mv="urn:schemas-microsoft-com:mac:vml" xmlns:p="http://schemas.openxmlformats.org/presentationml/2006/main" xmlns:c="http://schemas.openxmlformats.org/drawingml/2006/chart" xmlns:dgm="http://schemas.openxmlformats.org/drawingml/2006/diagram" xmlns:o="urn:schemas-microsoft-com:office:office" xmlns:v="urn:schemas-microsoft-com:vml" xmlns:pvml="urn:schemas-microsoft-com:office:powerpoint" xmlns:com="http://schemas.openxmlformats.org/drawingml/2006/compatibility" xmlns:p14="http://schemas.microsoft.com/office/powerpoint/2010/main" xmlns:p15="http://schemas.microsoft.com/office/powerpoint/2012/main" showMasterPhAnim="0" showMasterSp="0">
   <p:cSld>
     <p:spTree>
       <p:nvGrpSpPr>
-        <p:cNvPr id="198" name="Shape 198"/>
+        <p:cNvPr id="136" name="Shape 136"/>
         <p:cNvGrpSpPr/>
         <p:nvPr/>
       </p:nvGrpSpPr>
@@ -829,7 +828,7 @@
       </p:grpSpPr>
       <p:sp>
         <p:nvSpPr>
-          <p:cNvPr id="199" name="Google Shape;199;g83e9b4b0a7_1_1:notes"/>
+          <p:cNvPr id="137" name="Google Shape;137;g83b64fcb1c_0_125:notes"/>
           <p:cNvSpPr/>
           <p:nvPr>
             <p:ph idx="2" type="sldImg"/>
@@ -864,7 +863,7 @@
       </p:sp>
       <p:sp>
         <p:nvSpPr>
-          <p:cNvPr id="200" name="Google Shape;200;g83e9b4b0a7_1_1:notes"/>
+          <p:cNvPr id="138" name="Google Shape;138;g83b64fcb1c_0_125:notes"/>
           <p:cNvSpPr txBox="1"/>
           <p:nvPr>
             <p:ph idx="1" type="body"/>
@@ -909,12 +908,12 @@
 </p:notes>
 </file>
 
-<file path=ppt/notesSlides/notesSlide2.xml><?xml version="1.0" encoding="utf-8"?>
+<file path=ppt/notesSlides/notesSlide3.xml><?xml version="1.0" encoding="utf-8"?>
 <p:notes xmlns:a="http://schemas.openxmlformats.org/drawingml/2006/main" xmlns:r="http://schemas.openxmlformats.org/officeDocument/2006/relationships" xmlns:mc="http://schemas.openxmlformats.org/markup-compatibility/2006" xmlns:mv="urn:schemas-microsoft-com:mac:vml" xmlns:p="http://schemas.openxmlformats.org/presentationml/2006/main" xmlns:c="http://schemas.openxmlformats.org/drawingml/2006/chart" xmlns:dgm="http://schemas.openxmlformats.org/drawingml/2006/diagram" xmlns:o="urn:schemas-microsoft-com:office:office" xmlns:v="urn:schemas-microsoft-com:vml" xmlns:pvml="urn:schemas-microsoft-com:office:powerpoint" xmlns:com="http://schemas.openxmlformats.org/drawingml/2006/compatibility" xmlns:p14="http://schemas.microsoft.com/office/powerpoint/2010/main" xmlns:p15="http://schemas.microsoft.com/office/powerpoint/2012/main" showMasterPhAnim="0" showMasterSp="0">
   <p:cSld>
     <p:spTree>
       <p:nvGrpSpPr>
-        <p:cNvPr id="136" name="Shape 136"/>
+        <p:cNvPr id="143" name="Shape 143"/>
         <p:cNvGrpSpPr/>
         <p:nvPr/>
       </p:nvGrpSpPr>
@@ -928,7 +927,7 @@
       </p:grpSpPr>
       <p:sp>
         <p:nvSpPr>
-          <p:cNvPr id="137" name="Google Shape;137;g83e9b4b0a7_2_5:notes"/>
+          <p:cNvPr id="144" name="Google Shape;144;g83b64fcb1c_2_5:notes"/>
           <p:cNvSpPr/>
           <p:nvPr>
             <p:ph idx="2" type="sldImg"/>
@@ -963,7 +962,7 @@
       </p:sp>
       <p:sp>
         <p:nvSpPr>
-          <p:cNvPr id="138" name="Google Shape;138;g83e9b4b0a7_2_5:notes"/>
+          <p:cNvPr id="145" name="Google Shape;145;g83b64fcb1c_2_5:notes"/>
           <p:cNvSpPr txBox="1"/>
           <p:nvPr>
             <p:ph idx="1" type="body"/>
@@ -1008,12 +1007,12 @@
 </p:notes>
 </file>
 
-<file path=ppt/notesSlides/notesSlide3.xml><?xml version="1.0" encoding="utf-8"?>
+<file path=ppt/notesSlides/notesSlide4.xml><?xml version="1.0" encoding="utf-8"?>
 <p:notes xmlns:a="http://schemas.openxmlformats.org/drawingml/2006/main" xmlns:r="http://schemas.openxmlformats.org/officeDocument/2006/relationships" xmlns:mc="http://schemas.openxmlformats.org/markup-compatibility/2006" xmlns:mv="urn:schemas-microsoft-com:mac:vml" xmlns:p="http://schemas.openxmlformats.org/presentationml/2006/main" xmlns:c="http://schemas.openxmlformats.org/drawingml/2006/chart" xmlns:dgm="http://schemas.openxmlformats.org/drawingml/2006/diagram" xmlns:o="urn:schemas-microsoft-com:office:office" xmlns:v="urn:schemas-microsoft-com:vml" xmlns:pvml="urn:schemas-microsoft-com:office:powerpoint" xmlns:com="http://schemas.openxmlformats.org/drawingml/2006/compatibility" xmlns:p14="http://schemas.microsoft.com/office/powerpoint/2010/main" xmlns:p15="http://schemas.microsoft.com/office/powerpoint/2012/main" showMasterPhAnim="0" showMasterSp="0">
   <p:cSld>
     <p:spTree>
       <p:nvGrpSpPr>
-        <p:cNvPr id="144" name="Shape 144"/>
+        <p:cNvPr id="150" name="Shape 150"/>
         <p:cNvGrpSpPr/>
         <p:nvPr/>
       </p:nvGrpSpPr>
@@ -1027,7 +1026,7 @@
       </p:grpSpPr>
       <p:sp>
         <p:nvSpPr>
-          <p:cNvPr id="145" name="Google Shape;145;g83b64fcb1c_0_125:notes"/>
+          <p:cNvPr id="151" name="Google Shape;151;g83b64fcb1c_1_5:notes"/>
           <p:cNvSpPr/>
           <p:nvPr>
             <p:ph idx="2" type="sldImg"/>
@@ -1062,106 +1061,7 @@
       </p:sp>
       <p:sp>
         <p:nvSpPr>
-          <p:cNvPr id="146" name="Google Shape;146;g83b64fcb1c_0_125:notes"/>
-          <p:cNvSpPr txBox="1"/>
-          <p:nvPr>
-            <p:ph idx="1" type="body"/>
-          </p:nvPr>
-        </p:nvSpPr>
-        <p:spPr>
-          <a:xfrm>
-            <a:off x="685800" y="4343400"/>
-            <a:ext cx="5486400" cy="4114800"/>
-          </a:xfrm>
-          <a:prstGeom prst="rect">
-            <a:avLst/>
-          </a:prstGeom>
-        </p:spPr>
-        <p:txBody>
-          <a:bodyPr anchorCtr="0" anchor="t" bIns="91425" lIns="91425" spcFirstLastPara="1" rIns="91425" wrap="square" tIns="91425">
-            <a:noAutofit/>
-          </a:bodyPr>
-          <a:lstStyle/>
-          <a:p>
-            <a:pPr indent="0" lvl="0" marL="0" rtl="0" algn="l">
-              <a:spcBef>
-                <a:spcPts val="0"/>
-              </a:spcBef>
-              <a:spcAft>
-                <a:spcPts val="0"/>
-              </a:spcAft>
-              <a:buNone/>
-            </a:pPr>
-            <a:r>
-              <a:t/>
-            </a:r>
-            <a:endParaRPr/>
-          </a:p>
-        </p:txBody>
-      </p:sp>
-    </p:spTree>
-  </p:cSld>
-  <p:clrMapOvr>
-    <a:masterClrMapping/>
-  </p:clrMapOvr>
-</p:notes>
-</file>
-
-<file path=ppt/notesSlides/notesSlide4.xml><?xml version="1.0" encoding="utf-8"?>
-<p:notes xmlns:a="http://schemas.openxmlformats.org/drawingml/2006/main" xmlns:r="http://schemas.openxmlformats.org/officeDocument/2006/relationships" xmlns:mc="http://schemas.openxmlformats.org/markup-compatibility/2006" xmlns:mv="urn:schemas-microsoft-com:mac:vml" xmlns:p="http://schemas.openxmlformats.org/presentationml/2006/main" xmlns:c="http://schemas.openxmlformats.org/drawingml/2006/chart" xmlns:dgm="http://schemas.openxmlformats.org/drawingml/2006/diagram" xmlns:o="urn:schemas-microsoft-com:office:office" xmlns:v="urn:schemas-microsoft-com:vml" xmlns:pvml="urn:schemas-microsoft-com:office:powerpoint" xmlns:com="http://schemas.openxmlformats.org/drawingml/2006/compatibility" xmlns:p14="http://schemas.microsoft.com/office/powerpoint/2010/main" xmlns:p15="http://schemas.microsoft.com/office/powerpoint/2012/main" showMasterPhAnim="0" showMasterSp="0">
-  <p:cSld>
-    <p:spTree>
-      <p:nvGrpSpPr>
-        <p:cNvPr id="151" name="Shape 151"/>
-        <p:cNvGrpSpPr/>
-        <p:nvPr/>
-      </p:nvGrpSpPr>
-      <p:grpSpPr>
-        <a:xfrm>
-          <a:off x="0" y="0"/>
-          <a:ext cx="0" cy="0"/>
-          <a:chOff x="0" y="0"/>
-          <a:chExt cx="0" cy="0"/>
-        </a:xfrm>
-      </p:grpSpPr>
-      <p:sp>
-        <p:nvSpPr>
-          <p:cNvPr id="152" name="Google Shape;152;g83b64fcb1c_2_5:notes"/>
-          <p:cNvSpPr/>
-          <p:nvPr>
-            <p:ph idx="2" type="sldImg"/>
-          </p:nvPr>
-        </p:nvSpPr>
-        <p:spPr>
-          <a:xfrm>
-            <a:off x="381300" y="685800"/>
-            <a:ext cx="6096000" cy="3429000"/>
-          </a:xfrm>
-          <a:custGeom>
-            <a:rect b="b" l="l" r="r" t="t"/>
-            <a:pathLst>
-              <a:path extrusionOk="0" h="120000" w="120000">
-                <a:moveTo>
-                  <a:pt x="0" y="0"/>
-                </a:moveTo>
-                <a:lnTo>
-                  <a:pt x="120000" y="0"/>
-                </a:lnTo>
-                <a:lnTo>
-                  <a:pt x="120000" y="120000"/>
-                </a:lnTo>
-                <a:lnTo>
-                  <a:pt x="0" y="120000"/>
-                </a:lnTo>
-                <a:close/>
-              </a:path>
-            </a:pathLst>
-          </a:custGeom>
-        </p:spPr>
-      </p:sp>
-      <p:sp>
-        <p:nvSpPr>
-          <p:cNvPr id="153" name="Google Shape;153;g83b64fcb1c_2_5:notes"/>
+          <p:cNvPr id="152" name="Google Shape;152;g83b64fcb1c_1_5:notes"/>
           <p:cNvSpPr txBox="1"/>
           <p:nvPr>
             <p:ph idx="1" type="body"/>
@@ -1225,7 +1125,7 @@
       </p:grpSpPr>
       <p:sp>
         <p:nvSpPr>
-          <p:cNvPr id="159" name="Google Shape;159;g83b64fcb1c_1_5:notes"/>
+          <p:cNvPr id="159" name="Google Shape;159;g83b64fcb1c_1_15:notes"/>
           <p:cNvSpPr/>
           <p:nvPr>
             <p:ph idx="2" type="sldImg"/>
@@ -1260,7 +1160,7 @@
       </p:sp>
       <p:sp>
         <p:nvSpPr>
-          <p:cNvPr id="160" name="Google Shape;160;g83b64fcb1c_1_5:notes"/>
+          <p:cNvPr id="160" name="Google Shape;160;g83b64fcb1c_1_15:notes"/>
           <p:cNvSpPr txBox="1"/>
           <p:nvPr>
             <p:ph idx="1" type="body"/>
@@ -1324,7 +1224,7 @@
       </p:grpSpPr>
       <p:sp>
         <p:nvSpPr>
-          <p:cNvPr id="167" name="Google Shape;167;g83b64fcb1c_1_15:notes"/>
+          <p:cNvPr id="167" name="Google Shape;167;g83b64fcb1c_0_130:notes"/>
           <p:cNvSpPr/>
           <p:nvPr>
             <p:ph idx="2" type="sldImg"/>
@@ -1359,7 +1259,7 @@
       </p:sp>
       <p:sp>
         <p:nvSpPr>
-          <p:cNvPr id="168" name="Google Shape;168;g83b64fcb1c_1_15:notes"/>
+          <p:cNvPr id="168" name="Google Shape;168;g83b64fcb1c_0_130:notes"/>
           <p:cNvSpPr txBox="1"/>
           <p:nvPr>
             <p:ph idx="1" type="body"/>
@@ -1423,7 +1323,7 @@
       </p:grpSpPr>
       <p:sp>
         <p:nvSpPr>
-          <p:cNvPr id="175" name="Google Shape;175;g83b64fcb1c_0_130:notes"/>
+          <p:cNvPr id="175" name="Google Shape;175;g839ca0ba85_1_1:notes"/>
           <p:cNvSpPr/>
           <p:nvPr>
             <p:ph idx="2" type="sldImg"/>
@@ -1458,7 +1358,7 @@
       </p:sp>
       <p:sp>
         <p:nvSpPr>
-          <p:cNvPr id="176" name="Google Shape;176;g83b64fcb1c_0_130:notes"/>
+          <p:cNvPr id="176" name="Google Shape;176;g839ca0ba85_1_1:notes"/>
           <p:cNvSpPr txBox="1"/>
           <p:nvPr>
             <p:ph idx="1" type="body"/>
@@ -1508,7 +1408,7 @@
   <p:cSld>
     <p:spTree>
       <p:nvGrpSpPr>
-        <p:cNvPr id="182" name="Shape 182"/>
+        <p:cNvPr id="181" name="Shape 181"/>
         <p:cNvGrpSpPr/>
         <p:nvPr/>
       </p:nvGrpSpPr>
@@ -1522,7 +1422,7 @@
       </p:grpSpPr>
       <p:sp>
         <p:nvSpPr>
-          <p:cNvPr id="183" name="Google Shape;183;g839ca0ba85_1_1:notes"/>
+          <p:cNvPr id="182" name="Google Shape;182;g746a20ac97_0_5:notes"/>
           <p:cNvSpPr/>
           <p:nvPr>
             <p:ph idx="2" type="sldImg"/>
@@ -1557,7 +1457,7 @@
       </p:sp>
       <p:sp>
         <p:nvSpPr>
-          <p:cNvPr id="184" name="Google Shape;184;g839ca0ba85_1_1:notes"/>
+          <p:cNvPr id="183" name="Google Shape;183;g746a20ac97_0_5:notes"/>
           <p:cNvSpPr txBox="1"/>
           <p:nvPr>
             <p:ph idx="1" type="body"/>
@@ -1607,7 +1507,7 @@
   <p:cSld>
     <p:spTree>
       <p:nvGrpSpPr>
-        <p:cNvPr id="189" name="Shape 189"/>
+        <p:cNvPr id="190" name="Shape 190"/>
         <p:cNvGrpSpPr/>
         <p:nvPr/>
       </p:nvGrpSpPr>
@@ -1621,7 +1521,7 @@
       </p:grpSpPr>
       <p:sp>
         <p:nvSpPr>
-          <p:cNvPr id="190" name="Google Shape;190;g746a20ac97_0_5:notes"/>
+          <p:cNvPr id="191" name="Google Shape;191;g83b64fcb1c_3_0:notes"/>
           <p:cNvSpPr/>
           <p:nvPr>
             <p:ph idx="2" type="sldImg"/>
@@ -1656,7 +1556,7 @@
       </p:sp>
       <p:sp>
         <p:nvSpPr>
-          <p:cNvPr id="191" name="Google Shape;191;g746a20ac97_0_5:notes"/>
+          <p:cNvPr id="192" name="Google Shape;192;g83b64fcb1c_3_0:notes"/>
           <p:cNvSpPr txBox="1"/>
           <p:nvPr>
             <p:ph idx="1" type="body"/>
@@ -10006,107 +9906,12 @@
             </a:pPr>
             <a:r>
               <a:rPr lang="en"/>
-              <a:t>Group22:  Brian, Omar, Harsh, and Emmanuel</a:t>
+              <a:t>By Brian, Omar, Harsh, and Emmanuel</a:t>
             </a:r>
             <a:endParaRPr/>
           </a:p>
         </p:txBody>
       </p:sp>
-    </p:spTree>
-  </p:cSld>
-  <p:clrMapOvr>
-    <a:masterClrMapping/>
-  </p:clrMapOvr>
-</p:sld>
-</file>
-
-<file path=ppt/slides/slide10.xml><?xml version="1.0" encoding="utf-8"?>
-<p:sld xmlns:a="http://schemas.openxmlformats.org/drawingml/2006/main" xmlns:r="http://schemas.openxmlformats.org/officeDocument/2006/relationships" xmlns:mc="http://schemas.openxmlformats.org/markup-compatibility/2006" xmlns:mv="urn:schemas-microsoft-com:mac:vml" xmlns:p="http://schemas.openxmlformats.org/presentationml/2006/main" xmlns:c="http://schemas.openxmlformats.org/drawingml/2006/chart" xmlns:dgm="http://schemas.openxmlformats.org/drawingml/2006/diagram" xmlns:o="urn:schemas-microsoft-com:office:office" xmlns:v="urn:schemas-microsoft-com:vml" xmlns:pvml="urn:schemas-microsoft-com:office:powerpoint" xmlns:com="http://schemas.openxmlformats.org/drawingml/2006/compatibility" xmlns:p14="http://schemas.microsoft.com/office/powerpoint/2010/main" xmlns:p15="http://schemas.microsoft.com/office/powerpoint/2012/main">
-  <p:cSld>
-    <p:spTree>
-      <p:nvGrpSpPr>
-        <p:cNvPr id="201" name="Shape 201"/>
-        <p:cNvGrpSpPr/>
-        <p:nvPr/>
-      </p:nvGrpSpPr>
-      <p:grpSpPr>
-        <a:xfrm>
-          <a:off x="0" y="0"/>
-          <a:ext cx="0" cy="0"/>
-          <a:chOff x="0" y="0"/>
-          <a:chExt cx="0" cy="0"/>
-        </a:xfrm>
-      </p:grpSpPr>
-      <p:sp>
-        <p:nvSpPr>
-          <p:cNvPr id="202" name="Google Shape;202;p22"/>
-          <p:cNvSpPr txBox="1"/>
-          <p:nvPr>
-            <p:ph type="title"/>
-          </p:nvPr>
-        </p:nvSpPr>
-        <p:spPr>
-          <a:xfrm>
-            <a:off x="815700" y="306250"/>
-            <a:ext cx="7512600" cy="914100"/>
-          </a:xfrm>
-          <a:prstGeom prst="rect">
-            <a:avLst/>
-          </a:prstGeom>
-        </p:spPr>
-        <p:txBody>
-          <a:bodyPr anchorCtr="0" anchor="t" bIns="91425" lIns="91425" spcFirstLastPara="1" rIns="91425" wrap="square" tIns="91425">
-            <a:noAutofit/>
-          </a:bodyPr>
-          <a:lstStyle/>
-          <a:p>
-            <a:pPr indent="0" lvl="0" marL="0" rtl="0" algn="ctr">
-              <a:spcBef>
-                <a:spcPts val="0"/>
-              </a:spcBef>
-              <a:spcAft>
-                <a:spcPts val="0"/>
-              </a:spcAft>
-              <a:buNone/>
-            </a:pPr>
-            <a:r>
-              <a:rPr lang="en" sz="2300"/>
-              <a:t>Task Sending and Completed Tasks Stats Demo</a:t>
-            </a:r>
-            <a:endParaRPr sz="2300"/>
-          </a:p>
-        </p:txBody>
-      </p:sp>
-      <p:pic>
-        <p:nvPicPr>
-          <p:cNvPr id="203" name="Google Shape;203;p22" title="Demo.mov">
-            <a:hlinkClick r:id="rId3"/>
-          </p:cNvPr>
-          <p:cNvPicPr preferRelativeResize="0"/>
-          <p:nvPr/>
-        </p:nvPicPr>
-        <p:blipFill>
-          <a:blip r:embed="rId4">
-            <a:alphaModFix/>
-          </a:blip>
-          <a:stretch>
-            <a:fillRect/>
-          </a:stretch>
-        </p:blipFill>
-        <p:spPr>
-          <a:xfrm>
-            <a:off x="1499350" y="994500"/>
-            <a:ext cx="6145300" cy="3881725"/>
-          </a:xfrm>
-          <a:prstGeom prst="rect">
-            <a:avLst/>
-          </a:prstGeom>
-          <a:noFill/>
-          <a:ln>
-            <a:noFill/>
-          </a:ln>
-        </p:spPr>
-      </p:pic>
     </p:spTree>
   </p:cSld>
   <p:clrMapOvr>
@@ -10166,7 +9971,7 @@
             </a:pPr>
             <a:r>
               <a:rPr lang="en"/>
-              <a:t>Wait-Less</a:t>
+              <a:t>Frontend - UI Flutter</a:t>
             </a:r>
             <a:endParaRPr/>
           </a:p>
@@ -10175,223 +9980,6 @@
       <p:sp>
         <p:nvSpPr>
           <p:cNvPr id="141" name="Google Shape;141;p14"/>
-          <p:cNvSpPr txBox="1"/>
-          <p:nvPr>
-            <p:ph idx="1" type="body"/>
-          </p:nvPr>
-        </p:nvSpPr>
-        <p:spPr>
-          <a:xfrm>
-            <a:off x="800025" y="1576425"/>
-            <a:ext cx="4770000" cy="2911200"/>
-          </a:xfrm>
-          <a:prstGeom prst="rect">
-            <a:avLst/>
-          </a:prstGeom>
-        </p:spPr>
-        <p:txBody>
-          <a:bodyPr anchorCtr="0" anchor="t" bIns="91425" lIns="91425" spcFirstLastPara="1" rIns="91425" wrap="square" tIns="91425">
-            <a:noAutofit/>
-          </a:bodyPr>
-          <a:lstStyle/>
-          <a:p>
-            <a:pPr indent="-311150" lvl="0" marL="457200" rtl="0" algn="l">
-              <a:lnSpc>
-                <a:spcPct val="200000"/>
-              </a:lnSpc>
-              <a:spcBef>
-                <a:spcPts val="0"/>
-              </a:spcBef>
-              <a:spcAft>
-                <a:spcPts val="0"/>
-              </a:spcAft>
-              <a:buSzPts val="1300"/>
-              <a:buChar char="●"/>
-            </a:pPr>
-            <a:r>
-              <a:rPr lang="en"/>
-              <a:t>Wait-Less is a mobile application that helps managers and employees handle a </a:t>
-            </a:r>
-            <a:r>
-              <a:rPr lang="en"/>
-              <a:t>restaurant</a:t>
-            </a:r>
-            <a:r>
-              <a:rPr lang="en"/>
-              <a:t>.</a:t>
-            </a:r>
-            <a:endParaRPr/>
-          </a:p>
-          <a:p>
-            <a:pPr indent="-311150" lvl="0" marL="457200" rtl="0" algn="l">
-              <a:lnSpc>
-                <a:spcPct val="200000"/>
-              </a:lnSpc>
-              <a:spcBef>
-                <a:spcPts val="0"/>
-              </a:spcBef>
-              <a:spcAft>
-                <a:spcPts val="0"/>
-              </a:spcAft>
-              <a:buSzPts val="1300"/>
-              <a:buChar char="●"/>
-            </a:pPr>
-            <a:r>
-              <a:rPr lang="en"/>
-              <a:t>Allows waiters to easily manage and keep track of their tasks. As well as send tasks to other employees within the </a:t>
-            </a:r>
-            <a:r>
-              <a:rPr lang="en"/>
-              <a:t>restaurant.</a:t>
-            </a:r>
-            <a:endParaRPr/>
-          </a:p>
-          <a:p>
-            <a:pPr indent="-311150" lvl="0" marL="457200" rtl="0" algn="l">
-              <a:lnSpc>
-                <a:spcPct val="200000"/>
-              </a:lnSpc>
-              <a:spcBef>
-                <a:spcPts val="0"/>
-              </a:spcBef>
-              <a:spcAft>
-                <a:spcPts val="0"/>
-              </a:spcAft>
-              <a:buSzPts val="1300"/>
-              <a:buChar char="●"/>
-            </a:pPr>
-            <a:r>
-              <a:rPr lang="en"/>
-              <a:t>Allows managers to track progress and statistics of task and waiters</a:t>
-            </a:r>
-            <a:endParaRPr/>
-          </a:p>
-        </p:txBody>
-      </p:sp>
-      <p:pic>
-        <p:nvPicPr>
-          <p:cNvPr id="142" name="Google Shape;142;p14"/>
-          <p:cNvPicPr preferRelativeResize="0"/>
-          <p:nvPr/>
-        </p:nvPicPr>
-        <p:blipFill>
-          <a:blip r:embed="rId3">
-            <a:alphaModFix/>
-          </a:blip>
-          <a:stretch>
-            <a:fillRect/>
-          </a:stretch>
-        </p:blipFill>
-        <p:spPr>
-          <a:xfrm>
-            <a:off x="6234323" y="91700"/>
-            <a:ext cx="1671925" cy="1399325"/>
-          </a:xfrm>
-          <a:prstGeom prst="rect">
-            <a:avLst/>
-          </a:prstGeom>
-          <a:noFill/>
-          <a:ln>
-            <a:noFill/>
-          </a:ln>
-        </p:spPr>
-      </p:pic>
-      <p:pic>
-        <p:nvPicPr>
-          <p:cNvPr id="143" name="Google Shape;143;p14"/>
-          <p:cNvPicPr preferRelativeResize="0"/>
-          <p:nvPr/>
-        </p:nvPicPr>
-        <p:blipFill>
-          <a:blip r:embed="rId4">
-            <a:alphaModFix/>
-          </a:blip>
-          <a:stretch>
-            <a:fillRect/>
-          </a:stretch>
-        </p:blipFill>
-        <p:spPr>
-          <a:xfrm>
-            <a:off x="6140325" y="1634525"/>
-            <a:ext cx="2196075" cy="3347675"/>
-          </a:xfrm>
-          <a:prstGeom prst="rect">
-            <a:avLst/>
-          </a:prstGeom>
-          <a:noFill/>
-          <a:ln>
-            <a:noFill/>
-          </a:ln>
-        </p:spPr>
-      </p:pic>
-    </p:spTree>
-  </p:cSld>
-  <p:clrMapOvr>
-    <a:masterClrMapping/>
-  </p:clrMapOvr>
-</p:sld>
-</file>
-
-<file path=ppt/slides/slide3.xml><?xml version="1.0" encoding="utf-8"?>
-<p:sld xmlns:a="http://schemas.openxmlformats.org/drawingml/2006/main" xmlns:r="http://schemas.openxmlformats.org/officeDocument/2006/relationships" xmlns:mc="http://schemas.openxmlformats.org/markup-compatibility/2006" xmlns:mv="urn:schemas-microsoft-com:mac:vml" xmlns:p="http://schemas.openxmlformats.org/presentationml/2006/main" xmlns:c="http://schemas.openxmlformats.org/drawingml/2006/chart" xmlns:dgm="http://schemas.openxmlformats.org/drawingml/2006/diagram" xmlns:o="urn:schemas-microsoft-com:office:office" xmlns:v="urn:schemas-microsoft-com:vml" xmlns:pvml="urn:schemas-microsoft-com:office:powerpoint" xmlns:com="http://schemas.openxmlformats.org/drawingml/2006/compatibility" xmlns:p14="http://schemas.microsoft.com/office/powerpoint/2010/main" xmlns:p15="http://schemas.microsoft.com/office/powerpoint/2012/main">
-  <p:cSld>
-    <p:spTree>
-      <p:nvGrpSpPr>
-        <p:cNvPr id="147" name="Shape 147"/>
-        <p:cNvGrpSpPr/>
-        <p:nvPr/>
-      </p:nvGrpSpPr>
-      <p:grpSpPr>
-        <a:xfrm>
-          <a:off x="0" y="0"/>
-          <a:ext cx="0" cy="0"/>
-          <a:chOff x="0" y="0"/>
-          <a:chExt cx="0" cy="0"/>
-        </a:xfrm>
-      </p:grpSpPr>
-      <p:sp>
-        <p:nvSpPr>
-          <p:cNvPr id="148" name="Google Shape;148;p15"/>
-          <p:cNvSpPr txBox="1"/>
-          <p:nvPr>
-            <p:ph type="title"/>
-          </p:nvPr>
-        </p:nvSpPr>
-        <p:spPr>
-          <a:xfrm>
-            <a:off x="1297500" y="393750"/>
-            <a:ext cx="7038900" cy="914100"/>
-          </a:xfrm>
-          <a:prstGeom prst="rect">
-            <a:avLst/>
-          </a:prstGeom>
-        </p:spPr>
-        <p:txBody>
-          <a:bodyPr anchorCtr="0" anchor="t" bIns="91425" lIns="91425" spcFirstLastPara="1" rIns="91425" wrap="square" tIns="91425">
-            <a:noAutofit/>
-          </a:bodyPr>
-          <a:lstStyle/>
-          <a:p>
-            <a:pPr indent="0" lvl="0" marL="0" rtl="0" algn="l">
-              <a:spcBef>
-                <a:spcPts val="0"/>
-              </a:spcBef>
-              <a:spcAft>
-                <a:spcPts val="0"/>
-              </a:spcAft>
-              <a:buNone/>
-            </a:pPr>
-            <a:r>
-              <a:rPr lang="en"/>
-              <a:t>Frontend - UI Flutter</a:t>
-            </a:r>
-            <a:endParaRPr/>
-          </a:p>
-        </p:txBody>
-      </p:sp>
-      <p:sp>
-        <p:nvSpPr>
-          <p:cNvPr id="149" name="Google Shape;149;p15"/>
           <p:cNvSpPr txBox="1"/>
           <p:nvPr>
             <p:ph idx="1" type="body"/>
@@ -10495,7 +10083,7 @@
       </p:sp>
       <p:pic>
         <p:nvPicPr>
-          <p:cNvPr id="150" name="Google Shape;150;p15"/>
+          <p:cNvPr id="142" name="Google Shape;142;p14"/>
           <p:cNvPicPr preferRelativeResize="0"/>
           <p:nvPr/>
         </p:nvPicPr>
@@ -10529,12 +10117,12 @@
 </p:sld>
 </file>
 
-<file path=ppt/slides/slide4.xml><?xml version="1.0" encoding="utf-8"?>
+<file path=ppt/slides/slide3.xml><?xml version="1.0" encoding="utf-8"?>
 <p:sld xmlns:a="http://schemas.openxmlformats.org/drawingml/2006/main" xmlns:r="http://schemas.openxmlformats.org/officeDocument/2006/relationships" xmlns:mc="http://schemas.openxmlformats.org/markup-compatibility/2006" xmlns:mv="urn:schemas-microsoft-com:mac:vml" xmlns:p="http://schemas.openxmlformats.org/presentationml/2006/main" xmlns:c="http://schemas.openxmlformats.org/drawingml/2006/chart" xmlns:dgm="http://schemas.openxmlformats.org/drawingml/2006/diagram" xmlns:o="urn:schemas-microsoft-com:office:office" xmlns:v="urn:schemas-microsoft-com:vml" xmlns:pvml="urn:schemas-microsoft-com:office:powerpoint" xmlns:com="http://schemas.openxmlformats.org/drawingml/2006/compatibility" xmlns:p14="http://schemas.microsoft.com/office/powerpoint/2010/main" xmlns:p15="http://schemas.microsoft.com/office/powerpoint/2012/main">
   <p:cSld>
     <p:spTree>
       <p:nvGrpSpPr>
-        <p:cNvPr id="154" name="Shape 154"/>
+        <p:cNvPr id="146" name="Shape 146"/>
         <p:cNvGrpSpPr/>
         <p:nvPr/>
       </p:nvGrpSpPr>
@@ -10548,7 +10136,7 @@
       </p:grpSpPr>
       <p:sp>
         <p:nvSpPr>
-          <p:cNvPr id="155" name="Google Shape;155;p16"/>
+          <p:cNvPr id="147" name="Google Shape;147;p15"/>
           <p:cNvSpPr txBox="1"/>
           <p:nvPr>
             <p:ph type="title"/>
@@ -10588,7 +10176,7 @@
       </p:sp>
       <p:sp>
         <p:nvSpPr>
-          <p:cNvPr id="156" name="Google Shape;156;p16"/>
+          <p:cNvPr id="148" name="Google Shape;148;p15"/>
           <p:cNvSpPr txBox="1"/>
           <p:nvPr>
             <p:ph idx="1" type="body"/>
@@ -10690,7 +10278,7 @@
       </p:sp>
       <p:pic>
         <p:nvPicPr>
-          <p:cNvPr id="157" name="Google Shape;157;p16"/>
+          <p:cNvPr id="149" name="Google Shape;149;p15"/>
           <p:cNvPicPr preferRelativeResize="0"/>
           <p:nvPr/>
         </p:nvPicPr>
@@ -10706,6 +10294,293 @@
           <a:xfrm>
             <a:off x="5049347" y="1185797"/>
             <a:ext cx="3287050" cy="3356850"/>
+          </a:xfrm>
+          <a:prstGeom prst="rect">
+            <a:avLst/>
+          </a:prstGeom>
+          <a:noFill/>
+          <a:ln>
+            <a:noFill/>
+          </a:ln>
+        </p:spPr>
+      </p:pic>
+    </p:spTree>
+  </p:cSld>
+  <p:clrMapOvr>
+    <a:masterClrMapping/>
+  </p:clrMapOvr>
+</p:sld>
+</file>
+
+<file path=ppt/slides/slide4.xml><?xml version="1.0" encoding="utf-8"?>
+<p:sld xmlns:a="http://schemas.openxmlformats.org/drawingml/2006/main" xmlns:r="http://schemas.openxmlformats.org/officeDocument/2006/relationships" xmlns:mc="http://schemas.openxmlformats.org/markup-compatibility/2006" xmlns:mv="urn:schemas-microsoft-com:mac:vml" xmlns:p="http://schemas.openxmlformats.org/presentationml/2006/main" xmlns:c="http://schemas.openxmlformats.org/drawingml/2006/chart" xmlns:dgm="http://schemas.openxmlformats.org/drawingml/2006/diagram" xmlns:o="urn:schemas-microsoft-com:office:office" xmlns:v="urn:schemas-microsoft-com:vml" xmlns:pvml="urn:schemas-microsoft-com:office:powerpoint" xmlns:com="http://schemas.openxmlformats.org/drawingml/2006/compatibility" xmlns:p14="http://schemas.microsoft.com/office/powerpoint/2010/main" xmlns:p15="http://schemas.microsoft.com/office/powerpoint/2012/main">
+  <p:cSld>
+    <p:spTree>
+      <p:nvGrpSpPr>
+        <p:cNvPr id="153" name="Shape 153"/>
+        <p:cNvGrpSpPr/>
+        <p:nvPr/>
+      </p:nvGrpSpPr>
+      <p:grpSpPr>
+        <a:xfrm>
+          <a:off x="0" y="0"/>
+          <a:ext cx="0" cy="0"/>
+          <a:chOff x="0" y="0"/>
+          <a:chExt cx="0" cy="0"/>
+        </a:xfrm>
+      </p:grpSpPr>
+      <p:sp>
+        <p:nvSpPr>
+          <p:cNvPr id="154" name="Google Shape;154;p16"/>
+          <p:cNvSpPr txBox="1"/>
+          <p:nvPr>
+            <p:ph type="title"/>
+          </p:nvPr>
+        </p:nvSpPr>
+        <p:spPr>
+          <a:xfrm>
+            <a:off x="1297500" y="393750"/>
+            <a:ext cx="7038900" cy="914100"/>
+          </a:xfrm>
+          <a:prstGeom prst="rect">
+            <a:avLst/>
+          </a:prstGeom>
+        </p:spPr>
+        <p:txBody>
+          <a:bodyPr anchorCtr="0" anchor="t" bIns="91425" lIns="91425" spcFirstLastPara="1" rIns="91425" wrap="square" tIns="91425">
+            <a:noAutofit/>
+          </a:bodyPr>
+          <a:lstStyle/>
+          <a:p>
+            <a:pPr indent="0" lvl="0" marL="0" rtl="0" algn="l">
+              <a:spcBef>
+                <a:spcPts val="0"/>
+              </a:spcBef>
+              <a:spcAft>
+                <a:spcPts val="0"/>
+              </a:spcAft>
+              <a:buNone/>
+            </a:pPr>
+            <a:r>
+              <a:rPr lang="en"/>
+              <a:t>Back End  </a:t>
+            </a:r>
+            <a:endParaRPr/>
+          </a:p>
+        </p:txBody>
+      </p:sp>
+      <p:sp>
+        <p:nvSpPr>
+          <p:cNvPr id="155" name="Google Shape;155;p16"/>
+          <p:cNvSpPr txBox="1"/>
+          <p:nvPr>
+            <p:ph idx="1" type="body"/>
+          </p:nvPr>
+        </p:nvSpPr>
+        <p:spPr>
+          <a:xfrm>
+            <a:off x="226600" y="1707025"/>
+            <a:ext cx="4014900" cy="3899700"/>
+          </a:xfrm>
+          <a:prstGeom prst="rect">
+            <a:avLst/>
+          </a:prstGeom>
+        </p:spPr>
+        <p:txBody>
+          <a:bodyPr anchorCtr="0" anchor="t" bIns="91425" lIns="91425" spcFirstLastPara="1" rIns="91425" wrap="square" tIns="91425">
+            <a:noAutofit/>
+          </a:bodyPr>
+          <a:lstStyle/>
+          <a:p>
+            <a:pPr indent="-311150" lvl="0" marL="457200" rtl="0" algn="l">
+              <a:lnSpc>
+                <a:spcPct val="100000"/>
+              </a:lnSpc>
+              <a:spcBef>
+                <a:spcPts val="0"/>
+              </a:spcBef>
+              <a:spcAft>
+                <a:spcPts val="0"/>
+              </a:spcAft>
+              <a:buSzPts val="1300"/>
+              <a:buChar char="●"/>
+            </a:pPr>
+            <a:r>
+              <a:rPr lang="en"/>
+              <a:t>Front End makes REST HTTP requests to the backend to retrieve all data </a:t>
+            </a:r>
+            <a:endParaRPr/>
+          </a:p>
+          <a:p>
+            <a:pPr indent="0" lvl="0" marL="457200" rtl="0" algn="l">
+              <a:lnSpc>
+                <a:spcPct val="100000"/>
+              </a:lnSpc>
+              <a:spcBef>
+                <a:spcPts val="0"/>
+              </a:spcBef>
+              <a:spcAft>
+                <a:spcPts val="0"/>
+              </a:spcAft>
+              <a:buNone/>
+            </a:pPr>
+            <a:r>
+              <a:t/>
+            </a:r>
+            <a:endParaRPr/>
+          </a:p>
+          <a:p>
+            <a:pPr indent="-311150" lvl="0" marL="457200" rtl="0" algn="l">
+              <a:lnSpc>
+                <a:spcPct val="100000"/>
+              </a:lnSpc>
+              <a:spcBef>
+                <a:spcPts val="0"/>
+              </a:spcBef>
+              <a:spcAft>
+                <a:spcPts val="0"/>
+              </a:spcAft>
+              <a:buSzPts val="1300"/>
+              <a:buChar char="●"/>
+            </a:pPr>
+            <a:r>
+              <a:rPr lang="en"/>
+              <a:t>Backend process requests and queries database to retrieve all necessary data</a:t>
+            </a:r>
+            <a:endParaRPr/>
+          </a:p>
+          <a:p>
+            <a:pPr indent="0" lvl="0" marL="457200" rtl="0" algn="l">
+              <a:lnSpc>
+                <a:spcPct val="100000"/>
+              </a:lnSpc>
+              <a:spcBef>
+                <a:spcPts val="0"/>
+              </a:spcBef>
+              <a:spcAft>
+                <a:spcPts val="0"/>
+              </a:spcAft>
+              <a:buNone/>
+            </a:pPr>
+            <a:r>
+              <a:t/>
+            </a:r>
+            <a:endParaRPr/>
+          </a:p>
+          <a:p>
+            <a:pPr indent="-311150" lvl="0" marL="457200" rtl="0" algn="l">
+              <a:lnSpc>
+                <a:spcPct val="100000"/>
+              </a:lnSpc>
+              <a:spcBef>
+                <a:spcPts val="0"/>
+              </a:spcBef>
+              <a:spcAft>
+                <a:spcPts val="0"/>
+              </a:spcAft>
+              <a:buSzPts val="1300"/>
+              <a:buChar char="●"/>
+            </a:pPr>
+            <a:r>
+              <a:rPr lang="en"/>
+              <a:t>Business logic and algorithms all done on Backend</a:t>
+            </a:r>
+            <a:endParaRPr/>
+          </a:p>
+          <a:p>
+            <a:pPr indent="0" lvl="0" marL="457200" rtl="0" algn="l">
+              <a:lnSpc>
+                <a:spcPct val="100000"/>
+              </a:lnSpc>
+              <a:spcBef>
+                <a:spcPts val="0"/>
+              </a:spcBef>
+              <a:spcAft>
+                <a:spcPts val="0"/>
+              </a:spcAft>
+              <a:buNone/>
+            </a:pPr>
+            <a:r>
+              <a:t/>
+            </a:r>
+            <a:endParaRPr/>
+          </a:p>
+          <a:p>
+            <a:pPr indent="-311150" lvl="0" marL="457200" rtl="0" algn="l">
+              <a:lnSpc>
+                <a:spcPct val="100000"/>
+              </a:lnSpc>
+              <a:spcBef>
+                <a:spcPts val="0"/>
+              </a:spcBef>
+              <a:spcAft>
+                <a:spcPts val="0"/>
+              </a:spcAft>
+              <a:buSzPts val="1300"/>
+              <a:buChar char="●"/>
+            </a:pPr>
+            <a:r>
+              <a:rPr lang="en"/>
+              <a:t>Spins up docker container to run </a:t>
+            </a:r>
+            <a:r>
+              <a:rPr lang="en"/>
+              <a:t>integration</a:t>
+            </a:r>
+            <a:r>
+              <a:rPr lang="en"/>
+              <a:t> tests against changes in the code base</a:t>
+            </a:r>
+            <a:endParaRPr/>
+          </a:p>
+        </p:txBody>
+      </p:sp>
+      <p:pic>
+        <p:nvPicPr>
+          <p:cNvPr id="156" name="Google Shape;156;p16"/>
+          <p:cNvPicPr preferRelativeResize="0"/>
+          <p:nvPr/>
+        </p:nvPicPr>
+        <p:blipFill>
+          <a:blip r:embed="rId3">
+            <a:alphaModFix/>
+          </a:blip>
+          <a:stretch>
+            <a:fillRect/>
+          </a:stretch>
+        </p:blipFill>
+        <p:spPr>
+          <a:xfrm>
+            <a:off x="5289025" y="393750"/>
+            <a:ext cx="2270775" cy="2270775"/>
+          </a:xfrm>
+          <a:prstGeom prst="rect">
+            <a:avLst/>
+          </a:prstGeom>
+          <a:noFill/>
+          <a:ln>
+            <a:noFill/>
+          </a:ln>
+        </p:spPr>
+      </p:pic>
+      <p:pic>
+        <p:nvPicPr>
+          <p:cNvPr id="157" name="Google Shape;157;p16"/>
+          <p:cNvPicPr preferRelativeResize="0"/>
+          <p:nvPr/>
+        </p:nvPicPr>
+        <p:blipFill>
+          <a:blip r:embed="rId4">
+            <a:alphaModFix/>
+          </a:blip>
+          <a:stretch>
+            <a:fillRect/>
+          </a:stretch>
+        </p:blipFill>
+        <p:spPr>
+          <a:xfrm>
+            <a:off x="4293975" y="2919625"/>
+            <a:ext cx="4567995" cy="2084874"/>
           </a:xfrm>
           <a:prstGeom prst="rect">
             <a:avLst/>
@@ -10751,7 +10626,7 @@
         </p:nvSpPr>
         <p:spPr>
           <a:xfrm>
-            <a:off x="1297500" y="393750"/>
+            <a:off x="1522800" y="591188"/>
             <a:ext cx="7038900" cy="914100"/>
           </a:xfrm>
           <a:prstGeom prst="rect">
@@ -10774,10 +10649,10 @@
               <a:buNone/>
             </a:pPr>
             <a:r>
-              <a:rPr lang="en"/>
-              <a:t>Back End  </a:t>
+              <a:rPr lang="en" sz="3000"/>
+              <a:t>Azure</a:t>
             </a:r>
-            <a:endParaRPr/>
+            <a:endParaRPr sz="3000"/>
           </a:p>
         </p:txBody>
       </p:sp>
@@ -10791,8 +10666,8 @@
         </p:nvSpPr>
         <p:spPr>
           <a:xfrm>
-            <a:off x="226600" y="1707025"/>
-            <a:ext cx="4014900" cy="3899700"/>
+            <a:off x="302550" y="1643425"/>
+            <a:ext cx="3277500" cy="2879700"/>
           </a:xfrm>
           <a:prstGeom prst="rect">
             <a:avLst/>
@@ -10804,146 +10679,114 @@
           </a:bodyPr>
           <a:lstStyle/>
           <a:p>
-            <a:pPr indent="-311150" lvl="0" marL="457200" rtl="0" algn="l">
-              <a:lnSpc>
-                <a:spcPct val="100000"/>
-              </a:lnSpc>
-              <a:spcBef>
-                <a:spcPts val="0"/>
-              </a:spcBef>
-              <a:spcAft>
-                <a:spcPts val="0"/>
-              </a:spcAft>
-              <a:buSzPts val="1300"/>
+            <a:pPr indent="-317500" lvl="0" marL="457200" rtl="0" algn="l">
+              <a:spcBef>
+                <a:spcPts val="0"/>
+              </a:spcBef>
+              <a:spcAft>
+                <a:spcPts val="0"/>
+              </a:spcAft>
+              <a:buSzPts val="1400"/>
               <a:buChar char="●"/>
             </a:pPr>
             <a:r>
-              <a:rPr lang="en"/>
-              <a:t>Front End makes REST HTTP requests to the backend to retrieve all data </a:t>
+              <a:rPr lang="en" sz="1400"/>
+              <a:t>Backend runs on a Azure instance</a:t>
             </a:r>
-            <a:endParaRPr/>
+            <a:endParaRPr sz="1400"/>
           </a:p>
           <a:p>
-            <a:pPr indent="0" lvl="0" marL="457200" rtl="0" algn="l">
-              <a:lnSpc>
-                <a:spcPct val="100000"/>
-              </a:lnSpc>
-              <a:spcBef>
-                <a:spcPts val="0"/>
-              </a:spcBef>
-              <a:spcAft>
-                <a:spcPts val="0"/>
-              </a:spcAft>
-              <a:buNone/>
+            <a:pPr indent="-317500" lvl="1" marL="914400" rtl="0" algn="l">
+              <a:spcBef>
+                <a:spcPts val="0"/>
+              </a:spcBef>
+              <a:spcAft>
+                <a:spcPts val="0"/>
+              </a:spcAft>
+              <a:buSzPts val="1400"/>
+              <a:buChar char="○"/>
             </a:pPr>
             <a:r>
-              <a:t/>
+              <a:rPr lang="en" sz="1400"/>
+              <a:t>Cloud event driven service</a:t>
             </a:r>
-            <a:endParaRPr/>
+            <a:endParaRPr sz="1400"/>
           </a:p>
           <a:p>
-            <a:pPr indent="-311150" lvl="0" marL="457200" rtl="0" algn="l">
-              <a:lnSpc>
-                <a:spcPct val="100000"/>
-              </a:lnSpc>
-              <a:spcBef>
-                <a:spcPts val="0"/>
-              </a:spcBef>
-              <a:spcAft>
-                <a:spcPts val="0"/>
-              </a:spcAft>
-              <a:buSzPts val="1300"/>
+            <a:pPr indent="-317500" lvl="1" marL="914400" rtl="0" algn="l">
+              <a:spcBef>
+                <a:spcPts val="0"/>
+              </a:spcBef>
+              <a:spcAft>
+                <a:spcPts val="0"/>
+              </a:spcAft>
+              <a:buSzPts val="1400"/>
+              <a:buChar char="○"/>
+            </a:pPr>
+            <a:r>
+              <a:rPr lang="en" sz="1400"/>
+              <a:t>Monitor each </a:t>
+            </a:r>
+            <a:r>
+              <a:rPr lang="en" sz="1400"/>
+              <a:t>individual</a:t>
+            </a:r>
+            <a:r>
+              <a:rPr lang="en" sz="1400"/>
+              <a:t> functions  </a:t>
+            </a:r>
+            <a:endParaRPr sz="1400"/>
+          </a:p>
+          <a:p>
+            <a:pPr indent="-317500" lvl="0" marL="457200" rtl="0" algn="l">
+              <a:spcBef>
+                <a:spcPts val="0"/>
+              </a:spcBef>
+              <a:spcAft>
+                <a:spcPts val="0"/>
+              </a:spcAft>
+              <a:buSzPts val="1400"/>
               <a:buChar char="●"/>
             </a:pPr>
             <a:r>
-              <a:rPr lang="en"/>
-              <a:t>Backend process requests and queries database to retrieve all necessary data</a:t>
+              <a:rPr lang="en" sz="1400"/>
+              <a:t>Created a CI/CD using GitHub Action </a:t>
             </a:r>
-            <a:endParaRPr/>
+            <a:endParaRPr sz="1400"/>
           </a:p>
           <a:p>
-            <a:pPr indent="0" lvl="0" marL="457200" rtl="0" algn="l">
-              <a:lnSpc>
-                <a:spcPct val="100000"/>
-              </a:lnSpc>
-              <a:spcBef>
-                <a:spcPts val="0"/>
-              </a:spcBef>
-              <a:spcAft>
-                <a:spcPts val="0"/>
-              </a:spcAft>
-              <a:buNone/>
+            <a:pPr indent="-317500" lvl="1" marL="914400" rtl="0" algn="l">
+              <a:spcBef>
+                <a:spcPts val="0"/>
+              </a:spcBef>
+              <a:spcAft>
+                <a:spcPts val="0"/>
+              </a:spcAft>
+              <a:buSzPts val="1400"/>
+              <a:buChar char="○"/>
             </a:pPr>
             <a:r>
-              <a:t/>
+              <a:rPr lang="en" sz="1400"/>
+              <a:t>Runs unit and integration tests </a:t>
             </a:r>
-            <a:endParaRPr/>
+            <a:endParaRPr sz="1400"/>
           </a:p>
           <a:p>
-            <a:pPr indent="-311150" lvl="0" marL="457200" rtl="0" algn="l">
-              <a:lnSpc>
-                <a:spcPct val="100000"/>
-              </a:lnSpc>
-              <a:spcBef>
-                <a:spcPts val="0"/>
-              </a:spcBef>
-              <a:spcAft>
-                <a:spcPts val="0"/>
-              </a:spcAft>
-              <a:buSzPts val="1300"/>
-              <a:buChar char="●"/>
+            <a:pPr indent="-317500" lvl="1" marL="914400" rtl="0" algn="l">
+              <a:spcBef>
+                <a:spcPts val="0"/>
+              </a:spcBef>
+              <a:spcAft>
+                <a:spcPts val="0"/>
+              </a:spcAft>
+              <a:buSzPts val="1400"/>
+              <a:buChar char="○"/>
             </a:pPr>
             <a:r>
-              <a:rPr lang="en"/>
-              <a:t>Business logic and algorithms all done on Backend</a:t>
+              <a:rPr lang="en" sz="1400"/>
+              <a:t>Automatically deploys master code base to Azure</a:t>
             </a:r>
-            <a:endParaRPr/>
-          </a:p>
-          <a:p>
-            <a:pPr indent="0" lvl="0" marL="457200" rtl="0" algn="l">
-              <a:lnSpc>
-                <a:spcPct val="100000"/>
-              </a:lnSpc>
-              <a:spcBef>
-                <a:spcPts val="0"/>
-              </a:spcBef>
-              <a:spcAft>
-                <a:spcPts val="0"/>
-              </a:spcAft>
-              <a:buNone/>
-            </a:pPr>
-            <a:r>
-              <a:t/>
-            </a:r>
-            <a:endParaRPr/>
-          </a:p>
-          <a:p>
-            <a:pPr indent="-311150" lvl="0" marL="457200" rtl="0" algn="l">
-              <a:lnSpc>
-                <a:spcPct val="100000"/>
-              </a:lnSpc>
-              <a:spcBef>
-                <a:spcPts val="0"/>
-              </a:spcBef>
-              <a:spcAft>
-                <a:spcPts val="0"/>
-              </a:spcAft>
-              <a:buSzPts val="1300"/>
-              <a:buChar char="●"/>
-            </a:pPr>
-            <a:r>
-              <a:rPr lang="en"/>
-              <a:t>Spins up docker container to run </a:t>
-            </a:r>
-            <a:r>
-              <a:rPr lang="en"/>
-              <a:t>integration</a:t>
-            </a:r>
-            <a:r>
-              <a:rPr lang="en"/>
-              <a:t> tests against changes in the code base</a:t>
-            </a:r>
-            <a:endParaRPr/>
+            <a:endParaRPr sz="1400"/>
           </a:p>
         </p:txBody>
       </p:sp>
@@ -10963,8 +10806,8 @@
         </p:blipFill>
         <p:spPr>
           <a:xfrm>
-            <a:off x="5289025" y="393750"/>
-            <a:ext cx="2270775" cy="2270775"/>
+            <a:off x="6859475" y="355325"/>
+            <a:ext cx="1385826" cy="1385826"/>
           </a:xfrm>
           <a:prstGeom prst="rect">
             <a:avLst/>
@@ -10991,8 +10834,8 @@
         </p:blipFill>
         <p:spPr>
           <a:xfrm>
-            <a:off x="4293975" y="2919625"/>
-            <a:ext cx="4567995" cy="2084874"/>
+            <a:off x="3732450" y="1893551"/>
+            <a:ext cx="5259147" cy="2993725"/>
           </a:xfrm>
           <a:prstGeom prst="rect">
             <a:avLst/>
@@ -11038,7 +10881,7 @@
         </p:nvSpPr>
         <p:spPr>
           <a:xfrm>
-            <a:off x="1522800" y="591188"/>
+            <a:off x="1297500" y="393750"/>
             <a:ext cx="7038900" cy="914100"/>
           </a:xfrm>
           <a:prstGeom prst="rect">
@@ -11061,10 +10904,10 @@
               <a:buNone/>
             </a:pPr>
             <a:r>
-              <a:rPr lang="en" sz="3000"/>
-              <a:t>Azure</a:t>
+              <a:rPr lang="en"/>
+              <a:t>Database</a:t>
             </a:r>
-            <a:endParaRPr sz="3000"/>
+            <a:endParaRPr/>
           </a:p>
         </p:txBody>
       </p:sp>
@@ -11078,8 +10921,8 @@
         </p:nvSpPr>
         <p:spPr>
           <a:xfrm>
-            <a:off x="302550" y="1643425"/>
-            <a:ext cx="3277500" cy="2879700"/>
+            <a:off x="5061175" y="1752700"/>
+            <a:ext cx="3540600" cy="2911200"/>
           </a:xfrm>
           <a:prstGeom prst="rect">
             <a:avLst/>
@@ -11091,114 +10934,132 @@
           </a:bodyPr>
           <a:lstStyle/>
           <a:p>
-            <a:pPr indent="-317500" lvl="0" marL="457200" rtl="0" algn="l">
-              <a:spcBef>
-                <a:spcPts val="0"/>
-              </a:spcBef>
-              <a:spcAft>
-                <a:spcPts val="0"/>
-              </a:spcAft>
-              <a:buSzPts val="1400"/>
+            <a:pPr indent="-330200" lvl="0" marL="457200" rtl="0" algn="l">
+              <a:lnSpc>
+                <a:spcPct val="200000"/>
+              </a:lnSpc>
+              <a:spcBef>
+                <a:spcPts val="0"/>
+              </a:spcBef>
+              <a:spcAft>
+                <a:spcPts val="0"/>
+              </a:spcAft>
+              <a:buSzPts val="1600"/>
               <a:buChar char="●"/>
             </a:pPr>
             <a:r>
-              <a:rPr lang="en" sz="1400"/>
-              <a:t>Backend runs on a Azure instance</a:t>
+              <a:rPr lang="en" sz="1600"/>
+              <a:t>MS SQL Server and Database </a:t>
             </a:r>
-            <a:endParaRPr sz="1400"/>
+            <a:endParaRPr sz="1600"/>
           </a:p>
           <a:p>
-            <a:pPr indent="-317500" lvl="1" marL="914400" rtl="0" algn="l">
-              <a:spcBef>
-                <a:spcPts val="0"/>
-              </a:spcBef>
-              <a:spcAft>
-                <a:spcPts val="0"/>
-              </a:spcAft>
-              <a:buSzPts val="1400"/>
+            <a:pPr indent="-330200" lvl="0" marL="457200" rtl="0" algn="l">
+              <a:lnSpc>
+                <a:spcPct val="200000"/>
+              </a:lnSpc>
+              <a:spcBef>
+                <a:spcPts val="0"/>
+              </a:spcBef>
+              <a:spcAft>
+                <a:spcPts val="0"/>
+              </a:spcAft>
+              <a:buSzPts val="1600"/>
+              <a:buChar char="●"/>
+            </a:pPr>
+            <a:r>
+              <a:rPr lang="en" sz="1600"/>
+              <a:t>T-SQL building </a:t>
+            </a:r>
+            <a:r>
+              <a:rPr lang="en" sz="1600"/>
+              <a:t>queries</a:t>
+            </a:r>
+            <a:r>
+              <a:rPr lang="en" sz="1600"/>
+              <a:t> </a:t>
+            </a:r>
+            <a:endParaRPr sz="1600"/>
+          </a:p>
+          <a:p>
+            <a:pPr indent="-330200" lvl="0" marL="457200" rtl="0" algn="l">
+              <a:lnSpc>
+                <a:spcPct val="200000"/>
+              </a:lnSpc>
+              <a:spcBef>
+                <a:spcPts val="0"/>
+              </a:spcBef>
+              <a:spcAft>
+                <a:spcPts val="0"/>
+              </a:spcAft>
+              <a:buSzPts val="1600"/>
+              <a:buChar char="●"/>
+            </a:pPr>
+            <a:r>
+              <a:rPr lang="en" sz="1600"/>
+              <a:t>Stored data for:</a:t>
+            </a:r>
+            <a:endParaRPr sz="1600"/>
+          </a:p>
+          <a:p>
+            <a:pPr indent="-330200" lvl="1" marL="914400" rtl="0" algn="l">
+              <a:lnSpc>
+                <a:spcPct val="200000"/>
+              </a:lnSpc>
+              <a:spcBef>
+                <a:spcPts val="0"/>
+              </a:spcBef>
+              <a:spcAft>
+                <a:spcPts val="0"/>
+              </a:spcAft>
+              <a:buSzPts val="1600"/>
               <a:buChar char="○"/>
             </a:pPr>
             <a:r>
-              <a:rPr lang="en" sz="1400"/>
-              <a:t>Cloud event driven service</a:t>
+              <a:rPr lang="en" sz="1600"/>
+              <a:t>Employees</a:t>
             </a:r>
-            <a:endParaRPr sz="1400"/>
+            <a:endParaRPr sz="1600"/>
           </a:p>
           <a:p>
-            <a:pPr indent="-317500" lvl="1" marL="914400" rtl="0" algn="l">
-              <a:spcBef>
-                <a:spcPts val="0"/>
-              </a:spcBef>
-              <a:spcAft>
-                <a:spcPts val="0"/>
-              </a:spcAft>
-              <a:buSzPts val="1400"/>
+            <a:pPr indent="-330200" lvl="1" marL="914400" rtl="0" algn="l">
+              <a:lnSpc>
+                <a:spcPct val="200000"/>
+              </a:lnSpc>
+              <a:spcBef>
+                <a:spcPts val="0"/>
+              </a:spcBef>
+              <a:spcAft>
+                <a:spcPts val="0"/>
+              </a:spcAft>
+              <a:buSzPts val="1600"/>
               <a:buChar char="○"/>
             </a:pPr>
             <a:r>
-              <a:rPr lang="en" sz="1400"/>
-              <a:t>Monitor each </a:t>
+              <a:rPr lang="en" sz="1600"/>
+              <a:t>Restaurant Dining Tables</a:t>
             </a:r>
-            <a:r>
-              <a:rPr lang="en" sz="1400"/>
-              <a:t>individual</a:t>
-            </a:r>
-            <a:r>
-              <a:rPr lang="en" sz="1400"/>
-              <a:t> functions  </a:t>
-            </a:r>
-            <a:endParaRPr sz="1400"/>
+            <a:endParaRPr sz="1600"/>
           </a:p>
           <a:p>
-            <a:pPr indent="-317500" lvl="0" marL="457200" rtl="0" algn="l">
-              <a:spcBef>
-                <a:spcPts val="0"/>
-              </a:spcBef>
-              <a:spcAft>
-                <a:spcPts val="0"/>
-              </a:spcAft>
-              <a:buSzPts val="1400"/>
-              <a:buChar char="●"/>
-            </a:pPr>
-            <a:r>
-              <a:rPr lang="en" sz="1400"/>
-              <a:t>Created a CI/CD using GitHub Action </a:t>
-            </a:r>
-            <a:endParaRPr sz="1400"/>
-          </a:p>
-          <a:p>
-            <a:pPr indent="-317500" lvl="1" marL="914400" rtl="0" algn="l">
-              <a:spcBef>
-                <a:spcPts val="0"/>
-              </a:spcBef>
-              <a:spcAft>
-                <a:spcPts val="0"/>
-              </a:spcAft>
-              <a:buSzPts val="1400"/>
+            <a:pPr indent="-330200" lvl="1" marL="914400" rtl="0" algn="l">
+              <a:lnSpc>
+                <a:spcPct val="200000"/>
+              </a:lnSpc>
+              <a:spcBef>
+                <a:spcPts val="0"/>
+              </a:spcBef>
+              <a:spcAft>
+                <a:spcPts val="0"/>
+              </a:spcAft>
+              <a:buSzPts val="1600"/>
               <a:buChar char="○"/>
             </a:pPr>
             <a:r>
-              <a:rPr lang="en" sz="1400"/>
-              <a:t>Runs unit and integration tests </a:t>
+              <a:rPr lang="en" sz="1600"/>
+              <a:t>Tasks</a:t>
             </a:r>
-            <a:endParaRPr sz="1400"/>
-          </a:p>
-          <a:p>
-            <a:pPr indent="-317500" lvl="1" marL="914400" rtl="0" algn="l">
-              <a:spcBef>
-                <a:spcPts val="0"/>
-              </a:spcBef>
-              <a:spcAft>
-                <a:spcPts val="0"/>
-              </a:spcAft>
-              <a:buSzPts val="1400"/>
-              <a:buChar char="○"/>
-            </a:pPr>
-            <a:r>
-              <a:rPr lang="en" sz="1400"/>
-              <a:t>Automatically deploys master code base to Azure</a:t>
-            </a:r>
-            <a:endParaRPr sz="1400"/>
+            <a:endParaRPr sz="1600"/>
           </a:p>
         </p:txBody>
       </p:sp>
@@ -11218,8 +11079,8 @@
         </p:blipFill>
         <p:spPr>
           <a:xfrm>
-            <a:off x="6859475" y="355325"/>
-            <a:ext cx="1385826" cy="1385826"/>
+            <a:off x="5820375" y="393750"/>
+            <a:ext cx="2159925" cy="1180750"/>
           </a:xfrm>
           <a:prstGeom prst="rect">
             <a:avLst/>
@@ -11246,8 +11107,8 @@
         </p:blipFill>
         <p:spPr>
           <a:xfrm>
-            <a:off x="3732450" y="1893551"/>
-            <a:ext cx="5259147" cy="2993725"/>
+            <a:off x="1157400" y="1080606"/>
+            <a:ext cx="3489076" cy="3650675"/>
           </a:xfrm>
           <a:prstGeom prst="rect">
             <a:avLst/>
@@ -11317,7 +11178,11 @@
             </a:pPr>
             <a:r>
               <a:rPr lang="en"/>
-              <a:t>Database</a:t>
+              <a:t>Frontend</a:t>
+            </a:r>
+            <a:r>
+              <a:rPr lang="en"/>
+              <a:t> and Backend Communication</a:t>
             </a:r>
             <a:endParaRPr/>
           </a:p>
@@ -11326,283 +11191,6 @@
       <p:sp>
         <p:nvSpPr>
           <p:cNvPr id="179" name="Google Shape;179;p19"/>
-          <p:cNvSpPr txBox="1"/>
-          <p:nvPr>
-            <p:ph idx="1" type="body"/>
-          </p:nvPr>
-        </p:nvSpPr>
-        <p:spPr>
-          <a:xfrm>
-            <a:off x="5061175" y="1752700"/>
-            <a:ext cx="3540600" cy="2911200"/>
-          </a:xfrm>
-          <a:prstGeom prst="rect">
-            <a:avLst/>
-          </a:prstGeom>
-        </p:spPr>
-        <p:txBody>
-          <a:bodyPr anchorCtr="0" anchor="t" bIns="91425" lIns="91425" spcFirstLastPara="1" rIns="91425" wrap="square" tIns="91425">
-            <a:noAutofit/>
-          </a:bodyPr>
-          <a:lstStyle/>
-          <a:p>
-            <a:pPr indent="-330200" lvl="0" marL="457200" rtl="0" algn="l">
-              <a:lnSpc>
-                <a:spcPct val="200000"/>
-              </a:lnSpc>
-              <a:spcBef>
-                <a:spcPts val="0"/>
-              </a:spcBef>
-              <a:spcAft>
-                <a:spcPts val="0"/>
-              </a:spcAft>
-              <a:buSzPts val="1600"/>
-              <a:buChar char="●"/>
-            </a:pPr>
-            <a:r>
-              <a:rPr lang="en" sz="1600"/>
-              <a:t>MS SQL Server and Database </a:t>
-            </a:r>
-            <a:endParaRPr sz="1600"/>
-          </a:p>
-          <a:p>
-            <a:pPr indent="-330200" lvl="0" marL="457200" rtl="0" algn="l">
-              <a:lnSpc>
-                <a:spcPct val="200000"/>
-              </a:lnSpc>
-              <a:spcBef>
-                <a:spcPts val="0"/>
-              </a:spcBef>
-              <a:spcAft>
-                <a:spcPts val="0"/>
-              </a:spcAft>
-              <a:buSzPts val="1600"/>
-              <a:buChar char="●"/>
-            </a:pPr>
-            <a:r>
-              <a:rPr lang="en" sz="1600"/>
-              <a:t>T-SQL building </a:t>
-            </a:r>
-            <a:r>
-              <a:rPr lang="en" sz="1600"/>
-              <a:t>queries</a:t>
-            </a:r>
-            <a:r>
-              <a:rPr lang="en" sz="1600"/>
-              <a:t> </a:t>
-            </a:r>
-            <a:endParaRPr sz="1600"/>
-          </a:p>
-          <a:p>
-            <a:pPr indent="-330200" lvl="0" marL="457200" rtl="0" algn="l">
-              <a:lnSpc>
-                <a:spcPct val="200000"/>
-              </a:lnSpc>
-              <a:spcBef>
-                <a:spcPts val="0"/>
-              </a:spcBef>
-              <a:spcAft>
-                <a:spcPts val="0"/>
-              </a:spcAft>
-              <a:buSzPts val="1600"/>
-              <a:buChar char="●"/>
-            </a:pPr>
-            <a:r>
-              <a:rPr lang="en" sz="1600"/>
-              <a:t>Stored data for:</a:t>
-            </a:r>
-            <a:endParaRPr sz="1600"/>
-          </a:p>
-          <a:p>
-            <a:pPr indent="-330200" lvl="1" marL="914400" rtl="0" algn="l">
-              <a:lnSpc>
-                <a:spcPct val="200000"/>
-              </a:lnSpc>
-              <a:spcBef>
-                <a:spcPts val="0"/>
-              </a:spcBef>
-              <a:spcAft>
-                <a:spcPts val="0"/>
-              </a:spcAft>
-              <a:buSzPts val="1600"/>
-              <a:buChar char="○"/>
-            </a:pPr>
-            <a:r>
-              <a:rPr lang="en" sz="1600"/>
-              <a:t>Employees</a:t>
-            </a:r>
-            <a:endParaRPr sz="1600"/>
-          </a:p>
-          <a:p>
-            <a:pPr indent="-330200" lvl="1" marL="914400" rtl="0" algn="l">
-              <a:lnSpc>
-                <a:spcPct val="200000"/>
-              </a:lnSpc>
-              <a:spcBef>
-                <a:spcPts val="0"/>
-              </a:spcBef>
-              <a:spcAft>
-                <a:spcPts val="0"/>
-              </a:spcAft>
-              <a:buSzPts val="1600"/>
-              <a:buChar char="○"/>
-            </a:pPr>
-            <a:r>
-              <a:rPr lang="en" sz="1600"/>
-              <a:t>Restaurant Dining Tables</a:t>
-            </a:r>
-            <a:endParaRPr sz="1600"/>
-          </a:p>
-          <a:p>
-            <a:pPr indent="-330200" lvl="1" marL="914400" rtl="0" algn="l">
-              <a:lnSpc>
-                <a:spcPct val="200000"/>
-              </a:lnSpc>
-              <a:spcBef>
-                <a:spcPts val="0"/>
-              </a:spcBef>
-              <a:spcAft>
-                <a:spcPts val="0"/>
-              </a:spcAft>
-              <a:buSzPts val="1600"/>
-              <a:buChar char="○"/>
-            </a:pPr>
-            <a:r>
-              <a:rPr lang="en" sz="1600"/>
-              <a:t>Tasks</a:t>
-            </a:r>
-            <a:endParaRPr sz="1600"/>
-          </a:p>
-        </p:txBody>
-      </p:sp>
-      <p:pic>
-        <p:nvPicPr>
-          <p:cNvPr id="180" name="Google Shape;180;p19"/>
-          <p:cNvPicPr preferRelativeResize="0"/>
-          <p:nvPr/>
-        </p:nvPicPr>
-        <p:blipFill>
-          <a:blip r:embed="rId3">
-            <a:alphaModFix/>
-          </a:blip>
-          <a:stretch>
-            <a:fillRect/>
-          </a:stretch>
-        </p:blipFill>
-        <p:spPr>
-          <a:xfrm>
-            <a:off x="5820375" y="393750"/>
-            <a:ext cx="2159925" cy="1180750"/>
-          </a:xfrm>
-          <a:prstGeom prst="rect">
-            <a:avLst/>
-          </a:prstGeom>
-          <a:noFill/>
-          <a:ln>
-            <a:noFill/>
-          </a:ln>
-        </p:spPr>
-      </p:pic>
-      <p:pic>
-        <p:nvPicPr>
-          <p:cNvPr id="181" name="Google Shape;181;p19"/>
-          <p:cNvPicPr preferRelativeResize="0"/>
-          <p:nvPr/>
-        </p:nvPicPr>
-        <p:blipFill>
-          <a:blip r:embed="rId4">
-            <a:alphaModFix/>
-          </a:blip>
-          <a:stretch>
-            <a:fillRect/>
-          </a:stretch>
-        </p:blipFill>
-        <p:spPr>
-          <a:xfrm>
-            <a:off x="1157400" y="1080606"/>
-            <a:ext cx="3489076" cy="3650675"/>
-          </a:xfrm>
-          <a:prstGeom prst="rect">
-            <a:avLst/>
-          </a:prstGeom>
-          <a:noFill/>
-          <a:ln>
-            <a:noFill/>
-          </a:ln>
-        </p:spPr>
-      </p:pic>
-    </p:spTree>
-  </p:cSld>
-  <p:clrMapOvr>
-    <a:masterClrMapping/>
-  </p:clrMapOvr>
-</p:sld>
-</file>
-
-<file path=ppt/slides/slide8.xml><?xml version="1.0" encoding="utf-8"?>
-<p:sld xmlns:a="http://schemas.openxmlformats.org/drawingml/2006/main" xmlns:r="http://schemas.openxmlformats.org/officeDocument/2006/relationships" xmlns:mc="http://schemas.openxmlformats.org/markup-compatibility/2006" xmlns:mv="urn:schemas-microsoft-com:mac:vml" xmlns:p="http://schemas.openxmlformats.org/presentationml/2006/main" xmlns:c="http://schemas.openxmlformats.org/drawingml/2006/chart" xmlns:dgm="http://schemas.openxmlformats.org/drawingml/2006/diagram" xmlns:o="urn:schemas-microsoft-com:office:office" xmlns:v="urn:schemas-microsoft-com:vml" xmlns:pvml="urn:schemas-microsoft-com:office:powerpoint" xmlns:com="http://schemas.openxmlformats.org/drawingml/2006/compatibility" xmlns:p14="http://schemas.microsoft.com/office/powerpoint/2010/main" xmlns:p15="http://schemas.microsoft.com/office/powerpoint/2012/main">
-  <p:cSld>
-    <p:spTree>
-      <p:nvGrpSpPr>
-        <p:cNvPr id="185" name="Shape 185"/>
-        <p:cNvGrpSpPr/>
-        <p:nvPr/>
-      </p:nvGrpSpPr>
-      <p:grpSpPr>
-        <a:xfrm>
-          <a:off x="0" y="0"/>
-          <a:ext cx="0" cy="0"/>
-          <a:chOff x="0" y="0"/>
-          <a:chExt cx="0" cy="0"/>
-        </a:xfrm>
-      </p:grpSpPr>
-      <p:sp>
-        <p:nvSpPr>
-          <p:cNvPr id="186" name="Google Shape;186;p20"/>
-          <p:cNvSpPr txBox="1"/>
-          <p:nvPr>
-            <p:ph type="title"/>
-          </p:nvPr>
-        </p:nvSpPr>
-        <p:spPr>
-          <a:xfrm>
-            <a:off x="1195600" y="653450"/>
-            <a:ext cx="7222800" cy="914100"/>
-          </a:xfrm>
-          <a:prstGeom prst="rect">
-            <a:avLst/>
-          </a:prstGeom>
-        </p:spPr>
-        <p:txBody>
-          <a:bodyPr anchorCtr="0" anchor="t" bIns="91425" lIns="91425" spcFirstLastPara="1" rIns="91425" wrap="square" tIns="91425">
-            <a:noAutofit/>
-          </a:bodyPr>
-          <a:lstStyle/>
-          <a:p>
-            <a:pPr indent="0" lvl="0" marL="0" rtl="0" algn="l">
-              <a:spcBef>
-                <a:spcPts val="0"/>
-              </a:spcBef>
-              <a:spcAft>
-                <a:spcPts val="0"/>
-              </a:spcAft>
-              <a:buNone/>
-            </a:pPr>
-            <a:r>
-              <a:rPr lang="en" sz="2700"/>
-              <a:t>Frontend</a:t>
-            </a:r>
-            <a:r>
-              <a:rPr lang="en" sz="2700"/>
-              <a:t> and Backend Communication</a:t>
-            </a:r>
-            <a:endParaRPr sz="2700"/>
-          </a:p>
-        </p:txBody>
-      </p:sp>
-      <p:sp>
-        <p:nvSpPr>
-          <p:cNvPr id="187" name="Google Shape;187;p20"/>
           <p:cNvSpPr txBox="1"/>
           <p:nvPr>
             <p:ph idx="1" type="body"/>
@@ -11750,7 +11338,7 @@
       </p:sp>
       <p:pic>
         <p:nvPicPr>
-          <p:cNvPr id="188" name="Google Shape;188;p20"/>
+          <p:cNvPr id="180" name="Google Shape;180;p19"/>
           <p:cNvPicPr preferRelativeResize="0"/>
           <p:nvPr/>
         </p:nvPicPr>
@@ -11784,12 +11372,12 @@
 </p:sld>
 </file>
 
-<file path=ppt/slides/slide9.xml><?xml version="1.0" encoding="utf-8"?>
+<file path=ppt/slides/slide8.xml><?xml version="1.0" encoding="utf-8"?>
 <p:sld xmlns:a="http://schemas.openxmlformats.org/drawingml/2006/main" xmlns:r="http://schemas.openxmlformats.org/officeDocument/2006/relationships" xmlns:mc="http://schemas.openxmlformats.org/markup-compatibility/2006" xmlns:mv="urn:schemas-microsoft-com:mac:vml" xmlns:p="http://schemas.openxmlformats.org/presentationml/2006/main" xmlns:c="http://schemas.openxmlformats.org/drawingml/2006/chart" xmlns:dgm="http://schemas.openxmlformats.org/drawingml/2006/diagram" xmlns:o="urn:schemas-microsoft-com:office:office" xmlns:v="urn:schemas-microsoft-com:vml" xmlns:pvml="urn:schemas-microsoft-com:office:powerpoint" xmlns:com="http://schemas.openxmlformats.org/drawingml/2006/compatibility" xmlns:p14="http://schemas.microsoft.com/office/powerpoint/2010/main" xmlns:p15="http://schemas.microsoft.com/office/powerpoint/2012/main">
   <p:cSld>
     <p:spTree>
       <p:nvGrpSpPr>
-        <p:cNvPr id="192" name="Shape 192"/>
+        <p:cNvPr id="184" name="Shape 184"/>
         <p:cNvGrpSpPr/>
         <p:nvPr/>
       </p:nvGrpSpPr>
@@ -11803,7 +11391,7 @@
       </p:grpSpPr>
       <p:sp>
         <p:nvSpPr>
-          <p:cNvPr id="193" name="Google Shape;193;p21"/>
+          <p:cNvPr id="185" name="Google Shape;185;p20"/>
           <p:cNvSpPr txBox="1"/>
           <p:nvPr>
             <p:ph type="title"/>
@@ -11843,7 +11431,7 @@
       </p:sp>
       <p:sp>
         <p:nvSpPr>
-          <p:cNvPr id="194" name="Google Shape;194;p21"/>
+          <p:cNvPr id="186" name="Google Shape;186;p20"/>
           <p:cNvSpPr txBox="1"/>
           <p:nvPr>
             <p:ph idx="1" type="body"/>
@@ -11969,7 +11557,7 @@
       </p:sp>
       <p:sp>
         <p:nvSpPr>
-          <p:cNvPr id="195" name="Google Shape;195;p21"/>
+          <p:cNvPr id="187" name="Google Shape;187;p20"/>
           <p:cNvSpPr txBox="1"/>
           <p:nvPr/>
         </p:nvSpPr>
@@ -12027,7 +11615,7 @@
       </p:sp>
       <p:pic>
         <p:nvPicPr>
-          <p:cNvPr id="196" name="Google Shape;196;p21"/>
+          <p:cNvPr id="188" name="Google Shape;188;p20"/>
           <p:cNvPicPr preferRelativeResize="0"/>
           <p:nvPr/>
         </p:nvPicPr>
@@ -12054,7 +11642,7 @@
       </p:pic>
       <p:sp>
         <p:nvSpPr>
-          <p:cNvPr id="197" name="Google Shape;197;p21"/>
+          <p:cNvPr id="189" name="Google Shape;189;p20"/>
           <p:cNvSpPr txBox="1"/>
           <p:nvPr/>
         </p:nvSpPr>
@@ -12110,7 +11698,381 @@
 </p:sld>
 </file>
 
+<file path=ppt/slides/slide9.xml><?xml version="1.0" encoding="utf-8"?>
+<p:sld xmlns:a="http://schemas.openxmlformats.org/drawingml/2006/main" xmlns:r="http://schemas.openxmlformats.org/officeDocument/2006/relationships" xmlns:mc="http://schemas.openxmlformats.org/markup-compatibility/2006" xmlns:mv="urn:schemas-microsoft-com:mac:vml" xmlns:p="http://schemas.openxmlformats.org/presentationml/2006/main" xmlns:c="http://schemas.openxmlformats.org/drawingml/2006/chart" xmlns:dgm="http://schemas.openxmlformats.org/drawingml/2006/diagram" xmlns:o="urn:schemas-microsoft-com:office:office" xmlns:v="urn:schemas-microsoft-com:vml" xmlns:pvml="urn:schemas-microsoft-com:office:powerpoint" xmlns:com="http://schemas.openxmlformats.org/drawingml/2006/compatibility" xmlns:p14="http://schemas.microsoft.com/office/powerpoint/2010/main" xmlns:p15="http://schemas.microsoft.com/office/powerpoint/2012/main">
+  <p:cSld>
+    <p:spTree>
+      <p:nvGrpSpPr>
+        <p:cNvPr id="193" name="Shape 193"/>
+        <p:cNvGrpSpPr/>
+        <p:nvPr/>
+      </p:nvGrpSpPr>
+      <p:grpSpPr>
+        <a:xfrm>
+          <a:off x="0" y="0"/>
+          <a:ext cx="0" cy="0"/>
+          <a:chOff x="0" y="0"/>
+          <a:chExt cx="0" cy="0"/>
+        </a:xfrm>
+      </p:grpSpPr>
+      <p:sp>
+        <p:nvSpPr>
+          <p:cNvPr id="194" name="Google Shape;194;p21"/>
+          <p:cNvSpPr txBox="1"/>
+          <p:nvPr>
+            <p:ph type="title"/>
+          </p:nvPr>
+        </p:nvSpPr>
+        <p:spPr>
+          <a:xfrm>
+            <a:off x="1133200" y="400175"/>
+            <a:ext cx="7512600" cy="914100"/>
+          </a:xfrm>
+          <a:prstGeom prst="rect">
+            <a:avLst/>
+          </a:prstGeom>
+        </p:spPr>
+        <p:txBody>
+          <a:bodyPr anchorCtr="0" anchor="t" bIns="91425" lIns="91425" spcFirstLastPara="1" rIns="91425" wrap="square" tIns="91425">
+            <a:noAutofit/>
+          </a:bodyPr>
+          <a:lstStyle/>
+          <a:p>
+            <a:pPr indent="0" lvl="0" marL="0" rtl="0" algn="l">
+              <a:spcBef>
+                <a:spcPts val="0"/>
+              </a:spcBef>
+              <a:spcAft>
+                <a:spcPts val="0"/>
+              </a:spcAft>
+              <a:buNone/>
+            </a:pPr>
+            <a:r>
+              <a:rPr lang="en"/>
+              <a:t>Task Sending and Completed Tasks Stats Demo</a:t>
+            </a:r>
+            <a:endParaRPr/>
+          </a:p>
+        </p:txBody>
+      </p:sp>
+      <p:pic>
+        <p:nvPicPr>
+          <p:cNvPr id="195" name="Google Shape;195;p21" title="Demo.mov">
+            <a:hlinkClick r:id="rId3"/>
+          </p:cNvPr>
+          <p:cNvPicPr preferRelativeResize="0"/>
+          <p:nvPr/>
+        </p:nvPicPr>
+        <p:blipFill>
+          <a:blip r:embed="rId4">
+            <a:alphaModFix/>
+          </a:blip>
+          <a:stretch>
+            <a:fillRect/>
+          </a:stretch>
+        </p:blipFill>
+        <p:spPr>
+          <a:xfrm>
+            <a:off x="2286000" y="1314275"/>
+            <a:ext cx="4572000" cy="3429000"/>
+          </a:xfrm>
+          <a:prstGeom prst="rect">
+            <a:avLst/>
+          </a:prstGeom>
+          <a:noFill/>
+          <a:ln>
+            <a:noFill/>
+          </a:ln>
+        </p:spPr>
+      </p:pic>
+    </p:spTree>
+  </p:cSld>
+  <p:clrMapOvr>
+    <a:masterClrMapping/>
+  </p:clrMapOvr>
+</p:sld>
+</file>
+
 <file path=ppt/theme/theme1.xml><?xml version="1.0" encoding="utf-8"?>
+<a:theme xmlns:a="http://schemas.openxmlformats.org/drawingml/2006/main" xmlns:r="http://schemas.openxmlformats.org/officeDocument/2006/relationships">
+  <a:themeElements>
+    <a:clrScheme name="Default">
+      <a:dk1>
+        <a:srgbClr val="000000"/>
+      </a:dk1>
+      <a:lt1>
+        <a:srgbClr val="FFFFFF"/>
+      </a:lt1>
+      <a:dk2>
+        <a:srgbClr val="158158"/>
+      </a:dk2>
+      <a:lt2>
+        <a:srgbClr val="F3F3F3"/>
+      </a:lt2>
+      <a:accent1>
+        <a:srgbClr val="058DC7"/>
+      </a:accent1>
+      <a:accent2>
+        <a:srgbClr val="50B432"/>
+      </a:accent2>
+      <a:accent3>
+        <a:srgbClr val="ED561B"/>
+      </a:accent3>
+      <a:accent4>
+        <a:srgbClr val="EDEF00"/>
+      </a:accent4>
+      <a:accent5>
+        <a:srgbClr val="24CBE5"/>
+      </a:accent5>
+      <a:accent6>
+        <a:srgbClr val="64E572"/>
+      </a:accent6>
+      <a:hlink>
+        <a:srgbClr val="2200CC"/>
+      </a:hlink>
+      <a:folHlink>
+        <a:srgbClr val="551A8B"/>
+      </a:folHlink>
+    </a:clrScheme>
+    <a:fontScheme name="Office">
+      <a:majorFont>
+        <a:latin typeface="Arial"/>
+        <a:ea typeface=""/>
+        <a:cs typeface=""/>
+        <a:font script="Jpan" typeface="ＭＳ Ｐゴシック"/>
+        <a:font script="Hang" typeface="맑은 고딕"/>
+        <a:font script="Hans" typeface="宋体"/>
+        <a:font script="Hant" typeface="新細明體"/>
+        <a:font script="Arab" typeface="Times New Roman"/>
+        <a:font script="Hebr" typeface="Times New Roman"/>
+        <a:font script="Thai" typeface="Angsana New"/>
+        <a:font script="Ethi" typeface="Nyala"/>
+        <a:font script="Beng" typeface="Vrinda"/>
+        <a:font script="Gujr" typeface="Shruti"/>
+        <a:font script="Khmr" typeface="MoolBoran"/>
+        <a:font script="Knda" typeface="Tunga"/>
+        <a:font script="Guru" typeface="Raavi"/>
+        <a:font script="Cans" typeface="Euphemia"/>
+        <a:font script="Cher" typeface="Plantagenet Cherokee"/>
+        <a:font script="Yiii" typeface="Microsoft Yi Baiti"/>
+        <a:font script="Tibt" typeface="Microsoft Himalaya"/>
+        <a:font script="Thaa" typeface="MV Boli"/>
+        <a:font script="Deva" typeface="Mangal"/>
+        <a:font script="Telu" typeface="Gautami"/>
+        <a:font script="Taml" typeface="Latha"/>
+        <a:font script="Syrc" typeface="Estrangelo Edessa"/>
+        <a:font script="Orya" typeface="Kalinga"/>
+        <a:font script="Mlym" typeface="Kartika"/>
+        <a:font script="Laoo" typeface="DokChampa"/>
+        <a:font script="Sinh" typeface="Iskoola Pota"/>
+        <a:font script="Mong" typeface="Mongolian Baiti"/>
+        <a:font script="Viet" typeface="Times New Roman"/>
+        <a:font script="Uigh" typeface="Microsoft Uighur"/>
+        <a:font script="Geor" typeface="Sylfaen"/>
+      </a:majorFont>
+      <a:minorFont>
+        <a:latin typeface="Arial"/>
+        <a:ea typeface=""/>
+        <a:cs typeface=""/>
+        <a:font script="Jpan" typeface="ＭＳ Ｐゴシック"/>
+        <a:font script="Hang" typeface="맑은 고딕"/>
+        <a:font script="Hans" typeface="宋体"/>
+        <a:font script="Hant" typeface="新細明體"/>
+        <a:font script="Arab" typeface="Arial"/>
+        <a:font script="Hebr" typeface="Arial"/>
+        <a:font script="Thai" typeface="Cordia New"/>
+        <a:font script="Ethi" typeface="Nyala"/>
+        <a:font script="Beng" typeface="Vrinda"/>
+        <a:font script="Gujr" typeface="Shruti"/>
+        <a:font script="Khmr" typeface="DaunPenh"/>
+        <a:font script="Knda" typeface="Tunga"/>
+        <a:font script="Guru" typeface="Raavi"/>
+        <a:font script="Cans" typeface="Euphemia"/>
+        <a:font script="Cher" typeface="Plantagenet Cherokee"/>
+        <a:font script="Yiii" typeface="Microsoft Yi Baiti"/>
+        <a:font script="Tibt" typeface="Microsoft Himalaya"/>
+        <a:font script="Thaa" typeface="MV Boli"/>
+        <a:font script="Deva" typeface="Mangal"/>
+        <a:font script="Telu" typeface="Gautami"/>
+        <a:font script="Taml" typeface="Latha"/>
+        <a:font script="Syrc" typeface="Estrangelo Edessa"/>
+        <a:font script="Orya" typeface="Kalinga"/>
+        <a:font script="Mlym" typeface="Kartika"/>
+        <a:font script="Laoo" typeface="DokChampa"/>
+        <a:font script="Sinh" typeface="Iskoola Pota"/>
+        <a:font script="Mong" typeface="Mongolian Baiti"/>
+        <a:font script="Viet" typeface="Arial"/>
+        <a:font script="Uigh" typeface="Microsoft Uighur"/>
+        <a:font script="Geor" typeface="Sylfaen"/>
+      </a:minorFont>
+    </a:fontScheme>
+    <a:fmtScheme name="Office">
+      <a:fillStyleLst>
+        <a:solidFill>
+          <a:schemeClr val="phClr"/>
+        </a:solidFill>
+        <a:gradFill rotWithShape="1">
+          <a:gsLst>
+            <a:gs pos="0">
+              <a:schemeClr val="phClr">
+                <a:tint val="50000"/>
+                <a:satMod val="300000"/>
+              </a:schemeClr>
+            </a:gs>
+            <a:gs pos="35000">
+              <a:schemeClr val="phClr">
+                <a:tint val="37000"/>
+                <a:satMod val="300000"/>
+              </a:schemeClr>
+            </a:gs>
+            <a:gs pos="100000">
+              <a:schemeClr val="phClr">
+                <a:tint val="15000"/>
+                <a:satMod val="350000"/>
+              </a:schemeClr>
+            </a:gs>
+          </a:gsLst>
+          <a:lin ang="16200000" scaled="1"/>
+        </a:gradFill>
+        <a:gradFill rotWithShape="1">
+          <a:gsLst>
+            <a:gs pos="0">
+              <a:schemeClr val="phClr">
+                <a:tint val="100000"/>
+                <a:shade val="100000"/>
+                <a:satMod val="130000"/>
+              </a:schemeClr>
+            </a:gs>
+            <a:gs pos="100000">
+              <a:schemeClr val="phClr">
+                <a:tint val="50000"/>
+                <a:shade val="100000"/>
+                <a:satMod val="350000"/>
+              </a:schemeClr>
+            </a:gs>
+          </a:gsLst>
+          <a:lin ang="16200000" scaled="0"/>
+        </a:gradFill>
+      </a:fillStyleLst>
+      <a:lnStyleLst>
+        <a:ln w="9525" cap="flat" cmpd="sng" algn="ctr">
+          <a:solidFill>
+            <a:schemeClr val="phClr">
+              <a:shade val="95000"/>
+              <a:satMod val="105000"/>
+            </a:schemeClr>
+          </a:solidFill>
+          <a:prstDash val="solid"/>
+        </a:ln>
+        <a:ln w="25400" cap="flat" cmpd="sng" algn="ctr">
+          <a:solidFill>
+            <a:schemeClr val="phClr"/>
+          </a:solidFill>
+          <a:prstDash val="solid"/>
+        </a:ln>
+        <a:ln w="38100" cap="flat" cmpd="sng" algn="ctr">
+          <a:solidFill>
+            <a:schemeClr val="phClr"/>
+          </a:solidFill>
+          <a:prstDash val="solid"/>
+        </a:ln>
+      </a:lnStyleLst>
+      <a:effectStyleLst>
+        <a:effectStyle>
+          <a:effectLst>
+            <a:outerShdw blurRad="40000" dist="20000" dir="5400000" rotWithShape="0">
+              <a:srgbClr val="000000">
+                <a:alpha val="38000"/>
+              </a:srgbClr>
+            </a:outerShdw>
+          </a:effectLst>
+        </a:effectStyle>
+        <a:effectStyle>
+          <a:effectLst>
+            <a:outerShdw blurRad="40000" dist="23000" dir="5400000" rotWithShape="0">
+              <a:srgbClr val="000000">
+                <a:alpha val="35000"/>
+              </a:srgbClr>
+            </a:outerShdw>
+          </a:effectLst>
+        </a:effectStyle>
+        <a:effectStyle>
+          <a:effectLst>
+            <a:outerShdw blurRad="40000" dist="23000" dir="5400000" rotWithShape="0">
+              <a:srgbClr val="000000">
+                <a:alpha val="35000"/>
+              </a:srgbClr>
+            </a:outerShdw>
+          </a:effectLst>
+          <a:scene3d>
+            <a:camera prst="orthographicFront">
+              <a:rot lat="0" lon="0" rev="0"/>
+            </a:camera>
+            <a:lightRig rig="threePt" dir="t">
+              <a:rot lat="0" lon="0" rev="1200000"/>
+            </a:lightRig>
+          </a:scene3d>
+          <a:sp3d>
+            <a:bevelT w="63500" h="25400"/>
+          </a:sp3d>
+        </a:effectStyle>
+      </a:effectStyleLst>
+      <a:bgFillStyleLst>
+        <a:solidFill>
+          <a:schemeClr val="phClr"/>
+        </a:solidFill>
+        <a:gradFill rotWithShape="1">
+          <a:gsLst>
+            <a:gs pos="0">
+              <a:schemeClr val="phClr">
+                <a:tint val="40000"/>
+                <a:satMod val="350000"/>
+              </a:schemeClr>
+            </a:gs>
+            <a:gs pos="40000">
+              <a:schemeClr val="phClr">
+                <a:tint val="45000"/>
+                <a:shade val="99000"/>
+                <a:satMod val="350000"/>
+              </a:schemeClr>
+            </a:gs>
+            <a:gs pos="100000">
+              <a:schemeClr val="phClr">
+                <a:shade val="20000"/>
+                <a:satMod val="255000"/>
+              </a:schemeClr>
+            </a:gs>
+          </a:gsLst>
+          <a:path path="circle">
+            <a:fillToRect l="50000" t="-80000" r="50000" b="180000"/>
+          </a:path>
+        </a:gradFill>
+        <a:gradFill rotWithShape="1">
+          <a:gsLst>
+            <a:gs pos="0">
+              <a:schemeClr val="phClr">
+                <a:tint val="80000"/>
+                <a:satMod val="300000"/>
+              </a:schemeClr>
+            </a:gs>
+            <a:gs pos="100000">
+              <a:schemeClr val="phClr">
+                <a:shade val="30000"/>
+                <a:satMod val="200000"/>
+              </a:schemeClr>
+            </a:gs>
+          </a:gsLst>
+          <a:path path="circle">
+            <a:fillToRect l="50000" t="50000" r="50000" b="50000"/>
+          </a:path>
+        </a:gradFill>
+      </a:bgFillStyleLst>
+    </a:fmtScheme>
+  </a:themeElements>
+</a:theme>
+</file>
+
+<file path=ppt/theme/theme2.xml><?xml version="1.0" encoding="utf-8"?>
 <a:theme xmlns:a="http://schemas.openxmlformats.org/drawingml/2006/main" xmlns:r="http://schemas.openxmlformats.org/officeDocument/2006/relationships" name="Focus">
   <a:themeElements>
     <a:clrScheme name="Focus">
@@ -12387,283 +12349,4 @@
     </a:fmtScheme>
   </a:themeElements>
 </a:theme>
-</file>
-
-<file path=ppt/theme/theme2.xml><?xml version="1.0" encoding="utf-8"?>
-<a:theme xmlns:a="http://schemas.openxmlformats.org/drawingml/2006/main" xmlns:r="http://schemas.openxmlformats.org/officeDocument/2006/relationships">
-  <a:themeElements>
-    <a:clrScheme name="Default">
-      <a:dk1>
-        <a:srgbClr val="000000"/>
-      </a:dk1>
-      <a:lt1>
-        <a:srgbClr val="FFFFFF"/>
-      </a:lt1>
-      <a:dk2>
-        <a:srgbClr val="158158"/>
-      </a:dk2>
-      <a:lt2>
-        <a:srgbClr val="F3F3F3"/>
-      </a:lt2>
-      <a:accent1>
-        <a:srgbClr val="058DC7"/>
-      </a:accent1>
-      <a:accent2>
-        <a:srgbClr val="50B432"/>
-      </a:accent2>
-      <a:accent3>
-        <a:srgbClr val="ED561B"/>
-      </a:accent3>
-      <a:accent4>
-        <a:srgbClr val="EDEF00"/>
-      </a:accent4>
-      <a:accent5>
-        <a:srgbClr val="24CBE5"/>
-      </a:accent5>
-      <a:accent6>
-        <a:srgbClr val="64E572"/>
-      </a:accent6>
-      <a:hlink>
-        <a:srgbClr val="2200CC"/>
-      </a:hlink>
-      <a:folHlink>
-        <a:srgbClr val="551A8B"/>
-      </a:folHlink>
-    </a:clrScheme>
-    <a:fontScheme name="Office">
-      <a:majorFont>
-        <a:latin typeface="Arial"/>
-        <a:ea typeface=""/>
-        <a:cs typeface=""/>
-        <a:font script="Jpan" typeface="ＭＳ Ｐゴシック"/>
-        <a:font script="Hang" typeface="맑은 고딕"/>
-        <a:font script="Hans" typeface="宋体"/>
-        <a:font script="Hant" typeface="新細明體"/>
-        <a:font script="Arab" typeface="Times New Roman"/>
-        <a:font script="Hebr" typeface="Times New Roman"/>
-        <a:font script="Thai" typeface="Angsana New"/>
-        <a:font script="Ethi" typeface="Nyala"/>
-        <a:font script="Beng" typeface="Vrinda"/>
-        <a:font script="Gujr" typeface="Shruti"/>
-        <a:font script="Khmr" typeface="MoolBoran"/>
-        <a:font script="Knda" typeface="Tunga"/>
-        <a:font script="Guru" typeface="Raavi"/>
-        <a:font script="Cans" typeface="Euphemia"/>
-        <a:font script="Cher" typeface="Plantagenet Cherokee"/>
-        <a:font script="Yiii" typeface="Microsoft Yi Baiti"/>
-        <a:font script="Tibt" typeface="Microsoft Himalaya"/>
-        <a:font script="Thaa" typeface="MV Boli"/>
-        <a:font script="Deva" typeface="Mangal"/>
-        <a:font script="Telu" typeface="Gautami"/>
-        <a:font script="Taml" typeface="Latha"/>
-        <a:font script="Syrc" typeface="Estrangelo Edessa"/>
-        <a:font script="Orya" typeface="Kalinga"/>
-        <a:font script="Mlym" typeface="Kartika"/>
-        <a:font script="Laoo" typeface="DokChampa"/>
-        <a:font script="Sinh" typeface="Iskoola Pota"/>
-        <a:font script="Mong" typeface="Mongolian Baiti"/>
-        <a:font script="Viet" typeface="Times New Roman"/>
-        <a:font script="Uigh" typeface="Microsoft Uighur"/>
-        <a:font script="Geor" typeface="Sylfaen"/>
-      </a:majorFont>
-      <a:minorFont>
-        <a:latin typeface="Arial"/>
-        <a:ea typeface=""/>
-        <a:cs typeface=""/>
-        <a:font script="Jpan" typeface="ＭＳ Ｐゴシック"/>
-        <a:font script="Hang" typeface="맑은 고딕"/>
-        <a:font script="Hans" typeface="宋体"/>
-        <a:font script="Hant" typeface="新細明體"/>
-        <a:font script="Arab" typeface="Arial"/>
-        <a:font script="Hebr" typeface="Arial"/>
-        <a:font script="Thai" typeface="Cordia New"/>
-        <a:font script="Ethi" typeface="Nyala"/>
-        <a:font script="Beng" typeface="Vrinda"/>
-        <a:font script="Gujr" typeface="Shruti"/>
-        <a:font script="Khmr" typeface="DaunPenh"/>
-        <a:font script="Knda" typeface="Tunga"/>
-        <a:font script="Guru" typeface="Raavi"/>
-        <a:font script="Cans" typeface="Euphemia"/>
-        <a:font script="Cher" typeface="Plantagenet Cherokee"/>
-        <a:font script="Yiii" typeface="Microsoft Yi Baiti"/>
-        <a:font script="Tibt" typeface="Microsoft Himalaya"/>
-        <a:font script="Thaa" typeface="MV Boli"/>
-        <a:font script="Deva" typeface="Mangal"/>
-        <a:font script="Telu" typeface="Gautami"/>
-        <a:font script="Taml" typeface="Latha"/>
-        <a:font script="Syrc" typeface="Estrangelo Edessa"/>
-        <a:font script="Orya" typeface="Kalinga"/>
-        <a:font script="Mlym" typeface="Kartika"/>
-        <a:font script="Laoo" typeface="DokChampa"/>
-        <a:font script="Sinh" typeface="Iskoola Pota"/>
-        <a:font script="Mong" typeface="Mongolian Baiti"/>
-        <a:font script="Viet" typeface="Arial"/>
-        <a:font script="Uigh" typeface="Microsoft Uighur"/>
-        <a:font script="Geor" typeface="Sylfaen"/>
-      </a:minorFont>
-    </a:fontScheme>
-    <a:fmtScheme name="Office">
-      <a:fillStyleLst>
-        <a:solidFill>
-          <a:schemeClr val="phClr"/>
-        </a:solidFill>
-        <a:gradFill rotWithShape="1">
-          <a:gsLst>
-            <a:gs pos="0">
-              <a:schemeClr val="phClr">
-                <a:tint val="50000"/>
-                <a:satMod val="300000"/>
-              </a:schemeClr>
-            </a:gs>
-            <a:gs pos="35000">
-              <a:schemeClr val="phClr">
-                <a:tint val="37000"/>
-                <a:satMod val="300000"/>
-              </a:schemeClr>
-            </a:gs>
-            <a:gs pos="100000">
-              <a:schemeClr val="phClr">
-                <a:tint val="15000"/>
-                <a:satMod val="350000"/>
-              </a:schemeClr>
-            </a:gs>
-          </a:gsLst>
-          <a:lin ang="16200000" scaled="1"/>
-        </a:gradFill>
-        <a:gradFill rotWithShape="1">
-          <a:gsLst>
-            <a:gs pos="0">
-              <a:schemeClr val="phClr">
-                <a:tint val="100000"/>
-                <a:shade val="100000"/>
-                <a:satMod val="130000"/>
-              </a:schemeClr>
-            </a:gs>
-            <a:gs pos="100000">
-              <a:schemeClr val="phClr">
-                <a:tint val="50000"/>
-                <a:shade val="100000"/>
-                <a:satMod val="350000"/>
-              </a:schemeClr>
-            </a:gs>
-          </a:gsLst>
-          <a:lin ang="16200000" scaled="0"/>
-        </a:gradFill>
-      </a:fillStyleLst>
-      <a:lnStyleLst>
-        <a:ln w="9525" cap="flat" cmpd="sng" algn="ctr">
-          <a:solidFill>
-            <a:schemeClr val="phClr">
-              <a:shade val="95000"/>
-              <a:satMod val="105000"/>
-            </a:schemeClr>
-          </a:solidFill>
-          <a:prstDash val="solid"/>
-        </a:ln>
-        <a:ln w="25400" cap="flat" cmpd="sng" algn="ctr">
-          <a:solidFill>
-            <a:schemeClr val="phClr"/>
-          </a:solidFill>
-          <a:prstDash val="solid"/>
-        </a:ln>
-        <a:ln w="38100" cap="flat" cmpd="sng" algn="ctr">
-          <a:solidFill>
-            <a:schemeClr val="phClr"/>
-          </a:solidFill>
-          <a:prstDash val="solid"/>
-        </a:ln>
-      </a:lnStyleLst>
-      <a:effectStyleLst>
-        <a:effectStyle>
-          <a:effectLst>
-            <a:outerShdw blurRad="40000" dist="20000" dir="5400000" rotWithShape="0">
-              <a:srgbClr val="000000">
-                <a:alpha val="38000"/>
-              </a:srgbClr>
-            </a:outerShdw>
-          </a:effectLst>
-        </a:effectStyle>
-        <a:effectStyle>
-          <a:effectLst>
-            <a:outerShdw blurRad="40000" dist="23000" dir="5400000" rotWithShape="0">
-              <a:srgbClr val="000000">
-                <a:alpha val="35000"/>
-              </a:srgbClr>
-            </a:outerShdw>
-          </a:effectLst>
-        </a:effectStyle>
-        <a:effectStyle>
-          <a:effectLst>
-            <a:outerShdw blurRad="40000" dist="23000" dir="5400000" rotWithShape="0">
-              <a:srgbClr val="000000">
-                <a:alpha val="35000"/>
-              </a:srgbClr>
-            </a:outerShdw>
-          </a:effectLst>
-          <a:scene3d>
-            <a:camera prst="orthographicFront">
-              <a:rot lat="0" lon="0" rev="0"/>
-            </a:camera>
-            <a:lightRig rig="threePt" dir="t">
-              <a:rot lat="0" lon="0" rev="1200000"/>
-            </a:lightRig>
-          </a:scene3d>
-          <a:sp3d>
-            <a:bevelT w="63500" h="25400"/>
-          </a:sp3d>
-        </a:effectStyle>
-      </a:effectStyleLst>
-      <a:bgFillStyleLst>
-        <a:solidFill>
-          <a:schemeClr val="phClr"/>
-        </a:solidFill>
-        <a:gradFill rotWithShape="1">
-          <a:gsLst>
-            <a:gs pos="0">
-              <a:schemeClr val="phClr">
-                <a:tint val="40000"/>
-                <a:satMod val="350000"/>
-              </a:schemeClr>
-            </a:gs>
-            <a:gs pos="40000">
-              <a:schemeClr val="phClr">
-                <a:tint val="45000"/>
-                <a:shade val="99000"/>
-                <a:satMod val="350000"/>
-              </a:schemeClr>
-            </a:gs>
-            <a:gs pos="100000">
-              <a:schemeClr val="phClr">
-                <a:shade val="20000"/>
-                <a:satMod val="255000"/>
-              </a:schemeClr>
-            </a:gs>
-          </a:gsLst>
-          <a:path path="circle">
-            <a:fillToRect l="50000" t="-80000" r="50000" b="180000"/>
-          </a:path>
-        </a:gradFill>
-        <a:gradFill rotWithShape="1">
-          <a:gsLst>
-            <a:gs pos="0">
-              <a:schemeClr val="phClr">
-                <a:tint val="80000"/>
-                <a:satMod val="300000"/>
-              </a:schemeClr>
-            </a:gs>
-            <a:gs pos="100000">
-              <a:schemeClr val="phClr">
-                <a:shade val="30000"/>
-                <a:satMod val="200000"/>
-              </a:schemeClr>
-            </a:gs>
-          </a:gsLst>
-          <a:path path="circle">
-            <a:fillToRect l="50000" t="50000" r="50000" b="50000"/>
-          </a:path>
-        </a:gradFill>
-      </a:bgFillStyleLst>
-    </a:fmtScheme>
-  </a:themeElements>
-</a:theme>
 </file>